--- a/ppt/PythonMath06-Numpy.pptx
+++ b/ppt/PythonMath06-Numpy.pptx
@@ -5,17 +5,34 @@
     <p:sldMasterId id="2147483653" r:id="rId1"/>
   </p:sldMasterIdLst>
   <p:notesMasterIdLst>
-    <p:notesMasterId r:id="rId7"/>
+    <p:notesMasterId r:id="rId24"/>
   </p:notesMasterIdLst>
   <p:handoutMasterIdLst>
-    <p:handoutMasterId r:id="rId8"/>
+    <p:handoutMasterId r:id="rId25"/>
   </p:handoutMasterIdLst>
   <p:sldIdLst>
     <p:sldId id="264" r:id="rId2"/>
     <p:sldId id="265" r:id="rId3"/>
     <p:sldId id="266" r:id="rId4"/>
-    <p:sldId id="274" r:id="rId5"/>
-    <p:sldId id="283" r:id="rId6"/>
+    <p:sldId id="291" r:id="rId5"/>
+    <p:sldId id="285" r:id="rId6"/>
+    <p:sldId id="293" r:id="rId7"/>
+    <p:sldId id="295" r:id="rId8"/>
+    <p:sldId id="296" r:id="rId9"/>
+    <p:sldId id="297" r:id="rId10"/>
+    <p:sldId id="298" r:id="rId11"/>
+    <p:sldId id="286" r:id="rId12"/>
+    <p:sldId id="300" r:id="rId13"/>
+    <p:sldId id="274" r:id="rId14"/>
+    <p:sldId id="301" r:id="rId15"/>
+    <p:sldId id="302" r:id="rId16"/>
+    <p:sldId id="284" r:id="rId17"/>
+    <p:sldId id="290" r:id="rId18"/>
+    <p:sldId id="287" r:id="rId19"/>
+    <p:sldId id="288" r:id="rId20"/>
+    <p:sldId id="289" r:id="rId21"/>
+    <p:sldId id="283" r:id="rId22"/>
+    <p:sldId id="303" r:id="rId23"/>
   </p:sldIdLst>
   <p:sldSz cx="9144000" cy="6858000" type="screen4x3"/>
   <p:notesSz cx="6648450" cy="9782175"/>
@@ -3692,14 +3709,9 @@
           <a:p>
             <a:pPr eaLnBrk="1" hangingPunct="1"/>
             <a:r>
-              <a:rPr lang="fr-FR" altLang="fr-FR" smtClean="0"/>
-              <a:t>Chapitre </a:t>
-            </a:r>
-            <a:r>
-              <a:rPr lang="fr-FR" altLang="fr-FR" smtClean="0"/>
-              <a:t>6</a:t>
-            </a:r>
-            <a:endParaRPr lang="fr-FR" altLang="fr-FR" dirty="0" smtClean="0"/>
+              <a:rPr lang="fr-FR" altLang="fr-FR" dirty="0" smtClean="0"/>
+              <a:t>Chapitre 6</a:t>
+            </a:r>
           </a:p>
           <a:p>
             <a:pPr eaLnBrk="1" hangingPunct="1"/>
@@ -3787,6 +3799,1620 @@
 </p:sld>
 </file>
 
+<file path=ppt/slides/slide10.xml><?xml version="1.0" encoding="utf-8"?>
+<p:sld xmlns:a="http://schemas.openxmlformats.org/drawingml/2006/main" xmlns:r="http://schemas.openxmlformats.org/officeDocument/2006/relationships" xmlns:p="http://schemas.openxmlformats.org/presentationml/2006/main">
+  <p:cSld>
+    <p:spTree>
+      <p:nvGrpSpPr>
+        <p:cNvPr id="1" name=""/>
+        <p:cNvGrpSpPr/>
+        <p:nvPr/>
+      </p:nvGrpSpPr>
+      <p:grpSpPr>
+        <a:xfrm>
+          <a:off x="0" y="0"/>
+          <a:ext cx="0" cy="0"/>
+          <a:chOff x="0" y="0"/>
+          <a:chExt cx="0" cy="0"/>
+        </a:xfrm>
+      </p:grpSpPr>
+      <p:sp>
+        <p:nvSpPr>
+          <p:cNvPr id="2" name="Title 1">
+            <a:extLst>
+              <a:ext uri="{FF2B5EF4-FFF2-40B4-BE49-F238E27FC236}">
+                <a16:creationId xmlns:a16="http://schemas.microsoft.com/office/drawing/2014/main" id="{F8C3A89D-B04F-4FF7-B864-B3F9BBFBE530}"/>
+              </a:ext>
+            </a:extLst>
+          </p:cNvPr>
+          <p:cNvSpPr>
+            <a:spLocks noGrp="1"/>
+          </p:cNvSpPr>
+          <p:nvPr>
+            <p:ph type="title"/>
+          </p:nvPr>
+        </p:nvSpPr>
+        <p:spPr/>
+        <p:txBody>
+          <a:bodyPr/>
+          <a:lstStyle/>
+          <a:p>
+            <a:r>
+              <a:rPr lang="en-US" dirty="0"/>
+              <a:t>Arrays, creation</a:t>
+            </a:r>
+          </a:p>
+        </p:txBody>
+      </p:sp>
+      <p:sp>
+        <p:nvSpPr>
+          <p:cNvPr id="3" name="Content Placeholder 2">
+            <a:extLst>
+              <a:ext uri="{FF2B5EF4-FFF2-40B4-BE49-F238E27FC236}">
+                <a16:creationId xmlns:a16="http://schemas.microsoft.com/office/drawing/2014/main" id="{E06060F4-F2F0-4A93-BA3A-8F21AA583A86}"/>
+              </a:ext>
+            </a:extLst>
+          </p:cNvPr>
+          <p:cNvSpPr>
+            <a:spLocks noGrp="1"/>
+          </p:cNvSpPr>
+          <p:nvPr>
+            <p:ph sz="half" idx="1"/>
+          </p:nvPr>
+        </p:nvSpPr>
+        <p:spPr/>
+        <p:txBody>
+          <a:bodyPr/>
+          <a:lstStyle/>
+          <a:p>
+            <a:r>
+              <a:rPr lang="en-US" dirty="0" err="1"/>
+              <a:t>np.ones</a:t>
+            </a:r>
+            <a:r>
+              <a:rPr lang="en-US" dirty="0"/>
+              <a:t>, </a:t>
+            </a:r>
+            <a:r>
+              <a:rPr lang="en-US" dirty="0" err="1"/>
+              <a:t>np.zeros</a:t>
+            </a:r>
+            <a:endParaRPr lang="en-US" dirty="0"/>
+          </a:p>
+          <a:p>
+            <a:r>
+              <a:rPr lang="en-US" dirty="0" err="1"/>
+              <a:t>np.arange</a:t>
+            </a:r>
+            <a:endParaRPr lang="en-US" dirty="0"/>
+          </a:p>
+          <a:p>
+            <a:r>
+              <a:rPr lang="en-US" dirty="0" err="1"/>
+              <a:t>np.concatenate</a:t>
+            </a:r>
+            <a:endParaRPr lang="en-US" dirty="0"/>
+          </a:p>
+          <a:p>
+            <a:r>
+              <a:rPr lang="en-US" dirty="0" err="1"/>
+              <a:t>np.astype</a:t>
+            </a:r>
+            <a:endParaRPr lang="en-US" dirty="0"/>
+          </a:p>
+          <a:p>
+            <a:r>
+              <a:rPr lang="en-US" b="1" dirty="0" err="1"/>
+              <a:t>np.zeros_like</a:t>
+            </a:r>
+            <a:r>
+              <a:rPr lang="en-US" b="1" dirty="0"/>
+              <a:t>, </a:t>
+            </a:r>
+            <a:r>
+              <a:rPr lang="en-US" b="1" dirty="0" err="1"/>
+              <a:t>np.ones_like</a:t>
+            </a:r>
+            <a:endParaRPr lang="en-US" b="1" dirty="0"/>
+          </a:p>
+          <a:p>
+            <a:r>
+              <a:rPr lang="en-US" dirty="0" err="1"/>
+              <a:t>np.random.random</a:t>
+            </a:r>
+            <a:endParaRPr lang="en-US" dirty="0"/>
+          </a:p>
+        </p:txBody>
+      </p:sp>
+      <p:sp>
+        <p:nvSpPr>
+          <p:cNvPr id="4" name="Slide Number Placeholder 3">
+            <a:extLst>
+              <a:ext uri="{FF2B5EF4-FFF2-40B4-BE49-F238E27FC236}">
+                <a16:creationId xmlns:a16="http://schemas.microsoft.com/office/drawing/2014/main" id="{477EE54A-B5E2-4DA9-952D-ABF5FCAC46C8}"/>
+              </a:ext>
+            </a:extLst>
+          </p:cNvPr>
+          <p:cNvSpPr>
+            <a:spLocks noGrp="1"/>
+          </p:cNvSpPr>
+          <p:nvPr>
+            <p:ph type="sldNum" sz="quarter" idx="4294967295"/>
+          </p:nvPr>
+        </p:nvSpPr>
+        <p:spPr/>
+        <p:txBody>
+          <a:bodyPr>
+            <a:normAutofit fontScale="25000" lnSpcReduction="20000"/>
+          </a:bodyPr>
+          <a:lstStyle/>
+          <a:p>
+            <a:fld id="{4FAB73BC-B049-4115-A692-8D63A059BFB8}" type="slidenum">
+              <a:rPr lang="en-US" smtClean="0"/>
+              <a:t>10</a:t>
+            </a:fld>
+            <a:endParaRPr lang="en-US" dirty="0"/>
+          </a:p>
+        </p:txBody>
+      </p:sp>
+      <p:sp>
+        <p:nvSpPr>
+          <p:cNvPr id="6" name="Content Placeholder 5">
+            <a:extLst>
+              <a:ext uri="{FF2B5EF4-FFF2-40B4-BE49-F238E27FC236}">
+                <a16:creationId xmlns:a16="http://schemas.microsoft.com/office/drawing/2014/main" id="{AC91024C-2C0D-4B84-8A32-07E92E289FA4}"/>
+              </a:ext>
+            </a:extLst>
+          </p:cNvPr>
+          <p:cNvSpPr>
+            <a:spLocks noGrp="1"/>
+          </p:cNvSpPr>
+          <p:nvPr>
+            <p:ph sz="half" idx="2"/>
+          </p:nvPr>
+        </p:nvSpPr>
+        <p:spPr/>
+        <p:txBody>
+          <a:bodyPr/>
+          <a:lstStyle/>
+          <a:p>
+            <a:endParaRPr lang="en-US"/>
+          </a:p>
+        </p:txBody>
+      </p:sp>
+      <p:pic>
+        <p:nvPicPr>
+          <p:cNvPr id="3076" name="Picture 4" descr="https://i.gyazo.com/06e91c14aeec5dcf6a8534c1282a5f4a.png">
+            <a:extLst>
+              <a:ext uri="{FF2B5EF4-FFF2-40B4-BE49-F238E27FC236}">
+                <a16:creationId xmlns:a16="http://schemas.microsoft.com/office/drawing/2014/main" id="{41D56FE4-04AA-438C-8631-08EF4969EE61}"/>
+              </a:ext>
+            </a:extLst>
+          </p:cNvPr>
+          <p:cNvPicPr>
+            <a:picLocks noChangeAspect="1" noChangeArrowheads="1"/>
+          </p:cNvPicPr>
+          <p:nvPr/>
+        </p:nvPicPr>
+        <p:blipFill>
+          <a:blip r:embed="rId2">
+            <a:extLst>
+              <a:ext uri="{28A0092B-C50C-407E-A947-70E740481C1C}">
+                <a14:useLocalDpi xmlns:a14="http://schemas.microsoft.com/office/drawing/2010/main" val="0"/>
+              </a:ext>
+            </a:extLst>
+          </a:blip>
+          <a:srcRect/>
+          <a:stretch>
+            <a:fillRect/>
+          </a:stretch>
+        </p:blipFill>
+        <p:spPr bwMode="auto">
+          <a:xfrm>
+            <a:off x="4572000" y="2924944"/>
+            <a:ext cx="3911030" cy="994171"/>
+          </a:xfrm>
+          <a:prstGeom prst="rect">
+            <a:avLst/>
+          </a:prstGeom>
+          <a:noFill/>
+          <a:extLst>
+            <a:ext uri="{909E8E84-426E-40DD-AFC4-6F175D3DCCD1}">
+              <a14:hiddenFill xmlns:a14="http://schemas.microsoft.com/office/drawing/2010/main">
+                <a:solidFill>
+                  <a:srgbClr val="FFFFFF"/>
+                </a:solidFill>
+              </a14:hiddenFill>
+            </a:ext>
+          </a:extLst>
+        </p:spPr>
+      </p:pic>
+    </p:spTree>
+    <p:extLst>
+      <p:ext uri="{BB962C8B-B14F-4D97-AF65-F5344CB8AC3E}">
+        <p14:creationId xmlns:p14="http://schemas.microsoft.com/office/powerpoint/2010/main" val="2006993335"/>
+      </p:ext>
+    </p:extLst>
+  </p:cSld>
+  <p:clrMapOvr>
+    <a:masterClrMapping/>
+  </p:clrMapOvr>
+</p:sld>
+</file>
+
+<file path=ppt/slides/slide11.xml><?xml version="1.0" encoding="utf-8"?>
+<p:sld xmlns:a="http://schemas.openxmlformats.org/drawingml/2006/main" xmlns:r="http://schemas.openxmlformats.org/officeDocument/2006/relationships" xmlns:p="http://schemas.openxmlformats.org/presentationml/2006/main">
+  <p:cSld>
+    <p:spTree>
+      <p:nvGrpSpPr>
+        <p:cNvPr id="1" name=""/>
+        <p:cNvGrpSpPr/>
+        <p:nvPr/>
+      </p:nvGrpSpPr>
+      <p:grpSpPr>
+        <a:xfrm>
+          <a:off x="0" y="0"/>
+          <a:ext cx="0" cy="0"/>
+          <a:chOff x="0" y="0"/>
+          <a:chExt cx="0" cy="0"/>
+        </a:xfrm>
+      </p:grpSpPr>
+      <p:sp>
+        <p:nvSpPr>
+          <p:cNvPr id="2" name="Titre 1"/>
+          <p:cNvSpPr>
+            <a:spLocks noGrp="1"/>
+          </p:cNvSpPr>
+          <p:nvPr>
+            <p:ph type="title"/>
+          </p:nvPr>
+        </p:nvSpPr>
+        <p:spPr/>
+        <p:txBody>
+          <a:bodyPr/>
+          <a:lstStyle/>
+          <a:p>
+            <a:r>
+              <a:rPr lang="fr-FR" dirty="0" err="1" smtClean="0"/>
+              <a:t>arange</a:t>
+            </a:r>
+            <a:endParaRPr lang="fr-FR" dirty="0"/>
+          </a:p>
+        </p:txBody>
+      </p:sp>
+      <p:sp>
+        <p:nvSpPr>
+          <p:cNvPr id="3" name="Espace réservé du contenu 2"/>
+          <p:cNvSpPr>
+            <a:spLocks noGrp="1"/>
+          </p:cNvSpPr>
+          <p:nvPr>
+            <p:ph idx="1"/>
+          </p:nvPr>
+        </p:nvSpPr>
+        <p:spPr/>
+        <p:txBody>
+          <a:bodyPr/>
+          <a:lstStyle/>
+          <a:p>
+            <a:r>
+              <a:rPr lang="fr-FR" dirty="0"/>
+              <a:t># Un tableau rempli d'une séquence linéaire</a:t>
+            </a:r>
+          </a:p>
+          <a:p>
+            <a:r>
+              <a:rPr lang="fr-FR" dirty="0"/>
+              <a:t># commençant à 0 et qui se termine à 20, avec un pas de 2</a:t>
+            </a:r>
+          </a:p>
+          <a:p>
+            <a:r>
+              <a:rPr lang="fr-FR" dirty="0" err="1"/>
+              <a:t>np.arange</a:t>
+            </a:r>
+            <a:r>
+              <a:rPr lang="fr-FR" dirty="0"/>
+              <a:t>(0, 20, 2)</a:t>
+            </a:r>
+          </a:p>
+          <a:p>
+            <a:r>
+              <a:rPr lang="fr-FR" dirty="0" smtClean="0"/>
+              <a:t># </a:t>
+            </a:r>
+            <a:r>
+              <a:rPr lang="fr-FR" dirty="0"/>
+              <a:t>Un tableau de 5 valeurs, espacées uniformément entre 0 et 1</a:t>
+            </a:r>
+          </a:p>
+          <a:p>
+            <a:r>
+              <a:rPr lang="fr-FR" dirty="0" err="1"/>
+              <a:t>np.linspace</a:t>
+            </a:r>
+            <a:r>
+              <a:rPr lang="fr-FR" dirty="0"/>
+              <a:t>(0, 1, 5)</a:t>
+            </a:r>
+          </a:p>
+        </p:txBody>
+      </p:sp>
+    </p:spTree>
+    <p:extLst>
+      <p:ext uri="{BB962C8B-B14F-4D97-AF65-F5344CB8AC3E}">
+        <p14:creationId xmlns:p14="http://schemas.microsoft.com/office/powerpoint/2010/main" val="3214626482"/>
+      </p:ext>
+    </p:extLst>
+  </p:cSld>
+  <p:clrMapOvr>
+    <a:masterClrMapping/>
+  </p:clrMapOvr>
+  <p:timing>
+    <p:tnLst>
+      <p:par>
+        <p:cTn id="1" dur="indefinite" restart="never" nodeType="tmRoot"/>
+      </p:par>
+    </p:tnLst>
+  </p:timing>
+</p:sld>
+</file>
+
+<file path=ppt/slides/slide12.xml><?xml version="1.0" encoding="utf-8"?>
+<p:sld xmlns:a="http://schemas.openxmlformats.org/drawingml/2006/main" xmlns:r="http://schemas.openxmlformats.org/officeDocument/2006/relationships" xmlns:p="http://schemas.openxmlformats.org/presentationml/2006/main">
+  <p:cSld>
+    <p:spTree>
+      <p:nvGrpSpPr>
+        <p:cNvPr id="1" name=""/>
+        <p:cNvGrpSpPr/>
+        <p:nvPr/>
+      </p:nvGrpSpPr>
+      <p:grpSpPr>
+        <a:xfrm>
+          <a:off x="0" y="0"/>
+          <a:ext cx="0" cy="0"/>
+          <a:chOff x="0" y="0"/>
+          <a:chExt cx="0" cy="0"/>
+        </a:xfrm>
+      </p:grpSpPr>
+      <p:sp>
+        <p:nvSpPr>
+          <p:cNvPr id="2" name="Title 1">
+            <a:extLst>
+              <a:ext uri="{FF2B5EF4-FFF2-40B4-BE49-F238E27FC236}">
+                <a16:creationId xmlns:a16="http://schemas.microsoft.com/office/drawing/2014/main" id="{F8C3A89D-B04F-4FF7-B864-B3F9BBFBE530}"/>
+              </a:ext>
+            </a:extLst>
+          </p:cNvPr>
+          <p:cNvSpPr>
+            <a:spLocks noGrp="1"/>
+          </p:cNvSpPr>
+          <p:nvPr>
+            <p:ph type="title"/>
+          </p:nvPr>
+        </p:nvSpPr>
+        <p:spPr/>
+        <p:txBody>
+          <a:bodyPr/>
+          <a:lstStyle/>
+          <a:p>
+            <a:r>
+              <a:rPr lang="en-US" dirty="0"/>
+              <a:t>Arrays, creation</a:t>
+            </a:r>
+          </a:p>
+        </p:txBody>
+      </p:sp>
+      <p:sp>
+        <p:nvSpPr>
+          <p:cNvPr id="3" name="Content Placeholder 2">
+            <a:extLst>
+              <a:ext uri="{FF2B5EF4-FFF2-40B4-BE49-F238E27FC236}">
+                <a16:creationId xmlns:a16="http://schemas.microsoft.com/office/drawing/2014/main" id="{E06060F4-F2F0-4A93-BA3A-8F21AA583A86}"/>
+              </a:ext>
+            </a:extLst>
+          </p:cNvPr>
+          <p:cNvSpPr>
+            <a:spLocks noGrp="1"/>
+          </p:cNvSpPr>
+          <p:nvPr>
+            <p:ph sz="half" idx="1"/>
+          </p:nvPr>
+        </p:nvSpPr>
+        <p:spPr/>
+        <p:txBody>
+          <a:bodyPr/>
+          <a:lstStyle/>
+          <a:p>
+            <a:r>
+              <a:rPr lang="en-US" dirty="0" err="1"/>
+              <a:t>np.ones</a:t>
+            </a:r>
+            <a:r>
+              <a:rPr lang="en-US" dirty="0"/>
+              <a:t>, </a:t>
+            </a:r>
+            <a:r>
+              <a:rPr lang="en-US" dirty="0" err="1"/>
+              <a:t>np.zeros</a:t>
+            </a:r>
+            <a:endParaRPr lang="en-US" dirty="0"/>
+          </a:p>
+          <a:p>
+            <a:r>
+              <a:rPr lang="en-US" b="1" dirty="0" err="1"/>
+              <a:t>np.arange</a:t>
+            </a:r>
+            <a:endParaRPr lang="en-US" b="1" dirty="0"/>
+          </a:p>
+          <a:p>
+            <a:r>
+              <a:rPr lang="en-US" dirty="0" err="1"/>
+              <a:t>np.concatenate</a:t>
+            </a:r>
+            <a:endParaRPr lang="en-US" dirty="0"/>
+          </a:p>
+          <a:p>
+            <a:r>
+              <a:rPr lang="en-US" dirty="0" err="1"/>
+              <a:t>np.astype</a:t>
+            </a:r>
+            <a:endParaRPr lang="en-US" dirty="0"/>
+          </a:p>
+          <a:p>
+            <a:r>
+              <a:rPr lang="en-US" dirty="0" err="1"/>
+              <a:t>np.zeros_like</a:t>
+            </a:r>
+            <a:r>
+              <a:rPr lang="en-US" dirty="0"/>
+              <a:t>, </a:t>
+            </a:r>
+            <a:r>
+              <a:rPr lang="en-US" dirty="0" err="1"/>
+              <a:t>np.ones_like</a:t>
+            </a:r>
+            <a:endParaRPr lang="en-US" dirty="0"/>
+          </a:p>
+          <a:p>
+            <a:r>
+              <a:rPr lang="en-US" dirty="0" err="1"/>
+              <a:t>np.random.random</a:t>
+            </a:r>
+            <a:endParaRPr lang="en-US" dirty="0"/>
+          </a:p>
+        </p:txBody>
+      </p:sp>
+      <p:pic>
+        <p:nvPicPr>
+          <p:cNvPr id="3076" name="Picture 4" descr="https://i.gyazo.com/8001a5fae4b908ca4cdec3a018885ba7.png">
+            <a:extLst>
+              <a:ext uri="{FF2B5EF4-FFF2-40B4-BE49-F238E27FC236}">
+                <a16:creationId xmlns:a16="http://schemas.microsoft.com/office/drawing/2014/main" id="{F932B43B-F42C-4E3D-8306-84FD7EA80D09}"/>
+              </a:ext>
+            </a:extLst>
+          </p:cNvPr>
+          <p:cNvPicPr>
+            <a:picLocks noGrp="1" noChangeAspect="1" noChangeArrowheads="1"/>
+          </p:cNvPicPr>
+          <p:nvPr>
+            <p:ph sz="half" idx="2"/>
+          </p:nvPr>
+        </p:nvPicPr>
+        <p:blipFill>
+          <a:blip r:embed="rId2">
+            <a:extLst>
+              <a:ext uri="{28A0092B-C50C-407E-A947-70E740481C1C}">
+                <a14:useLocalDpi xmlns:a14="http://schemas.microsoft.com/office/drawing/2010/main" val="0"/>
+              </a:ext>
+            </a:extLst>
+          </a:blip>
+          <a:srcRect/>
+          <a:stretch>
+            <a:fillRect/>
+          </a:stretch>
+        </p:blipFill>
+        <p:spPr bwMode="auto">
+          <a:xfrm>
+            <a:off x="4061748" y="3573016"/>
+            <a:ext cx="4858985" cy="719166"/>
+          </a:xfrm>
+          <a:prstGeom prst="rect">
+            <a:avLst/>
+          </a:prstGeom>
+          <a:noFill/>
+          <a:extLst>
+            <a:ext uri="{909E8E84-426E-40DD-AFC4-6F175D3DCCD1}">
+              <a14:hiddenFill xmlns:a14="http://schemas.microsoft.com/office/drawing/2010/main">
+                <a:solidFill>
+                  <a:srgbClr val="FFFFFF"/>
+                </a:solidFill>
+              </a14:hiddenFill>
+            </a:ext>
+          </a:extLst>
+        </p:spPr>
+      </p:pic>
+      <p:sp>
+        <p:nvSpPr>
+          <p:cNvPr id="4" name="Slide Number Placeholder 3">
+            <a:extLst>
+              <a:ext uri="{FF2B5EF4-FFF2-40B4-BE49-F238E27FC236}">
+                <a16:creationId xmlns:a16="http://schemas.microsoft.com/office/drawing/2014/main" id="{0F3EFB67-0BB7-4EE7-8621-91042C112821}"/>
+              </a:ext>
+            </a:extLst>
+          </p:cNvPr>
+          <p:cNvSpPr>
+            <a:spLocks noGrp="1"/>
+          </p:cNvSpPr>
+          <p:nvPr>
+            <p:ph type="sldNum" sz="quarter" idx="4294967295"/>
+          </p:nvPr>
+        </p:nvSpPr>
+        <p:spPr/>
+        <p:txBody>
+          <a:bodyPr>
+            <a:normAutofit fontScale="25000" lnSpcReduction="20000"/>
+          </a:bodyPr>
+          <a:lstStyle/>
+          <a:p>
+            <a:fld id="{4FAB73BC-B049-4115-A692-8D63A059BFB8}" type="slidenum">
+              <a:rPr lang="en-US" smtClean="0"/>
+              <a:t>12</a:t>
+            </a:fld>
+            <a:endParaRPr lang="en-US" dirty="0"/>
+          </a:p>
+        </p:txBody>
+      </p:sp>
+    </p:spTree>
+    <p:extLst>
+      <p:ext uri="{BB962C8B-B14F-4D97-AF65-F5344CB8AC3E}">
+        <p14:creationId xmlns:p14="http://schemas.microsoft.com/office/powerpoint/2010/main" val="636031390"/>
+      </p:ext>
+    </p:extLst>
+  </p:cSld>
+  <p:clrMapOvr>
+    <a:masterClrMapping/>
+  </p:clrMapOvr>
+</p:sld>
+</file>
+
+<file path=ppt/slides/slide13.xml><?xml version="1.0" encoding="utf-8"?>
+<p:sld xmlns:a="http://schemas.openxmlformats.org/drawingml/2006/main" xmlns:r="http://schemas.openxmlformats.org/officeDocument/2006/relationships" xmlns:p="http://schemas.openxmlformats.org/presentationml/2006/main">
+  <p:cSld>
+    <p:spTree>
+      <p:nvGrpSpPr>
+        <p:cNvPr id="1" name=""/>
+        <p:cNvGrpSpPr/>
+        <p:nvPr/>
+      </p:nvGrpSpPr>
+      <p:grpSpPr>
+        <a:xfrm>
+          <a:off x="0" y="0"/>
+          <a:ext cx="0" cy="0"/>
+          <a:chOff x="0" y="0"/>
+          <a:chExt cx="0" cy="0"/>
+        </a:xfrm>
+      </p:grpSpPr>
+      <p:sp>
+        <p:nvSpPr>
+          <p:cNvPr id="2" name="Titre 1"/>
+          <p:cNvSpPr>
+            <a:spLocks noGrp="1"/>
+          </p:cNvSpPr>
+          <p:nvPr>
+            <p:ph type="title"/>
+          </p:nvPr>
+        </p:nvSpPr>
+        <p:spPr/>
+        <p:txBody>
+          <a:bodyPr/>
+          <a:lstStyle/>
+          <a:p>
+            <a:r>
+              <a:rPr lang="fr-FR" dirty="0" err="1" smtClean="0"/>
+              <a:t>Random</a:t>
+            </a:r>
+            <a:endParaRPr lang="fr-FR" dirty="0"/>
+          </a:p>
+        </p:txBody>
+      </p:sp>
+      <p:pic>
+        <p:nvPicPr>
+          <p:cNvPr id="4" name="Image 3"/>
+          <p:cNvPicPr>
+            <a:picLocks noChangeAspect="1"/>
+          </p:cNvPicPr>
+          <p:nvPr/>
+        </p:nvPicPr>
+        <p:blipFill>
+          <a:blip r:embed="rId2"/>
+          <a:stretch>
+            <a:fillRect/>
+          </a:stretch>
+        </p:blipFill>
+        <p:spPr>
+          <a:xfrm>
+            <a:off x="827584" y="1156209"/>
+            <a:ext cx="7466207" cy="3744416"/>
+          </a:xfrm>
+          <a:prstGeom prst="rect">
+            <a:avLst/>
+          </a:prstGeom>
+        </p:spPr>
+      </p:pic>
+    </p:spTree>
+    <p:extLst>
+      <p:ext uri="{BB962C8B-B14F-4D97-AF65-F5344CB8AC3E}">
+        <p14:creationId xmlns:p14="http://schemas.microsoft.com/office/powerpoint/2010/main" val="2677605873"/>
+      </p:ext>
+    </p:extLst>
+  </p:cSld>
+  <p:clrMapOvr>
+    <a:masterClrMapping/>
+  </p:clrMapOvr>
+  <p:timing>
+    <p:tnLst>
+      <p:par>
+        <p:cTn id="1" dur="indefinite" restart="never" nodeType="tmRoot"/>
+      </p:par>
+    </p:tnLst>
+  </p:timing>
+</p:sld>
+</file>
+
+<file path=ppt/slides/slide14.xml><?xml version="1.0" encoding="utf-8"?>
+<p:sld xmlns:a="http://schemas.openxmlformats.org/drawingml/2006/main" xmlns:r="http://schemas.openxmlformats.org/officeDocument/2006/relationships" xmlns:p="http://schemas.openxmlformats.org/presentationml/2006/main">
+  <p:cSld>
+    <p:spTree>
+      <p:nvGrpSpPr>
+        <p:cNvPr id="1" name=""/>
+        <p:cNvGrpSpPr/>
+        <p:nvPr/>
+      </p:nvGrpSpPr>
+      <p:grpSpPr>
+        <a:xfrm>
+          <a:off x="0" y="0"/>
+          <a:ext cx="0" cy="0"/>
+          <a:chOff x="0" y="0"/>
+          <a:chExt cx="0" cy="0"/>
+        </a:xfrm>
+      </p:grpSpPr>
+      <p:sp>
+        <p:nvSpPr>
+          <p:cNvPr id="2" name="Title 1">
+            <a:extLst>
+              <a:ext uri="{FF2B5EF4-FFF2-40B4-BE49-F238E27FC236}">
+                <a16:creationId xmlns:a16="http://schemas.microsoft.com/office/drawing/2014/main" id="{F8C3A89D-B04F-4FF7-B864-B3F9BBFBE530}"/>
+              </a:ext>
+            </a:extLst>
+          </p:cNvPr>
+          <p:cNvSpPr>
+            <a:spLocks noGrp="1"/>
+          </p:cNvSpPr>
+          <p:nvPr>
+            <p:ph type="title"/>
+          </p:nvPr>
+        </p:nvSpPr>
+        <p:spPr/>
+        <p:txBody>
+          <a:bodyPr/>
+          <a:lstStyle/>
+          <a:p>
+            <a:r>
+              <a:rPr lang="en-US" dirty="0"/>
+              <a:t>Arrays, creation</a:t>
+            </a:r>
+          </a:p>
+        </p:txBody>
+      </p:sp>
+      <p:sp>
+        <p:nvSpPr>
+          <p:cNvPr id="3" name="Content Placeholder 2">
+            <a:extLst>
+              <a:ext uri="{FF2B5EF4-FFF2-40B4-BE49-F238E27FC236}">
+                <a16:creationId xmlns:a16="http://schemas.microsoft.com/office/drawing/2014/main" id="{E06060F4-F2F0-4A93-BA3A-8F21AA583A86}"/>
+              </a:ext>
+            </a:extLst>
+          </p:cNvPr>
+          <p:cNvSpPr>
+            <a:spLocks noGrp="1"/>
+          </p:cNvSpPr>
+          <p:nvPr>
+            <p:ph sz="half" idx="1"/>
+          </p:nvPr>
+        </p:nvSpPr>
+        <p:spPr/>
+        <p:txBody>
+          <a:bodyPr/>
+          <a:lstStyle/>
+          <a:p>
+            <a:r>
+              <a:rPr lang="en-US" dirty="0" err="1"/>
+              <a:t>np.ones</a:t>
+            </a:r>
+            <a:r>
+              <a:rPr lang="en-US" dirty="0"/>
+              <a:t>, </a:t>
+            </a:r>
+            <a:r>
+              <a:rPr lang="en-US" dirty="0" err="1"/>
+              <a:t>np.zeros</a:t>
+            </a:r>
+            <a:endParaRPr lang="en-US" dirty="0"/>
+          </a:p>
+          <a:p>
+            <a:r>
+              <a:rPr lang="en-US" dirty="0" err="1"/>
+              <a:t>np.arange</a:t>
+            </a:r>
+            <a:endParaRPr lang="en-US" dirty="0"/>
+          </a:p>
+          <a:p>
+            <a:r>
+              <a:rPr lang="en-US" dirty="0" err="1"/>
+              <a:t>np.concatenate</a:t>
+            </a:r>
+            <a:endParaRPr lang="en-US" dirty="0"/>
+          </a:p>
+          <a:p>
+            <a:r>
+              <a:rPr lang="en-US" dirty="0" err="1"/>
+              <a:t>np.astype</a:t>
+            </a:r>
+            <a:endParaRPr lang="en-US" dirty="0"/>
+          </a:p>
+          <a:p>
+            <a:r>
+              <a:rPr lang="en-US" dirty="0" err="1"/>
+              <a:t>np.zeros_like</a:t>
+            </a:r>
+            <a:r>
+              <a:rPr lang="en-US" dirty="0"/>
+              <a:t>, </a:t>
+            </a:r>
+            <a:r>
+              <a:rPr lang="en-US" dirty="0" err="1"/>
+              <a:t>np.ones_like</a:t>
+            </a:r>
+            <a:endParaRPr lang="en-US" dirty="0"/>
+          </a:p>
+          <a:p>
+            <a:r>
+              <a:rPr lang="en-US" b="1" dirty="0" err="1"/>
+              <a:t>np.random.random</a:t>
+            </a:r>
+            <a:endParaRPr lang="en-US" b="1" dirty="0"/>
+          </a:p>
+        </p:txBody>
+      </p:sp>
+      <p:pic>
+        <p:nvPicPr>
+          <p:cNvPr id="8194" name="Picture 2" descr="https://i.gyazo.com/c715415aae0a9590255726d83b03969a.png">
+            <a:extLst>
+              <a:ext uri="{FF2B5EF4-FFF2-40B4-BE49-F238E27FC236}">
+                <a16:creationId xmlns:a16="http://schemas.microsoft.com/office/drawing/2014/main" id="{E541AB38-BA22-4FA5-A14B-75D61FBEE53B}"/>
+              </a:ext>
+            </a:extLst>
+          </p:cNvPr>
+          <p:cNvPicPr>
+            <a:picLocks noGrp="1" noChangeAspect="1" noChangeArrowheads="1"/>
+          </p:cNvPicPr>
+          <p:nvPr>
+            <p:ph sz="half" idx="2"/>
+          </p:nvPr>
+        </p:nvPicPr>
+        <p:blipFill>
+          <a:blip r:embed="rId2">
+            <a:extLst>
+              <a:ext uri="{28A0092B-C50C-407E-A947-70E740481C1C}">
+                <a14:useLocalDpi xmlns:a14="http://schemas.microsoft.com/office/drawing/2010/main" val="0"/>
+              </a:ext>
+            </a:extLst>
+          </a:blip>
+          <a:srcRect/>
+          <a:stretch>
+            <a:fillRect/>
+          </a:stretch>
+        </p:blipFill>
+        <p:spPr bwMode="auto">
+          <a:xfrm>
+            <a:off x="4285859" y="2636912"/>
+            <a:ext cx="4664466" cy="2263805"/>
+          </a:xfrm>
+          <a:prstGeom prst="rect">
+            <a:avLst/>
+          </a:prstGeom>
+          <a:noFill/>
+          <a:extLst>
+            <a:ext uri="{909E8E84-426E-40DD-AFC4-6F175D3DCCD1}">
+              <a14:hiddenFill xmlns:a14="http://schemas.microsoft.com/office/drawing/2010/main">
+                <a:solidFill>
+                  <a:srgbClr val="FFFFFF"/>
+                </a:solidFill>
+              </a14:hiddenFill>
+            </a:ext>
+          </a:extLst>
+        </p:spPr>
+      </p:pic>
+      <p:sp>
+        <p:nvSpPr>
+          <p:cNvPr id="4" name="Slide Number Placeholder 3">
+            <a:extLst>
+              <a:ext uri="{FF2B5EF4-FFF2-40B4-BE49-F238E27FC236}">
+                <a16:creationId xmlns:a16="http://schemas.microsoft.com/office/drawing/2014/main" id="{735E0011-A2F1-46FC-8A46-2806DDD622BE}"/>
+              </a:ext>
+            </a:extLst>
+          </p:cNvPr>
+          <p:cNvSpPr>
+            <a:spLocks noGrp="1"/>
+          </p:cNvSpPr>
+          <p:nvPr>
+            <p:ph type="sldNum" sz="quarter" idx="4294967295"/>
+          </p:nvPr>
+        </p:nvSpPr>
+        <p:spPr/>
+        <p:txBody>
+          <a:bodyPr>
+            <a:normAutofit fontScale="25000" lnSpcReduction="20000"/>
+          </a:bodyPr>
+          <a:lstStyle/>
+          <a:p>
+            <a:fld id="{4FAB73BC-B049-4115-A692-8D63A059BFB8}" type="slidenum">
+              <a:rPr lang="en-US" smtClean="0"/>
+              <a:t>14</a:t>
+            </a:fld>
+            <a:endParaRPr lang="en-US" dirty="0"/>
+          </a:p>
+        </p:txBody>
+      </p:sp>
+    </p:spTree>
+    <p:extLst>
+      <p:ext uri="{BB962C8B-B14F-4D97-AF65-F5344CB8AC3E}">
+        <p14:creationId xmlns:p14="http://schemas.microsoft.com/office/powerpoint/2010/main" val="269942659"/>
+      </p:ext>
+    </p:extLst>
+  </p:cSld>
+  <p:clrMapOvr>
+    <a:masterClrMapping/>
+  </p:clrMapOvr>
+</p:sld>
+</file>
+
+<file path=ppt/slides/slide15.xml><?xml version="1.0" encoding="utf-8"?>
+<p:sld xmlns:a="http://schemas.openxmlformats.org/drawingml/2006/main" xmlns:r="http://schemas.openxmlformats.org/officeDocument/2006/relationships" xmlns:p="http://schemas.openxmlformats.org/presentationml/2006/main">
+  <p:cSld>
+    <p:spTree>
+      <p:nvGrpSpPr>
+        <p:cNvPr id="1" name=""/>
+        <p:cNvGrpSpPr/>
+        <p:nvPr/>
+      </p:nvGrpSpPr>
+      <p:grpSpPr>
+        <a:xfrm>
+          <a:off x="0" y="0"/>
+          <a:ext cx="0" cy="0"/>
+          <a:chOff x="0" y="0"/>
+          <a:chExt cx="0" cy="0"/>
+        </a:xfrm>
+      </p:grpSpPr>
+      <p:sp>
+        <p:nvSpPr>
+          <p:cNvPr id="2" name="Title 1">
+            <a:extLst>
+              <a:ext uri="{FF2B5EF4-FFF2-40B4-BE49-F238E27FC236}">
+                <a16:creationId xmlns:a16="http://schemas.microsoft.com/office/drawing/2014/main" id="{0EFCB4D8-D0E9-4BCD-821D-6B7E427A586D}"/>
+              </a:ext>
+            </a:extLst>
+          </p:cNvPr>
+          <p:cNvSpPr>
+            <a:spLocks noGrp="1"/>
+          </p:cNvSpPr>
+          <p:nvPr>
+            <p:ph type="title"/>
+          </p:nvPr>
+        </p:nvSpPr>
+        <p:spPr/>
+        <p:txBody>
+          <a:bodyPr/>
+          <a:lstStyle/>
+          <a:p>
+            <a:r>
+              <a:rPr lang="en-US" dirty="0"/>
+              <a:t>Arrays, danger zone</a:t>
+            </a:r>
+          </a:p>
+        </p:txBody>
+      </p:sp>
+      <p:sp>
+        <p:nvSpPr>
+          <p:cNvPr id="3" name="Content Placeholder 2">
+            <a:extLst>
+              <a:ext uri="{FF2B5EF4-FFF2-40B4-BE49-F238E27FC236}">
+                <a16:creationId xmlns:a16="http://schemas.microsoft.com/office/drawing/2014/main" id="{1441BCB1-4995-473A-9BA8-A513993C1FCF}"/>
+              </a:ext>
+            </a:extLst>
+          </p:cNvPr>
+          <p:cNvSpPr>
+            <a:spLocks noGrp="1"/>
+          </p:cNvSpPr>
+          <p:nvPr>
+            <p:ph idx="1"/>
+          </p:nvPr>
+        </p:nvSpPr>
+        <p:spPr/>
+        <p:txBody>
+          <a:bodyPr/>
+          <a:lstStyle/>
+          <a:p>
+            <a:r>
+              <a:rPr lang="en-US" dirty="0" smtClean="0"/>
+              <a:t>Pas de </a:t>
+            </a:r>
+            <a:r>
+              <a:rPr lang="en-US" dirty="0" err="1" smtClean="0"/>
+              <a:t>trou</a:t>
+            </a:r>
+            <a:endParaRPr lang="en-US" dirty="0"/>
+          </a:p>
+          <a:p>
+            <a:r>
+              <a:rPr lang="en-US" dirty="0" smtClean="0"/>
+              <a:t>Un </a:t>
+            </a:r>
+            <a:r>
+              <a:rPr lang="en-US" dirty="0" err="1" smtClean="0"/>
+              <a:t>seul</a:t>
+            </a:r>
+            <a:r>
+              <a:rPr lang="en-US" dirty="0" smtClean="0"/>
+              <a:t> type</a:t>
+            </a:r>
+            <a:endParaRPr lang="en-US" dirty="0"/>
+          </a:p>
+          <a:p>
+            <a:r>
+              <a:rPr lang="en-US" dirty="0" err="1" smtClean="0"/>
+              <a:t>Même</a:t>
+            </a:r>
+            <a:r>
+              <a:rPr lang="en-US" dirty="0" smtClean="0"/>
+              <a:t> dimension</a:t>
+            </a:r>
+            <a:endParaRPr lang="en-US" dirty="0"/>
+          </a:p>
+        </p:txBody>
+      </p:sp>
+      <p:sp>
+        <p:nvSpPr>
+          <p:cNvPr id="5" name="Slide Number Placeholder 4">
+            <a:extLst>
+              <a:ext uri="{FF2B5EF4-FFF2-40B4-BE49-F238E27FC236}">
+                <a16:creationId xmlns:a16="http://schemas.microsoft.com/office/drawing/2014/main" id="{44067E19-A685-470A-A7D5-A748A949B1E0}"/>
+              </a:ext>
+            </a:extLst>
+          </p:cNvPr>
+          <p:cNvSpPr>
+            <a:spLocks noGrp="1"/>
+          </p:cNvSpPr>
+          <p:nvPr>
+            <p:ph type="sldNum" sz="quarter" idx="4294967295"/>
+          </p:nvPr>
+        </p:nvSpPr>
+        <p:spPr/>
+        <p:txBody>
+          <a:bodyPr>
+            <a:normAutofit fontScale="25000" lnSpcReduction="20000"/>
+          </a:bodyPr>
+          <a:lstStyle/>
+          <a:p>
+            <a:fld id="{4FAB73BC-B049-4115-A692-8D63A059BFB8}" type="slidenum">
+              <a:rPr lang="en-US" smtClean="0"/>
+              <a:t>15</a:t>
+            </a:fld>
+            <a:endParaRPr lang="en-US" dirty="0"/>
+          </a:p>
+        </p:txBody>
+      </p:sp>
+      <p:pic>
+        <p:nvPicPr>
+          <p:cNvPr id="4098" name="Picture 2" descr="https://i.gyazo.com/88b3935384eb021e466d9c9af6990c6c.png">
+            <a:extLst>
+              <a:ext uri="{FF2B5EF4-FFF2-40B4-BE49-F238E27FC236}">
+                <a16:creationId xmlns:a16="http://schemas.microsoft.com/office/drawing/2014/main" id="{4575468C-C5EF-4F5C-9560-CBA90458A0F9}"/>
+              </a:ext>
+            </a:extLst>
+          </p:cNvPr>
+          <p:cNvPicPr>
+            <a:picLocks noChangeAspect="1" noChangeArrowheads="1"/>
+          </p:cNvPicPr>
+          <p:nvPr/>
+        </p:nvPicPr>
+        <p:blipFill>
+          <a:blip r:embed="rId2">
+            <a:extLst>
+              <a:ext uri="{28A0092B-C50C-407E-A947-70E740481C1C}">
+                <a14:useLocalDpi xmlns:a14="http://schemas.microsoft.com/office/drawing/2010/main" val="0"/>
+              </a:ext>
+            </a:extLst>
+          </a:blip>
+          <a:srcRect/>
+          <a:stretch>
+            <a:fillRect/>
+          </a:stretch>
+        </p:blipFill>
+        <p:spPr bwMode="auto">
+          <a:xfrm>
+            <a:off x="1201099" y="3992992"/>
+            <a:ext cx="6307931" cy="1307306"/>
+          </a:xfrm>
+          <a:prstGeom prst="rect">
+            <a:avLst/>
+          </a:prstGeom>
+          <a:noFill/>
+          <a:extLst>
+            <a:ext uri="{909E8E84-426E-40DD-AFC4-6F175D3DCCD1}">
+              <a14:hiddenFill xmlns:a14="http://schemas.microsoft.com/office/drawing/2010/main">
+                <a:solidFill>
+                  <a:srgbClr val="FFFFFF"/>
+                </a:solidFill>
+              </a14:hiddenFill>
+            </a:ext>
+          </a:extLst>
+        </p:spPr>
+      </p:pic>
+    </p:spTree>
+    <p:extLst>
+      <p:ext uri="{BB962C8B-B14F-4D97-AF65-F5344CB8AC3E}">
+        <p14:creationId xmlns:p14="http://schemas.microsoft.com/office/powerpoint/2010/main" val="993651648"/>
+      </p:ext>
+    </p:extLst>
+  </p:cSld>
+  <p:clrMapOvr>
+    <a:masterClrMapping/>
+  </p:clrMapOvr>
+</p:sld>
+</file>
+
+<file path=ppt/slides/slide16.xml><?xml version="1.0" encoding="utf-8"?>
+<p:sld xmlns:a="http://schemas.openxmlformats.org/drawingml/2006/main" xmlns:r="http://schemas.openxmlformats.org/officeDocument/2006/relationships" xmlns:p="http://schemas.openxmlformats.org/presentationml/2006/main">
+  <p:cSld>
+    <p:spTree>
+      <p:nvGrpSpPr>
+        <p:cNvPr id="1" name=""/>
+        <p:cNvGrpSpPr/>
+        <p:nvPr/>
+      </p:nvGrpSpPr>
+      <p:grpSpPr>
+        <a:xfrm>
+          <a:off x="0" y="0"/>
+          <a:ext cx="0" cy="0"/>
+          <a:chOff x="0" y="0"/>
+          <a:chExt cx="0" cy="0"/>
+        </a:xfrm>
+      </p:grpSpPr>
+      <p:sp>
+        <p:nvSpPr>
+          <p:cNvPr id="3" name="Espace réservé du contenu 2"/>
+          <p:cNvSpPr>
+            <a:spLocks noGrp="1"/>
+          </p:cNvSpPr>
+          <p:nvPr>
+            <p:ph idx="1"/>
+          </p:nvPr>
+        </p:nvSpPr>
+        <p:spPr/>
+        <p:txBody>
+          <a:bodyPr/>
+          <a:lstStyle/>
+          <a:p>
+            <a:r>
+              <a:rPr lang="fr-FR" dirty="0" smtClean="0"/>
+              <a:t>Les opérateurs </a:t>
+            </a:r>
+            <a:r>
+              <a:rPr lang="fr-FR" dirty="0" err="1" smtClean="0"/>
+              <a:t>numpy</a:t>
+            </a:r>
+            <a:r>
+              <a:rPr lang="fr-FR" dirty="0" smtClean="0"/>
+              <a:t> sont surchargés</a:t>
+            </a:r>
+          </a:p>
+          <a:p>
+            <a:r>
+              <a:rPr lang="fr-FR" dirty="0" smtClean="0"/>
+              <a:t>Les fonctions </a:t>
+            </a:r>
+            <a:r>
+              <a:rPr lang="fr-FR" dirty="0" err="1" smtClean="0"/>
+              <a:t>numpy</a:t>
+            </a:r>
+            <a:r>
+              <a:rPr lang="fr-FR" dirty="0" smtClean="0"/>
+              <a:t> sont des </a:t>
+            </a:r>
+            <a:r>
+              <a:rPr lang="fr-FR" dirty="0" err="1" smtClean="0"/>
+              <a:t>map</a:t>
+            </a:r>
+            <a:endParaRPr lang="fr-FR" dirty="0"/>
+          </a:p>
+        </p:txBody>
+      </p:sp>
+      <p:pic>
+        <p:nvPicPr>
+          <p:cNvPr id="5" name="Image 4"/>
+          <p:cNvPicPr>
+            <a:picLocks noChangeAspect="1"/>
+          </p:cNvPicPr>
+          <p:nvPr/>
+        </p:nvPicPr>
+        <p:blipFill>
+          <a:blip r:embed="rId2"/>
+          <a:stretch>
+            <a:fillRect/>
+          </a:stretch>
+        </p:blipFill>
+        <p:spPr>
+          <a:xfrm>
+            <a:off x="2195736" y="2708920"/>
+            <a:ext cx="4886116" cy="2987303"/>
+          </a:xfrm>
+          <a:prstGeom prst="rect">
+            <a:avLst/>
+          </a:prstGeom>
+        </p:spPr>
+      </p:pic>
+      <p:sp>
+        <p:nvSpPr>
+          <p:cNvPr id="6" name="Titre 1"/>
+          <p:cNvSpPr>
+            <a:spLocks noGrp="1"/>
+          </p:cNvSpPr>
+          <p:nvPr>
+            <p:ph type="title"/>
+          </p:nvPr>
+        </p:nvSpPr>
+        <p:spPr>
+          <a:xfrm>
+            <a:off x="1187624" y="13209"/>
+            <a:ext cx="7829947" cy="1143000"/>
+          </a:xfrm>
+        </p:spPr>
+        <p:txBody>
+          <a:bodyPr/>
+          <a:lstStyle/>
+          <a:p>
+            <a:r>
+              <a:rPr lang="fr-FR" dirty="0" smtClean="0"/>
+              <a:t>Opérateurs et fonctions</a:t>
+            </a:r>
+            <a:endParaRPr lang="fr-FR" dirty="0"/>
+          </a:p>
+        </p:txBody>
+      </p:sp>
+    </p:spTree>
+    <p:extLst>
+      <p:ext uri="{BB962C8B-B14F-4D97-AF65-F5344CB8AC3E}">
+        <p14:creationId xmlns:p14="http://schemas.microsoft.com/office/powerpoint/2010/main" val="2437051280"/>
+      </p:ext>
+    </p:extLst>
+  </p:cSld>
+  <p:clrMapOvr>
+    <a:masterClrMapping/>
+  </p:clrMapOvr>
+  <p:timing>
+    <p:tnLst>
+      <p:par>
+        <p:cTn id="1" dur="indefinite" restart="never" nodeType="tmRoot"/>
+      </p:par>
+    </p:tnLst>
+  </p:timing>
+</p:sld>
+</file>
+
+<file path=ppt/slides/slide17.xml><?xml version="1.0" encoding="utf-8"?>
+<p:sld xmlns:a="http://schemas.openxmlformats.org/drawingml/2006/main" xmlns:r="http://schemas.openxmlformats.org/officeDocument/2006/relationships" xmlns:p="http://schemas.openxmlformats.org/presentationml/2006/main">
+  <p:cSld>
+    <p:spTree>
+      <p:nvGrpSpPr>
+        <p:cNvPr id="1" name=""/>
+        <p:cNvGrpSpPr/>
+        <p:nvPr/>
+      </p:nvGrpSpPr>
+      <p:grpSpPr>
+        <a:xfrm>
+          <a:off x="0" y="0"/>
+          <a:ext cx="0" cy="0"/>
+          <a:chOff x="0" y="0"/>
+          <a:chExt cx="0" cy="0"/>
+        </a:xfrm>
+      </p:grpSpPr>
+      <p:sp>
+        <p:nvSpPr>
+          <p:cNvPr id="2" name="Titre 1"/>
+          <p:cNvSpPr>
+            <a:spLocks noGrp="1"/>
+          </p:cNvSpPr>
+          <p:nvPr>
+            <p:ph type="title"/>
+          </p:nvPr>
+        </p:nvSpPr>
+        <p:spPr/>
+        <p:txBody>
+          <a:bodyPr/>
+          <a:lstStyle/>
+          <a:p>
+            <a:r>
+              <a:rPr lang="fr-FR" dirty="0" smtClean="0"/>
+              <a:t>Réduction</a:t>
+            </a:r>
+            <a:endParaRPr lang="fr-FR" dirty="0"/>
+          </a:p>
+        </p:txBody>
+      </p:sp>
+      <p:sp>
+        <p:nvSpPr>
+          <p:cNvPr id="3" name="Espace réservé du contenu 2"/>
+          <p:cNvSpPr>
+            <a:spLocks noGrp="1"/>
+          </p:cNvSpPr>
+          <p:nvPr>
+            <p:ph idx="1"/>
+          </p:nvPr>
+        </p:nvSpPr>
+        <p:spPr/>
+        <p:txBody>
+          <a:bodyPr/>
+          <a:lstStyle/>
+          <a:p>
+            <a:r>
+              <a:rPr lang="fr-FR" dirty="0" smtClean="0"/>
+              <a:t>Les fonction de réduction de base existent</a:t>
+            </a:r>
+          </a:p>
+          <a:p>
+            <a:pPr lvl="1"/>
+            <a:r>
+              <a:rPr lang="fr-FR" dirty="0" err="1" smtClean="0"/>
+              <a:t>Sum</a:t>
+            </a:r>
+            <a:endParaRPr lang="fr-FR" dirty="0" smtClean="0"/>
+          </a:p>
+          <a:p>
+            <a:pPr lvl="1"/>
+            <a:r>
+              <a:rPr lang="fr-FR" dirty="0" smtClean="0"/>
+              <a:t>Max</a:t>
+            </a:r>
+          </a:p>
+          <a:p>
+            <a:pPr lvl="1"/>
+            <a:r>
+              <a:rPr lang="fr-FR" dirty="0" smtClean="0"/>
+              <a:t>Min</a:t>
+            </a:r>
+          </a:p>
+          <a:p>
+            <a:pPr lvl="1"/>
+            <a:r>
+              <a:rPr lang="fr-FR" dirty="0" smtClean="0"/>
+              <a:t>…</a:t>
+            </a:r>
+          </a:p>
+        </p:txBody>
+      </p:sp>
+    </p:spTree>
+    <p:extLst>
+      <p:ext uri="{BB962C8B-B14F-4D97-AF65-F5344CB8AC3E}">
+        <p14:creationId xmlns:p14="http://schemas.microsoft.com/office/powerpoint/2010/main" val="190882761"/>
+      </p:ext>
+    </p:extLst>
+  </p:cSld>
+  <p:clrMapOvr>
+    <a:masterClrMapping/>
+  </p:clrMapOvr>
+</p:sld>
+</file>
+
+<file path=ppt/slides/slide18.xml><?xml version="1.0" encoding="utf-8"?>
+<p:sld xmlns:a="http://schemas.openxmlformats.org/drawingml/2006/main" xmlns:r="http://schemas.openxmlformats.org/officeDocument/2006/relationships" xmlns:p="http://schemas.openxmlformats.org/presentationml/2006/main">
+  <p:cSld>
+    <p:spTree>
+      <p:nvGrpSpPr>
+        <p:cNvPr id="1" name=""/>
+        <p:cNvGrpSpPr/>
+        <p:nvPr/>
+      </p:nvGrpSpPr>
+      <p:grpSpPr>
+        <a:xfrm>
+          <a:off x="0" y="0"/>
+          <a:ext cx="0" cy="0"/>
+          <a:chOff x="0" y="0"/>
+          <a:chExt cx="0" cy="0"/>
+        </a:xfrm>
+      </p:grpSpPr>
+      <p:sp>
+        <p:nvSpPr>
+          <p:cNvPr id="2" name="Titre 1"/>
+          <p:cNvSpPr>
+            <a:spLocks noGrp="1"/>
+          </p:cNvSpPr>
+          <p:nvPr>
+            <p:ph type="title"/>
+          </p:nvPr>
+        </p:nvSpPr>
+        <p:spPr/>
+        <p:txBody>
+          <a:bodyPr/>
+          <a:lstStyle/>
+          <a:p>
+            <a:r>
+              <a:rPr lang="fr-FR" dirty="0" smtClean="0"/>
+              <a:t>Propriétés des tableaux</a:t>
+            </a:r>
+            <a:endParaRPr lang="fr-FR" dirty="0"/>
+          </a:p>
+        </p:txBody>
+      </p:sp>
+      <p:sp>
+        <p:nvSpPr>
+          <p:cNvPr id="3" name="Espace réservé du contenu 2"/>
+          <p:cNvSpPr>
+            <a:spLocks noGrp="1"/>
+          </p:cNvSpPr>
+          <p:nvPr>
+            <p:ph idx="1"/>
+          </p:nvPr>
+        </p:nvSpPr>
+        <p:spPr/>
+        <p:txBody>
+          <a:bodyPr/>
+          <a:lstStyle/>
+          <a:p>
+            <a:r>
+              <a:rPr lang="fr-FR" dirty="0" err="1"/>
+              <a:t>np.random.seed</a:t>
+            </a:r>
+            <a:r>
+              <a:rPr lang="fr-FR" dirty="0"/>
+              <a:t>(0)</a:t>
+            </a:r>
+          </a:p>
+          <a:p>
+            <a:r>
+              <a:rPr lang="fr-FR" dirty="0"/>
+              <a:t>x1 = </a:t>
+            </a:r>
+            <a:r>
+              <a:rPr lang="fr-FR" dirty="0" err="1"/>
+              <a:t>np.random.randint</a:t>
+            </a:r>
+            <a:r>
+              <a:rPr lang="fr-FR" dirty="0"/>
+              <a:t>(10, </a:t>
+            </a:r>
+            <a:r>
+              <a:rPr lang="fr-FR" dirty="0" smtClean="0"/>
+              <a:t>size=6)</a:t>
+            </a:r>
+          </a:p>
+          <a:p>
+            <a:r>
+              <a:rPr lang="fr-FR" dirty="0" err="1" smtClean="0"/>
+              <a:t>print</a:t>
+            </a:r>
+            <a:r>
+              <a:rPr lang="fr-FR" dirty="0"/>
+              <a:t>("nombre de dimensions de x1: ", x1.ndim)</a:t>
+            </a:r>
+          </a:p>
+          <a:p>
+            <a:r>
+              <a:rPr lang="fr-FR" dirty="0" err="1"/>
+              <a:t>print</a:t>
+            </a:r>
+            <a:r>
+              <a:rPr lang="fr-FR" dirty="0"/>
+              <a:t>("forme de x1: ", x1.shape)</a:t>
+            </a:r>
+          </a:p>
+          <a:p>
+            <a:r>
+              <a:rPr lang="fr-FR" dirty="0" err="1"/>
+              <a:t>print</a:t>
+            </a:r>
+            <a:r>
+              <a:rPr lang="fr-FR" dirty="0"/>
+              <a:t>("taille de x1: ", x1.size)</a:t>
+            </a:r>
+          </a:p>
+          <a:p>
+            <a:r>
+              <a:rPr lang="fr-FR" dirty="0" err="1"/>
+              <a:t>print</a:t>
+            </a:r>
+            <a:r>
+              <a:rPr lang="fr-FR" dirty="0"/>
+              <a:t>("type de x1: ", x1.dtype)</a:t>
+            </a:r>
+          </a:p>
+        </p:txBody>
+      </p:sp>
+    </p:spTree>
+    <p:extLst>
+      <p:ext uri="{BB962C8B-B14F-4D97-AF65-F5344CB8AC3E}">
+        <p14:creationId xmlns:p14="http://schemas.microsoft.com/office/powerpoint/2010/main" val="2020021898"/>
+      </p:ext>
+    </p:extLst>
+  </p:cSld>
+  <p:clrMapOvr>
+    <a:masterClrMapping/>
+  </p:clrMapOvr>
+</p:sld>
+</file>
+
+<file path=ppt/slides/slide19.xml><?xml version="1.0" encoding="utf-8"?>
+<p:sld xmlns:a="http://schemas.openxmlformats.org/drawingml/2006/main" xmlns:r="http://schemas.openxmlformats.org/officeDocument/2006/relationships" xmlns:p="http://schemas.openxmlformats.org/presentationml/2006/main">
+  <p:cSld>
+    <p:spTree>
+      <p:nvGrpSpPr>
+        <p:cNvPr id="1" name=""/>
+        <p:cNvGrpSpPr/>
+        <p:nvPr/>
+      </p:nvGrpSpPr>
+      <p:grpSpPr>
+        <a:xfrm>
+          <a:off x="0" y="0"/>
+          <a:ext cx="0" cy="0"/>
+          <a:chOff x="0" y="0"/>
+          <a:chExt cx="0" cy="0"/>
+        </a:xfrm>
+      </p:grpSpPr>
+      <p:sp>
+        <p:nvSpPr>
+          <p:cNvPr id="2" name="Titre 1"/>
+          <p:cNvSpPr>
+            <a:spLocks noGrp="1"/>
+          </p:cNvSpPr>
+          <p:nvPr>
+            <p:ph type="title"/>
+          </p:nvPr>
+        </p:nvSpPr>
+        <p:spPr/>
+        <p:txBody>
+          <a:bodyPr/>
+          <a:lstStyle/>
+          <a:p>
+            <a:r>
+              <a:rPr lang="fr-FR" dirty="0" smtClean="0"/>
+              <a:t>Indexation</a:t>
+            </a:r>
+            <a:endParaRPr lang="fr-FR" dirty="0"/>
+          </a:p>
+        </p:txBody>
+      </p:sp>
+      <p:sp>
+        <p:nvSpPr>
+          <p:cNvPr id="3" name="Espace réservé du contenu 2"/>
+          <p:cNvSpPr>
+            <a:spLocks noGrp="1"/>
+          </p:cNvSpPr>
+          <p:nvPr>
+            <p:ph idx="1"/>
+          </p:nvPr>
+        </p:nvSpPr>
+        <p:spPr/>
+        <p:txBody>
+          <a:bodyPr/>
+          <a:lstStyle/>
+          <a:p>
+            <a:r>
+              <a:rPr lang="fr-FR" dirty="0" smtClean="0"/>
+              <a:t>Identique à Python</a:t>
+            </a:r>
+          </a:p>
+          <a:p>
+            <a:pPr lvl="1"/>
+            <a:r>
+              <a:rPr lang="fr-FR" dirty="0" err="1" smtClean="0"/>
+              <a:t>print</a:t>
+            </a:r>
+            <a:r>
+              <a:rPr lang="fr-FR" dirty="0" smtClean="0"/>
+              <a:t>(x1[0</a:t>
+            </a:r>
+            <a:r>
+              <a:rPr lang="fr-FR" dirty="0"/>
+              <a:t>])</a:t>
+            </a:r>
+          </a:p>
+          <a:p>
+            <a:pPr lvl="1"/>
+            <a:r>
+              <a:rPr lang="fr-FR" dirty="0" err="1" smtClean="0"/>
+              <a:t>print</a:t>
+            </a:r>
+            <a:r>
+              <a:rPr lang="fr-FR" dirty="0" smtClean="0"/>
+              <a:t>(x1</a:t>
+            </a:r>
+            <a:r>
+              <a:rPr lang="fr-FR" dirty="0"/>
+              <a:t>[-1])</a:t>
+            </a:r>
+          </a:p>
+          <a:p>
+            <a:pPr lvl="1"/>
+            <a:r>
+              <a:rPr lang="fr-FR" dirty="0" smtClean="0"/>
+              <a:t>x1[1</a:t>
+            </a:r>
+            <a:r>
+              <a:rPr lang="fr-FR" dirty="0"/>
+              <a:t>] = "1000"</a:t>
+            </a:r>
+          </a:p>
+          <a:p>
+            <a:pPr lvl="1"/>
+            <a:r>
+              <a:rPr lang="fr-FR" dirty="0" err="1" smtClean="0"/>
+              <a:t>print</a:t>
+            </a:r>
+            <a:r>
+              <a:rPr lang="fr-FR" dirty="0" smtClean="0"/>
+              <a:t>(x1</a:t>
+            </a:r>
+            <a:r>
+              <a:rPr lang="fr-FR" dirty="0"/>
+              <a:t>[:5])  # Les cinq premiers éléments</a:t>
+            </a:r>
+          </a:p>
+          <a:p>
+            <a:pPr lvl="1"/>
+            <a:r>
+              <a:rPr lang="fr-FR" dirty="0" err="1" smtClean="0"/>
+              <a:t>print</a:t>
+            </a:r>
+            <a:r>
+              <a:rPr lang="fr-FR" dirty="0" smtClean="0"/>
+              <a:t>(x1[5</a:t>
+            </a:r>
+            <a:r>
+              <a:rPr lang="fr-FR" dirty="0"/>
+              <a:t>:])  # Les éléments à partir de l'index 5</a:t>
+            </a:r>
+          </a:p>
+          <a:p>
+            <a:pPr lvl="1"/>
+            <a:r>
+              <a:rPr lang="fr-FR" dirty="0" err="1" smtClean="0"/>
+              <a:t>print</a:t>
+            </a:r>
+            <a:r>
+              <a:rPr lang="fr-FR" dirty="0" smtClean="0"/>
+              <a:t>(x1</a:t>
+            </a:r>
+            <a:r>
+              <a:rPr lang="fr-FR" dirty="0"/>
+              <a:t>[::2])  # Un élément sur deux</a:t>
+            </a:r>
+          </a:p>
+        </p:txBody>
+      </p:sp>
+    </p:spTree>
+    <p:extLst>
+      <p:ext uri="{BB962C8B-B14F-4D97-AF65-F5344CB8AC3E}">
+        <p14:creationId xmlns:p14="http://schemas.microsoft.com/office/powerpoint/2010/main" val="504008724"/>
+      </p:ext>
+    </p:extLst>
+  </p:cSld>
+  <p:clrMapOvr>
+    <a:masterClrMapping/>
+  </p:clrMapOvr>
+</p:sld>
+</file>
+
 <file path=ppt/slides/slide2.xml><?xml version="1.0" encoding="utf-8"?>
 <p:sld xmlns:a="http://schemas.openxmlformats.org/drawingml/2006/main" xmlns:r="http://schemas.openxmlformats.org/officeDocument/2006/relationships" xmlns:p="http://schemas.openxmlformats.org/presentationml/2006/main">
   <p:cSld>
@@ -3933,6 +5559,465 @@
 </p:sld>
 </file>
 
+<file path=ppt/slides/slide20.xml><?xml version="1.0" encoding="utf-8"?>
+<p:sld xmlns:a="http://schemas.openxmlformats.org/drawingml/2006/main" xmlns:r="http://schemas.openxmlformats.org/officeDocument/2006/relationships" xmlns:p="http://schemas.openxmlformats.org/presentationml/2006/main">
+  <p:cSld>
+    <p:spTree>
+      <p:nvGrpSpPr>
+        <p:cNvPr id="1" name=""/>
+        <p:cNvGrpSpPr/>
+        <p:nvPr/>
+      </p:nvGrpSpPr>
+      <p:grpSpPr>
+        <a:xfrm>
+          <a:off x="0" y="0"/>
+          <a:ext cx="0" cy="0"/>
+          <a:chOff x="0" y="0"/>
+          <a:chExt cx="0" cy="0"/>
+        </a:xfrm>
+      </p:grpSpPr>
+      <p:sp>
+        <p:nvSpPr>
+          <p:cNvPr id="2" name="Titre 1"/>
+          <p:cNvSpPr>
+            <a:spLocks noGrp="1"/>
+          </p:cNvSpPr>
+          <p:nvPr>
+            <p:ph type="title"/>
+          </p:nvPr>
+        </p:nvSpPr>
+        <p:spPr/>
+        <p:txBody>
+          <a:bodyPr/>
+          <a:lstStyle/>
+          <a:p>
+            <a:r>
+              <a:rPr lang="fr-FR" dirty="0" smtClean="0"/>
+              <a:t>Filtrage</a:t>
+            </a:r>
+            <a:endParaRPr lang="fr-FR" dirty="0"/>
+          </a:p>
+        </p:txBody>
+      </p:sp>
+      <p:sp>
+        <p:nvSpPr>
+          <p:cNvPr id="3" name="Espace réservé du contenu 2"/>
+          <p:cNvSpPr>
+            <a:spLocks noGrp="1"/>
+          </p:cNvSpPr>
+          <p:nvPr>
+            <p:ph idx="1"/>
+          </p:nvPr>
+        </p:nvSpPr>
+        <p:spPr/>
+        <p:txBody>
+          <a:bodyPr/>
+          <a:lstStyle/>
+          <a:p>
+            <a:r>
+              <a:rPr lang="fr-FR" dirty="0" smtClean="0"/>
+              <a:t>x </a:t>
+            </a:r>
+            <a:r>
+              <a:rPr lang="fr-FR" dirty="0"/>
+              <a:t>= </a:t>
+            </a:r>
+            <a:r>
+              <a:rPr lang="fr-FR" dirty="0" err="1" smtClean="0"/>
+              <a:t>np.random.rand</a:t>
+            </a:r>
+            <a:r>
+              <a:rPr lang="fr-FR" dirty="0" smtClean="0"/>
+              <a:t>(10)</a:t>
+            </a:r>
+            <a:endParaRPr lang="fr-FR" dirty="0"/>
+          </a:p>
+          <a:p>
+            <a:r>
+              <a:rPr lang="fr-FR" dirty="0"/>
+              <a:t>x &gt; </a:t>
+            </a:r>
+            <a:r>
+              <a:rPr lang="fr-FR" dirty="0" smtClean="0"/>
+              <a:t>0.5</a:t>
+            </a:r>
+          </a:p>
+          <a:p>
+            <a:pPr lvl="1"/>
+            <a:r>
+              <a:rPr lang="fr-FR" dirty="0" smtClean="0"/>
+              <a:t>Renvoie un tableau de booléens</a:t>
+            </a:r>
+          </a:p>
+          <a:p>
+            <a:r>
+              <a:rPr lang="fr-FR" dirty="0" err="1" smtClean="0"/>
+              <a:t>x.where</a:t>
+            </a:r>
+            <a:r>
+              <a:rPr lang="fr-FR" dirty="0" smtClean="0"/>
+              <a:t>(</a:t>
+            </a:r>
+            <a:r>
+              <a:rPr lang="fr-FR" dirty="0" err="1" smtClean="0"/>
+              <a:t>boolean</a:t>
+            </a:r>
+            <a:r>
+              <a:rPr lang="fr-FR" dirty="0" smtClean="0"/>
+              <a:t>)</a:t>
+            </a:r>
+          </a:p>
+          <a:p>
+            <a:pPr lvl="1"/>
+            <a:r>
+              <a:rPr lang="fr-FR" dirty="0" smtClean="0"/>
+              <a:t>Filtre</a:t>
+            </a:r>
+          </a:p>
+          <a:p>
+            <a:pPr lvl="1"/>
+            <a:r>
+              <a:rPr lang="fr-FR" dirty="0" err="1"/>
+              <a:t>x</a:t>
+            </a:r>
+            <a:r>
+              <a:rPr lang="fr-FR" dirty="0" err="1" smtClean="0"/>
+              <a:t>.where</a:t>
+            </a:r>
+            <a:r>
+              <a:rPr lang="fr-FR" dirty="0" smtClean="0"/>
+              <a:t>(x &gt; 0.5)</a:t>
+            </a:r>
+            <a:endParaRPr lang="fr-FR" dirty="0"/>
+          </a:p>
+        </p:txBody>
+      </p:sp>
+    </p:spTree>
+    <p:extLst>
+      <p:ext uri="{BB962C8B-B14F-4D97-AF65-F5344CB8AC3E}">
+        <p14:creationId xmlns:p14="http://schemas.microsoft.com/office/powerpoint/2010/main" val="1871390466"/>
+      </p:ext>
+    </p:extLst>
+  </p:cSld>
+  <p:clrMapOvr>
+    <a:masterClrMapping/>
+  </p:clrMapOvr>
+</p:sld>
+</file>
+
+<file path=ppt/slides/slide21.xml><?xml version="1.0" encoding="utf-8"?>
+<p:sld xmlns:a="http://schemas.openxmlformats.org/drawingml/2006/main" xmlns:r="http://schemas.openxmlformats.org/officeDocument/2006/relationships" xmlns:p="http://schemas.openxmlformats.org/presentationml/2006/main">
+  <p:cSld>
+    <p:spTree>
+      <p:nvGrpSpPr>
+        <p:cNvPr id="1" name=""/>
+        <p:cNvGrpSpPr/>
+        <p:nvPr/>
+      </p:nvGrpSpPr>
+      <p:grpSpPr>
+        <a:xfrm>
+          <a:off x="0" y="0"/>
+          <a:ext cx="0" cy="0"/>
+          <a:chOff x="0" y="0"/>
+          <a:chExt cx="0" cy="0"/>
+        </a:xfrm>
+      </p:grpSpPr>
+      <p:sp>
+        <p:nvSpPr>
+          <p:cNvPr id="2" name="Titre 1"/>
+          <p:cNvSpPr>
+            <a:spLocks noGrp="1"/>
+          </p:cNvSpPr>
+          <p:nvPr>
+            <p:ph type="title"/>
+          </p:nvPr>
+        </p:nvSpPr>
+        <p:spPr/>
+        <p:txBody>
+          <a:bodyPr/>
+          <a:lstStyle/>
+          <a:p>
+            <a:r>
+              <a:rPr lang="fr-FR" dirty="0" err="1" smtClean="0"/>
+              <a:t>Matplotlib</a:t>
+            </a:r>
+            <a:endParaRPr lang="fr-FR" dirty="0"/>
+          </a:p>
+        </p:txBody>
+      </p:sp>
+      <p:sp>
+        <p:nvSpPr>
+          <p:cNvPr id="3" name="Espace réservé du contenu 2"/>
+          <p:cNvSpPr>
+            <a:spLocks noGrp="1"/>
+          </p:cNvSpPr>
+          <p:nvPr>
+            <p:ph idx="1"/>
+          </p:nvPr>
+        </p:nvSpPr>
+        <p:spPr/>
+        <p:txBody>
+          <a:bodyPr/>
+          <a:lstStyle/>
+          <a:p>
+            <a:r>
+              <a:rPr lang="fr-FR" dirty="0" err="1" smtClean="0"/>
+              <a:t>Matplotlib</a:t>
+            </a:r>
+            <a:r>
+              <a:rPr lang="fr-FR" dirty="0" smtClean="0"/>
+              <a:t> est complètement compatible avec les </a:t>
+            </a:r>
+            <a:r>
+              <a:rPr lang="fr-FR" dirty="0" err="1" smtClean="0"/>
+              <a:t>np.array</a:t>
+            </a:r>
+            <a:endParaRPr lang="fr-FR" dirty="0"/>
+          </a:p>
+          <a:p>
+            <a:endParaRPr lang="fr-FR" dirty="0"/>
+          </a:p>
+        </p:txBody>
+      </p:sp>
+    </p:spTree>
+    <p:extLst>
+      <p:ext uri="{BB962C8B-B14F-4D97-AF65-F5344CB8AC3E}">
+        <p14:creationId xmlns:p14="http://schemas.microsoft.com/office/powerpoint/2010/main" val="2402925228"/>
+      </p:ext>
+    </p:extLst>
+  </p:cSld>
+  <p:clrMapOvr>
+    <a:masterClrMapping/>
+  </p:clrMapOvr>
+</p:sld>
+</file>
+
+<file path=ppt/slides/slide22.xml><?xml version="1.0" encoding="utf-8"?>
+<p:sld xmlns:a="http://schemas.openxmlformats.org/drawingml/2006/main" xmlns:r="http://schemas.openxmlformats.org/officeDocument/2006/relationships" xmlns:p="http://schemas.openxmlformats.org/presentationml/2006/main">
+  <p:cSld>
+    <p:spTree>
+      <p:nvGrpSpPr>
+        <p:cNvPr id="1" name=""/>
+        <p:cNvGrpSpPr/>
+        <p:nvPr/>
+      </p:nvGrpSpPr>
+      <p:grpSpPr>
+        <a:xfrm>
+          <a:off x="0" y="0"/>
+          <a:ext cx="0" cy="0"/>
+          <a:chOff x="0" y="0"/>
+          <a:chExt cx="0" cy="0"/>
+        </a:xfrm>
+      </p:grpSpPr>
+      <p:sp>
+        <p:nvSpPr>
+          <p:cNvPr id="2" name="Title 1">
+            <a:extLst>
+              <a:ext uri="{FF2B5EF4-FFF2-40B4-BE49-F238E27FC236}">
+                <a16:creationId xmlns:a16="http://schemas.microsoft.com/office/drawing/2014/main" id="{A0CCDD1C-24C4-4E07-82A2-44B5059E958B}"/>
+              </a:ext>
+            </a:extLst>
+          </p:cNvPr>
+          <p:cNvSpPr>
+            <a:spLocks noGrp="1"/>
+          </p:cNvSpPr>
+          <p:nvPr>
+            <p:ph type="title"/>
+          </p:nvPr>
+        </p:nvSpPr>
+        <p:spPr>
+          <a:xfrm>
+            <a:off x="1475656" y="260648"/>
+            <a:ext cx="7269480" cy="994172"/>
+          </a:xfrm>
+        </p:spPr>
+        <p:txBody>
+          <a:bodyPr/>
+          <a:lstStyle/>
+          <a:p>
+            <a:r>
+              <a:rPr lang="en-US" dirty="0"/>
+              <a:t>Saving and loading arrays</a:t>
+            </a:r>
+          </a:p>
+        </p:txBody>
+      </p:sp>
+      <p:sp>
+        <p:nvSpPr>
+          <p:cNvPr id="3" name="Content Placeholder 2">
+            <a:extLst>
+              <a:ext uri="{FF2B5EF4-FFF2-40B4-BE49-F238E27FC236}">
+                <a16:creationId xmlns:a16="http://schemas.microsoft.com/office/drawing/2014/main" id="{6797A053-A5F8-4E63-B7DA-25AD007245BA}"/>
+              </a:ext>
+            </a:extLst>
+          </p:cNvPr>
+          <p:cNvSpPr>
+            <a:spLocks noGrp="1"/>
+          </p:cNvSpPr>
+          <p:nvPr>
+            <p:ph idx="1"/>
+          </p:nvPr>
+        </p:nvSpPr>
+        <p:spPr>
+          <a:xfrm>
+            <a:off x="636625" y="2234443"/>
+            <a:ext cx="7886700" cy="3263504"/>
+          </a:xfrm>
+        </p:spPr>
+        <p:txBody>
+          <a:bodyPr/>
+          <a:lstStyle/>
+          <a:p>
+            <a:pPr marL="0" indent="0">
+              <a:buNone/>
+            </a:pPr>
+            <a:r>
+              <a:rPr lang="en-US" dirty="0" err="1">
+                <a:latin typeface="Courier New" panose="02070309020205020404" pitchFamily="49" charset="0"/>
+                <a:cs typeface="Courier New" panose="02070309020205020404" pitchFamily="49" charset="0"/>
+              </a:rPr>
+              <a:t>np.savez</a:t>
+            </a:r>
+            <a:r>
+              <a:rPr lang="en-US" dirty="0">
+                <a:latin typeface="Courier New" panose="02070309020205020404" pitchFamily="49" charset="0"/>
+                <a:cs typeface="Courier New" panose="02070309020205020404" pitchFamily="49" charset="0"/>
+              </a:rPr>
+              <a:t>(‘</a:t>
+            </a:r>
+            <a:r>
+              <a:rPr lang="en-US" dirty="0" err="1">
+                <a:latin typeface="Courier New" panose="02070309020205020404" pitchFamily="49" charset="0"/>
+                <a:cs typeface="Courier New" panose="02070309020205020404" pitchFamily="49" charset="0"/>
+              </a:rPr>
+              <a:t>data.npz</a:t>
+            </a:r>
+            <a:r>
+              <a:rPr lang="en-US" dirty="0">
+                <a:latin typeface="Courier New" panose="02070309020205020404" pitchFamily="49" charset="0"/>
+                <a:cs typeface="Courier New" panose="02070309020205020404" pitchFamily="49" charset="0"/>
+              </a:rPr>
+              <a:t>’, a=a)</a:t>
+            </a:r>
+          </a:p>
+          <a:p>
+            <a:pPr marL="0" indent="0">
+              <a:buNone/>
+            </a:pPr>
+            <a:r>
+              <a:rPr lang="en-US" dirty="0">
+                <a:latin typeface="Courier New" panose="02070309020205020404" pitchFamily="49" charset="0"/>
+                <a:cs typeface="Courier New" panose="02070309020205020404" pitchFamily="49" charset="0"/>
+              </a:rPr>
+              <a:t>data = </a:t>
+            </a:r>
+            <a:r>
+              <a:rPr lang="en-US" dirty="0" err="1">
+                <a:latin typeface="Courier New" panose="02070309020205020404" pitchFamily="49" charset="0"/>
+                <a:cs typeface="Courier New" panose="02070309020205020404" pitchFamily="49" charset="0"/>
+              </a:rPr>
+              <a:t>np.load</a:t>
+            </a:r>
+            <a:r>
+              <a:rPr lang="en-US" dirty="0">
+                <a:latin typeface="Courier New" panose="02070309020205020404" pitchFamily="49" charset="0"/>
+                <a:cs typeface="Courier New" panose="02070309020205020404" pitchFamily="49" charset="0"/>
+              </a:rPr>
+              <a:t>(‘</a:t>
+            </a:r>
+            <a:r>
+              <a:rPr lang="en-US" dirty="0" err="1">
+                <a:latin typeface="Courier New" panose="02070309020205020404" pitchFamily="49" charset="0"/>
+                <a:cs typeface="Courier New" panose="02070309020205020404" pitchFamily="49" charset="0"/>
+              </a:rPr>
+              <a:t>data.npz</a:t>
+            </a:r>
+            <a:r>
+              <a:rPr lang="en-US" dirty="0">
+                <a:latin typeface="Courier New" panose="02070309020205020404" pitchFamily="49" charset="0"/>
+                <a:cs typeface="Courier New" panose="02070309020205020404" pitchFamily="49" charset="0"/>
+              </a:rPr>
+              <a:t>’)</a:t>
+            </a:r>
+          </a:p>
+          <a:p>
+            <a:pPr marL="0" indent="0">
+              <a:buNone/>
+            </a:pPr>
+            <a:r>
+              <a:rPr lang="en-US" dirty="0">
+                <a:latin typeface="Courier New" panose="02070309020205020404" pitchFamily="49" charset="0"/>
+                <a:cs typeface="Courier New" panose="02070309020205020404" pitchFamily="49" charset="0"/>
+              </a:rPr>
+              <a:t>a = data[‘a’]</a:t>
+            </a:r>
+          </a:p>
+          <a:p>
+            <a:pPr marL="0" indent="0">
+              <a:buNone/>
+            </a:pPr>
+            <a:endParaRPr lang="en-US" dirty="0"/>
+          </a:p>
+          <a:p>
+            <a:pPr marL="0" indent="0">
+              <a:buNone/>
+            </a:pPr>
+            <a:r>
+              <a:rPr lang="en-US" dirty="0"/>
+              <a:t>NPZ files can hold multiple </a:t>
+            </a:r>
+            <a:r>
+              <a:rPr lang="en-US" dirty="0" smtClean="0"/>
+              <a:t>arrays</a:t>
+            </a:r>
+            <a:endParaRPr lang="en-US" dirty="0"/>
+          </a:p>
+        </p:txBody>
+      </p:sp>
+      <p:sp>
+        <p:nvSpPr>
+          <p:cNvPr id="4" name="Slide Number Placeholder 3">
+            <a:extLst>
+              <a:ext uri="{FF2B5EF4-FFF2-40B4-BE49-F238E27FC236}">
+                <a16:creationId xmlns:a16="http://schemas.microsoft.com/office/drawing/2014/main" id="{ECD2AF31-972C-4097-B00B-E999A94BE9E0}"/>
+              </a:ext>
+            </a:extLst>
+          </p:cNvPr>
+          <p:cNvSpPr>
+            <a:spLocks noGrp="1"/>
+          </p:cNvSpPr>
+          <p:nvPr>
+            <p:ph type="sldNum" sz="quarter" idx="4294967295"/>
+          </p:nvPr>
+        </p:nvSpPr>
+        <p:spPr/>
+        <p:txBody>
+          <a:bodyPr>
+            <a:normAutofit fontScale="25000" lnSpcReduction="20000"/>
+          </a:bodyPr>
+          <a:lstStyle/>
+          <a:p>
+            <a:fld id="{4FAB73BC-B049-4115-A692-8D63A059BFB8}" type="slidenum">
+              <a:rPr lang="en-US" smtClean="0"/>
+              <a:t>22</a:t>
+            </a:fld>
+            <a:endParaRPr lang="en-US" dirty="0"/>
+          </a:p>
+        </p:txBody>
+      </p:sp>
+    </p:spTree>
+    <p:extLst>
+      <p:ext uri="{BB962C8B-B14F-4D97-AF65-F5344CB8AC3E}">
+        <p14:creationId xmlns:p14="http://schemas.microsoft.com/office/powerpoint/2010/main" val="424332885"/>
+      </p:ext>
+    </p:extLst>
+  </p:cSld>
+  <p:clrMapOvr>
+    <a:masterClrMapping/>
+  </p:clrMapOvr>
+</p:sld>
+</file>
+
 <file path=ppt/slides/slide3.xml><?xml version="1.0" encoding="utf-8"?>
 <p:sld xmlns:a="http://schemas.openxmlformats.org/drawingml/2006/main" xmlns:r="http://schemas.openxmlformats.org/officeDocument/2006/relationships" xmlns:p="http://schemas.openxmlformats.org/presentationml/2006/main">
   <p:cSld>
@@ -3987,19 +6072,19 @@
             </a:r>
             <a:r>
               <a:rPr lang="en-US" dirty="0" smtClean="0"/>
-              <a:t> de </a:t>
+              <a:t> </a:t>
             </a:r>
             <a:r>
               <a:rPr lang="en-US" dirty="0" err="1" smtClean="0"/>
-              <a:t>calcul</a:t>
+              <a:t>d’algèbre</a:t>
             </a:r>
             <a:r>
               <a:rPr lang="en-US" dirty="0" smtClean="0"/>
-              <a:t> qui </a:t>
+              <a:t> </a:t>
             </a:r>
             <a:r>
               <a:rPr lang="en-US" dirty="0" err="1" smtClean="0"/>
-              <a:t>peut</a:t>
+              <a:t>linéaire</a:t>
             </a:r>
             <a:r>
               <a:rPr lang="en-US" dirty="0" smtClean="0"/>
@@ -4010,23 +6095,7 @@
           <a:p>
             <a:pPr lvl="1"/>
             <a:r>
-              <a:rPr lang="en-US" dirty="0" err="1" smtClean="0"/>
-              <a:t>Algèbre</a:t>
-            </a:r>
-            <a:r>
               <a:rPr lang="en-US" dirty="0" smtClean="0"/>
-              <a:t> </a:t>
-            </a:r>
-            <a:r>
-              <a:rPr lang="en-US" dirty="0" err="1" smtClean="0"/>
-              <a:t>linéaire</a:t>
-            </a:r>
-            <a:endParaRPr lang="en-US" dirty="0" smtClean="0"/>
-          </a:p>
-          <a:p>
-            <a:pPr lvl="1"/>
-            <a:r>
-              <a:rPr lang="en-US" dirty="0"/>
               <a:t>import </a:t>
             </a:r>
             <a:r>
@@ -4036,18 +6105,6 @@
             <a:r>
               <a:rPr lang="en-US" dirty="0"/>
               <a:t> as np</a:t>
-            </a:r>
-            <a:endParaRPr lang="en-US" dirty="0" smtClean="0"/>
-          </a:p>
-          <a:p>
-            <a:pPr lvl="1"/>
-            <a:r>
-              <a:rPr lang="en-US" dirty="0" smtClean="0"/>
-              <a:t>Travail sur des </a:t>
-            </a:r>
-            <a:r>
-              <a:rPr lang="en-US" dirty="0" err="1" smtClean="0"/>
-              <a:t>np.array</a:t>
             </a:r>
             <a:endParaRPr lang="en-US" dirty="0" smtClean="0"/>
           </a:p>
@@ -4087,30 +6144,6 @@
           <a:xfrm>
             <a:off x="3851920" y="384380"/>
             <a:ext cx="1790700" cy="600075"/>
-          </a:xfrm>
-          <a:prstGeom prst="rect">
-            <a:avLst/>
-          </a:prstGeom>
-        </p:spPr>
-      </p:pic>
-      <p:pic>
-        <p:nvPicPr>
-          <p:cNvPr id="5" name="Image 4"/>
-          <p:cNvPicPr>
-            <a:picLocks noChangeAspect="1"/>
-          </p:cNvPicPr>
-          <p:nvPr/>
-        </p:nvPicPr>
-        <p:blipFill>
-          <a:blip r:embed="rId3"/>
-          <a:stretch>
-            <a:fillRect/>
-          </a:stretch>
-        </p:blipFill>
-        <p:spPr>
-          <a:xfrm>
-            <a:off x="4257884" y="3573016"/>
-            <a:ext cx="4886116" cy="2987303"/>
           </a:xfrm>
           <a:prstGeom prst="rect">
             <a:avLst/>
@@ -4156,7 +6189,13 @@
       </p:grpSpPr>
       <p:sp>
         <p:nvSpPr>
-          <p:cNvPr id="2" name="Titre 1"/>
+          <p:cNvPr id="2" name="Title 1">
+            <a:extLst>
+              <a:ext uri="{FF2B5EF4-FFF2-40B4-BE49-F238E27FC236}">
+                <a16:creationId xmlns:a16="http://schemas.microsoft.com/office/drawing/2014/main" id="{0EB97222-89A6-498E-A428-31CBD5343941}"/>
+              </a:ext>
+            </a:extLst>
+          </p:cNvPr>
           <p:cNvSpPr>
             <a:spLocks noGrp="1"/>
           </p:cNvSpPr>
@@ -4170,54 +6209,546 @@
           <a:lstStyle/>
           <a:p>
             <a:r>
-              <a:rPr lang="fr-FR" dirty="0" err="1" smtClean="0"/>
-              <a:t>Random</a:t>
-            </a:r>
-            <a:endParaRPr lang="fr-FR" dirty="0"/>
+              <a:rPr lang="en-US" dirty="0"/>
+              <a:t>Arrays</a:t>
+            </a:r>
           </a:p>
         </p:txBody>
       </p:sp>
-      <p:pic>
-        <p:nvPicPr>
-          <p:cNvPr id="4" name="Image 3"/>
-          <p:cNvPicPr>
-            <a:picLocks noChangeAspect="1"/>
-          </p:cNvPicPr>
-          <p:nvPr/>
-        </p:nvPicPr>
-        <p:blipFill>
-          <a:blip r:embed="rId2"/>
-          <a:stretch>
-            <a:fillRect/>
-          </a:stretch>
-        </p:blipFill>
-        <p:spPr>
-          <a:xfrm>
-            <a:off x="827584" y="1156209"/>
-            <a:ext cx="7466207" cy="3744416"/>
-          </a:xfrm>
-          <a:prstGeom prst="rect">
-            <a:avLst/>
-          </a:prstGeom>
-        </p:spPr>
-      </p:pic>
+      <p:sp>
+        <p:nvSpPr>
+          <p:cNvPr id="3" name="Content Placeholder 2">
+            <a:extLst>
+              <a:ext uri="{FF2B5EF4-FFF2-40B4-BE49-F238E27FC236}">
+                <a16:creationId xmlns:a16="http://schemas.microsoft.com/office/drawing/2014/main" id="{51A156A5-7BDF-4157-8103-16AE00F46C8D}"/>
+              </a:ext>
+            </a:extLst>
+          </p:cNvPr>
+          <p:cNvSpPr>
+            <a:spLocks noGrp="1"/>
+          </p:cNvSpPr>
+          <p:nvPr>
+            <p:ph sz="half" idx="1"/>
+          </p:nvPr>
+        </p:nvSpPr>
+        <p:spPr/>
+        <p:txBody>
+          <a:bodyPr>
+            <a:normAutofit/>
+          </a:bodyPr>
+          <a:lstStyle/>
+          <a:p>
+            <a:pPr marL="0" indent="0">
+              <a:buNone/>
+            </a:pPr>
+            <a:r>
+              <a:rPr lang="en-US" sz="1800" dirty="0"/>
+              <a:t>Structured lists of numbers.</a:t>
+            </a:r>
+          </a:p>
+          <a:p>
+            <a:r>
+              <a:rPr lang="en-US" b="1" dirty="0"/>
+              <a:t>Vectors </a:t>
+            </a:r>
+          </a:p>
+          <a:p>
+            <a:r>
+              <a:rPr lang="en-US" b="1" dirty="0"/>
+              <a:t>Matrices</a:t>
+            </a:r>
+          </a:p>
+          <a:p>
+            <a:pPr marL="0" indent="0">
+              <a:buNone/>
+            </a:pPr>
+            <a:endParaRPr lang="en-US" dirty="0"/>
+          </a:p>
+        </p:txBody>
+      </p:sp>
+      <mc:AlternateContent xmlns:mc="http://schemas.openxmlformats.org/markup-compatibility/2006" xmlns:a14="http://schemas.microsoft.com/office/drawing/2010/main">
+        <mc:Choice Requires="a14">
+          <p:sp>
+            <p:nvSpPr>
+              <p:cNvPr id="4" name="Content Placeholder 3">
+                <a:extLst>
+                  <a:ext uri="{FF2B5EF4-FFF2-40B4-BE49-F238E27FC236}">
+                    <a16:creationId xmlns:a16="http://schemas.microsoft.com/office/drawing/2014/main" id="{47C20A6C-444A-4107-8DD7-8F9162F28534}"/>
+                  </a:ext>
+                </a:extLst>
+              </p:cNvPr>
+              <p:cNvSpPr>
+                <a:spLocks noGrp="1"/>
+              </p:cNvSpPr>
+              <p:nvPr>
+                <p:ph sz="half" idx="2"/>
+              </p:nvPr>
+            </p:nvSpPr>
+            <p:spPr/>
+            <p:txBody>
+              <a:bodyPr>
+                <a:normAutofit/>
+              </a:bodyPr>
+              <a:lstStyle/>
+              <a:p>
+                <a:pPr marL="0" indent="0">
+                  <a:buNone/>
+                </a:pPr>
+                <a:endParaRPr lang="en-US" i="1" dirty="0">
+                  <a:latin typeface="Cambria Math" panose="02040503050406030204" pitchFamily="18" charset="0"/>
+                </a:endParaRPr>
+              </a:p>
+              <a:p>
+                <a:pPr marL="0" indent="0">
+                  <a:buNone/>
+                </a:pPr>
+                <a14:m>
+                  <m:oMathPara xmlns:m="http://schemas.openxmlformats.org/officeDocument/2006/math">
+                    <m:oMathParaPr>
+                      <m:jc m:val="centerGroup"/>
+                    </m:oMathParaPr>
+                    <m:oMath xmlns:m="http://schemas.openxmlformats.org/officeDocument/2006/math">
+                      <m:d>
+                        <m:dPr>
+                          <m:begChr m:val="["/>
+                          <m:endChr m:val="]"/>
+                          <m:ctrlPr>
+                            <a:rPr lang="en-US" sz="2400" i="1">
+                              <a:latin typeface="Cambria Math" panose="02040503050406030204" pitchFamily="18" charset="0"/>
+                            </a:rPr>
+                          </m:ctrlPr>
+                        </m:dPr>
+                        <m:e>
+                          <m:m>
+                            <m:mPr>
+                              <m:mcs>
+                                <m:mc>
+                                  <m:mcPr>
+                                    <m:count m:val="1"/>
+                                    <m:mcJc m:val="center"/>
+                                  </m:mcPr>
+                                </m:mc>
+                              </m:mcs>
+                              <m:ctrlPr>
+                                <a:rPr lang="en-US" sz="2400" i="1">
+                                  <a:latin typeface="Cambria Math" panose="02040503050406030204" pitchFamily="18" charset="0"/>
+                                </a:rPr>
+                              </m:ctrlPr>
+                            </m:mPr>
+                            <m:mr>
+                              <m:e>
+                                <m:sSub>
+                                  <m:sSubPr>
+                                    <m:ctrlPr>
+                                      <a:rPr lang="en-US" sz="2400" i="1">
+                                        <a:latin typeface="Cambria Math" panose="02040503050406030204" pitchFamily="18" charset="0"/>
+                                      </a:rPr>
+                                    </m:ctrlPr>
+                                  </m:sSubPr>
+                                  <m:e>
+                                    <m:r>
+                                      <m:rPr>
+                                        <m:brk m:alnAt="7"/>
+                                      </m:rPr>
+                                      <a:rPr lang="en-US" sz="2400" i="1">
+                                        <a:latin typeface="Cambria Math" panose="02040503050406030204" pitchFamily="18" charset="0"/>
+                                      </a:rPr>
+                                      <m:t>𝑝</m:t>
+                                    </m:r>
+                                  </m:e>
+                                  <m:sub>
+                                    <m:r>
+                                      <m:rPr>
+                                        <m:brk m:alnAt="7"/>
+                                      </m:rPr>
+                                      <a:rPr lang="en-US" sz="2400" i="1">
+                                        <a:latin typeface="Cambria Math" panose="02040503050406030204" pitchFamily="18" charset="0"/>
+                                      </a:rPr>
+                                      <m:t>𝑥</m:t>
+                                    </m:r>
+                                  </m:sub>
+                                </m:sSub>
+                              </m:e>
+                            </m:mr>
+                            <m:mr>
+                              <m:e>
+                                <m:sSub>
+                                  <m:sSubPr>
+                                    <m:ctrlPr>
+                                      <a:rPr lang="en-US" sz="2400" i="1">
+                                        <a:latin typeface="Cambria Math" panose="02040503050406030204" pitchFamily="18" charset="0"/>
+                                      </a:rPr>
+                                    </m:ctrlPr>
+                                  </m:sSubPr>
+                                  <m:e>
+                                    <m:r>
+                                      <a:rPr lang="en-US" sz="2400" i="1">
+                                        <a:latin typeface="Cambria Math" panose="02040503050406030204" pitchFamily="18" charset="0"/>
+                                      </a:rPr>
+                                      <m:t>𝑝</m:t>
+                                    </m:r>
+                                  </m:e>
+                                  <m:sub>
+                                    <m:r>
+                                      <a:rPr lang="en-US" sz="2400" i="1">
+                                        <a:latin typeface="Cambria Math" panose="02040503050406030204" pitchFamily="18" charset="0"/>
+                                      </a:rPr>
+                                      <m:t>𝑦</m:t>
+                                    </m:r>
+                                  </m:sub>
+                                </m:sSub>
+                              </m:e>
+                            </m:mr>
+                            <m:mr>
+                              <m:e>
+                                <m:sSub>
+                                  <m:sSubPr>
+                                    <m:ctrlPr>
+                                      <a:rPr lang="en-US" sz="2400" i="1">
+                                        <a:latin typeface="Cambria Math" panose="02040503050406030204" pitchFamily="18" charset="0"/>
+                                      </a:rPr>
+                                    </m:ctrlPr>
+                                  </m:sSubPr>
+                                  <m:e>
+                                    <m:r>
+                                      <a:rPr lang="en-US" sz="2400" i="1">
+                                        <a:latin typeface="Cambria Math" panose="02040503050406030204" pitchFamily="18" charset="0"/>
+                                      </a:rPr>
+                                      <m:t>𝑝</m:t>
+                                    </m:r>
+                                  </m:e>
+                                  <m:sub>
+                                    <m:r>
+                                      <a:rPr lang="en-US" sz="2400" i="1">
+                                        <a:latin typeface="Cambria Math" panose="02040503050406030204" pitchFamily="18" charset="0"/>
+                                      </a:rPr>
+                                      <m:t>𝑧</m:t>
+                                    </m:r>
+                                  </m:sub>
+                                </m:sSub>
+                              </m:e>
+                            </m:mr>
+                          </m:m>
+                        </m:e>
+                      </m:d>
+                    </m:oMath>
+                  </m:oMathPara>
+                </a14:m>
+                <a:endParaRPr lang="en-US" sz="2400" dirty="0"/>
+              </a:p>
+              <a:p>
+                <a:pPr marL="0" indent="0">
+                  <a:buNone/>
+                </a:pPr>
+                <a:endParaRPr lang="en-US" sz="2400" dirty="0"/>
+              </a:p>
+              <a:p>
+                <a:pPr marL="0" indent="0">
+                  <a:buNone/>
+                </a:pPr>
+                <a14:m>
+                  <m:oMathPara xmlns:m="http://schemas.openxmlformats.org/officeDocument/2006/math">
+                    <m:oMathParaPr>
+                      <m:jc m:val="centerGroup"/>
+                    </m:oMathParaPr>
+                    <m:oMath xmlns:m="http://schemas.openxmlformats.org/officeDocument/2006/math">
+                      <m:d>
+                        <m:dPr>
+                          <m:begChr m:val="["/>
+                          <m:endChr m:val="]"/>
+                          <m:ctrlPr>
+                            <a:rPr lang="en-US" sz="2400" i="1">
+                              <a:latin typeface="Cambria Math" panose="02040503050406030204" pitchFamily="18" charset="0"/>
+                            </a:rPr>
+                          </m:ctrlPr>
+                        </m:dPr>
+                        <m:e>
+                          <m:m>
+                            <m:mPr>
+                              <m:mcs>
+                                <m:mc>
+                                  <m:mcPr>
+                                    <m:count m:val="3"/>
+                                    <m:mcJc m:val="center"/>
+                                  </m:mcPr>
+                                </m:mc>
+                              </m:mcs>
+                              <m:ctrlPr>
+                                <a:rPr lang="en-US" sz="2400" i="1">
+                                  <a:latin typeface="Cambria Math" panose="02040503050406030204" pitchFamily="18" charset="0"/>
+                                </a:rPr>
+                              </m:ctrlPr>
+                            </m:mPr>
+                            <m:mr>
+                              <m:e>
+                                <m:sSub>
+                                  <m:sSubPr>
+                                    <m:ctrlPr>
+                                      <a:rPr lang="en-US" sz="2400" i="1">
+                                        <a:latin typeface="Cambria Math" panose="02040503050406030204" pitchFamily="18" charset="0"/>
+                                      </a:rPr>
+                                    </m:ctrlPr>
+                                  </m:sSubPr>
+                                  <m:e>
+                                    <m:r>
+                                      <m:rPr>
+                                        <m:brk m:alnAt="7"/>
+                                      </m:rPr>
+                                      <a:rPr lang="en-US" sz="2400" i="1">
+                                        <a:latin typeface="Cambria Math" panose="02040503050406030204" pitchFamily="18" charset="0"/>
+                                      </a:rPr>
+                                      <m:t>𝑎</m:t>
+                                    </m:r>
+                                  </m:e>
+                                  <m:sub>
+                                    <m:r>
+                                      <m:rPr>
+                                        <m:brk m:alnAt="7"/>
+                                      </m:rPr>
+                                      <a:rPr lang="en-US" sz="2400" i="1">
+                                        <a:latin typeface="Cambria Math" panose="02040503050406030204" pitchFamily="18" charset="0"/>
+                                      </a:rPr>
+                                      <m:t>1</m:t>
+                                    </m:r>
+                                    <m:r>
+                                      <a:rPr lang="en-US" sz="2400" i="1">
+                                        <a:latin typeface="Cambria Math" panose="02040503050406030204" pitchFamily="18" charset="0"/>
+                                      </a:rPr>
+                                      <m:t>1</m:t>
+                                    </m:r>
+                                  </m:sub>
+                                </m:sSub>
+                              </m:e>
+                              <m:e>
+                                <m:r>
+                                  <a:rPr lang="en-US" sz="2400" i="1">
+                                    <a:latin typeface="Cambria Math" panose="02040503050406030204" pitchFamily="18" charset="0"/>
+                                  </a:rPr>
+                                  <m:t>⋯</m:t>
+                                </m:r>
+                              </m:e>
+                              <m:e>
+                                <m:sSub>
+                                  <m:sSubPr>
+                                    <m:ctrlPr>
+                                      <a:rPr lang="en-US" sz="2400" i="1">
+                                        <a:latin typeface="Cambria Math" panose="02040503050406030204" pitchFamily="18" charset="0"/>
+                                      </a:rPr>
+                                    </m:ctrlPr>
+                                  </m:sSubPr>
+                                  <m:e>
+                                    <m:r>
+                                      <a:rPr lang="en-US" sz="2400" i="1">
+                                        <a:latin typeface="Cambria Math" panose="02040503050406030204" pitchFamily="18" charset="0"/>
+                                      </a:rPr>
+                                      <m:t>𝑎</m:t>
+                                    </m:r>
+                                  </m:e>
+                                  <m:sub>
+                                    <m:r>
+                                      <a:rPr lang="en-US" sz="2400" i="1">
+                                        <a:latin typeface="Cambria Math" panose="02040503050406030204" pitchFamily="18" charset="0"/>
+                                      </a:rPr>
+                                      <m:t>1</m:t>
+                                    </m:r>
+                                    <m:r>
+                                      <a:rPr lang="en-US" sz="2400" i="1">
+                                        <a:latin typeface="Cambria Math" panose="02040503050406030204" pitchFamily="18" charset="0"/>
+                                      </a:rPr>
+                                      <m:t>𝑛</m:t>
+                                    </m:r>
+                                  </m:sub>
+                                </m:sSub>
+                              </m:e>
+                            </m:mr>
+                            <m:mr>
+                              <m:e>
+                                <m:r>
+                                  <a:rPr lang="en-US" sz="2400" i="1">
+                                    <a:latin typeface="Cambria Math" panose="02040503050406030204" pitchFamily="18" charset="0"/>
+                                  </a:rPr>
+                                  <m:t>⋮</m:t>
+                                </m:r>
+                              </m:e>
+                              <m:e>
+                                <m:r>
+                                  <a:rPr lang="en-US" sz="2400" i="1">
+                                    <a:latin typeface="Cambria Math" panose="02040503050406030204" pitchFamily="18" charset="0"/>
+                                  </a:rPr>
+                                  <m:t>⋱</m:t>
+                                </m:r>
+                              </m:e>
+                              <m:e>
+                                <m:r>
+                                  <a:rPr lang="en-US" sz="2400" i="1">
+                                    <a:latin typeface="Cambria Math" panose="02040503050406030204" pitchFamily="18" charset="0"/>
+                                  </a:rPr>
+                                  <m:t>⋮</m:t>
+                                </m:r>
+                              </m:e>
+                            </m:mr>
+                            <m:mr>
+                              <m:e>
+                                <m:sSub>
+                                  <m:sSubPr>
+                                    <m:ctrlPr>
+                                      <a:rPr lang="en-US" sz="2400" i="1">
+                                        <a:latin typeface="Cambria Math" panose="02040503050406030204" pitchFamily="18" charset="0"/>
+                                      </a:rPr>
+                                    </m:ctrlPr>
+                                  </m:sSubPr>
+                                  <m:e>
+                                    <m:r>
+                                      <a:rPr lang="en-US" sz="2400" i="1">
+                                        <a:latin typeface="Cambria Math" panose="02040503050406030204" pitchFamily="18" charset="0"/>
+                                      </a:rPr>
+                                      <m:t>𝑎</m:t>
+                                    </m:r>
+                                  </m:e>
+                                  <m:sub>
+                                    <m:r>
+                                      <a:rPr lang="en-US" sz="2400" i="1">
+                                        <a:latin typeface="Cambria Math" panose="02040503050406030204" pitchFamily="18" charset="0"/>
+                                      </a:rPr>
+                                      <m:t>𝑚</m:t>
+                                    </m:r>
+                                    <m:r>
+                                      <a:rPr lang="en-US" sz="2400" i="1">
+                                        <a:latin typeface="Cambria Math" panose="02040503050406030204" pitchFamily="18" charset="0"/>
+                                      </a:rPr>
+                                      <m:t>1</m:t>
+                                    </m:r>
+                                  </m:sub>
+                                </m:sSub>
+                              </m:e>
+                              <m:e>
+                                <m:r>
+                                  <a:rPr lang="en-US" sz="2400" i="1">
+                                    <a:latin typeface="Cambria Math" panose="02040503050406030204" pitchFamily="18" charset="0"/>
+                                  </a:rPr>
+                                  <m:t>⋯</m:t>
+                                </m:r>
+                              </m:e>
+                              <m:e>
+                                <m:sSub>
+                                  <m:sSubPr>
+                                    <m:ctrlPr>
+                                      <a:rPr lang="en-US" sz="2400" i="1">
+                                        <a:latin typeface="Cambria Math" panose="02040503050406030204" pitchFamily="18" charset="0"/>
+                                      </a:rPr>
+                                    </m:ctrlPr>
+                                  </m:sSubPr>
+                                  <m:e>
+                                    <m:r>
+                                      <a:rPr lang="en-US" sz="2400" i="1">
+                                        <a:latin typeface="Cambria Math" panose="02040503050406030204" pitchFamily="18" charset="0"/>
+                                      </a:rPr>
+                                      <m:t>𝑎</m:t>
+                                    </m:r>
+                                  </m:e>
+                                  <m:sub>
+                                    <m:r>
+                                      <a:rPr lang="en-US" sz="2400" i="1">
+                                        <a:latin typeface="Cambria Math" panose="02040503050406030204" pitchFamily="18" charset="0"/>
+                                      </a:rPr>
+                                      <m:t>𝑚𝑛</m:t>
+                                    </m:r>
+                                  </m:sub>
+                                </m:sSub>
+                              </m:e>
+                            </m:mr>
+                          </m:m>
+                        </m:e>
+                      </m:d>
+                    </m:oMath>
+                  </m:oMathPara>
+                </a14:m>
+                <a:endParaRPr lang="en-US" sz="2400" dirty="0"/>
+              </a:p>
+            </p:txBody>
+          </p:sp>
+        </mc:Choice>
+        <mc:Fallback xmlns="">
+          <p:sp>
+            <p:nvSpPr>
+              <p:cNvPr id="4" name="Content Placeholder 3">
+                <a:extLst>
+                  <a:ext uri="{FF2B5EF4-FFF2-40B4-BE49-F238E27FC236}">
+                    <a16:creationId xmlns:a16="http://schemas.microsoft.com/office/drawing/2014/main" id="{47C20A6C-444A-4107-8DD7-8F9162F28534}"/>
+                  </a:ext>
+                </a:extLst>
+              </p:cNvPr>
+              <p:cNvSpPr>
+                <a:spLocks noGrp="1" noRot="1" noChangeAspect="1" noMove="1" noResize="1" noEditPoints="1" noAdjustHandles="1" noChangeArrowheads="1" noChangeShapeType="1" noTextEdit="1"/>
+              </p:cNvSpPr>
+              <p:nvPr>
+                <p:ph sz="half" idx="2"/>
+              </p:nvPr>
+            </p:nvSpPr>
+            <p:spPr>
+              <a:blipFill>
+                <a:blip r:embed="rId2"/>
+                <a:stretch>
+                  <a:fillRect/>
+                </a:stretch>
+              </a:blipFill>
+            </p:spPr>
+            <p:txBody>
+              <a:bodyPr/>
+              <a:lstStyle/>
+              <a:p>
+                <a:r>
+                  <a:rPr lang="en-US">
+                    <a:noFill/>
+                  </a:rPr>
+                  <a:t> </a:t>
+                </a:r>
+              </a:p>
+            </p:txBody>
+          </p:sp>
+        </mc:Fallback>
+      </mc:AlternateContent>
+      <p:sp>
+        <p:nvSpPr>
+          <p:cNvPr id="5" name="Slide Number Placeholder 4">
+            <a:extLst>
+              <a:ext uri="{FF2B5EF4-FFF2-40B4-BE49-F238E27FC236}">
+                <a16:creationId xmlns:a16="http://schemas.microsoft.com/office/drawing/2014/main" id="{A80338AB-1186-4DFC-8E5B-AE743C47848D}"/>
+              </a:ext>
+            </a:extLst>
+          </p:cNvPr>
+          <p:cNvSpPr>
+            <a:spLocks noGrp="1"/>
+          </p:cNvSpPr>
+          <p:nvPr>
+            <p:ph type="sldNum" sz="quarter" idx="4294967295"/>
+          </p:nvPr>
+        </p:nvSpPr>
+        <p:spPr/>
+        <p:txBody>
+          <a:bodyPr>
+            <a:normAutofit fontScale="25000" lnSpcReduction="20000"/>
+          </a:bodyPr>
+          <a:lstStyle/>
+          <a:p>
+            <a:fld id="{4FAB73BC-B049-4115-A692-8D63A059BFB8}" type="slidenum">
+              <a:rPr lang="en-US" smtClean="0"/>
+              <a:t>4</a:t>
+            </a:fld>
+            <a:endParaRPr lang="en-US" dirty="0"/>
+          </a:p>
+        </p:txBody>
+      </p:sp>
     </p:spTree>
     <p:extLst>
       <p:ext uri="{BB962C8B-B14F-4D97-AF65-F5344CB8AC3E}">
-        <p14:creationId xmlns:p14="http://schemas.microsoft.com/office/powerpoint/2010/main" val="2677605873"/>
+        <p14:creationId xmlns:p14="http://schemas.microsoft.com/office/powerpoint/2010/main" val="3734931257"/>
       </p:ext>
     </p:extLst>
   </p:cSld>
   <p:clrMapOvr>
     <a:masterClrMapping/>
   </p:clrMapOvr>
-  <p:timing>
-    <p:tnLst>
-      <p:par>
-        <p:cTn id="1" dur="indefinite" restart="never" nodeType="tmRoot"/>
-      </p:par>
-    </p:tnLst>
-  </p:timing>
 </p:sld>
 </file>
 
@@ -4240,29 +6771,6 @@
       </p:grpSpPr>
       <p:sp>
         <p:nvSpPr>
-          <p:cNvPr id="2" name="Titre 1"/>
-          <p:cNvSpPr>
-            <a:spLocks noGrp="1"/>
-          </p:cNvSpPr>
-          <p:nvPr>
-            <p:ph type="title"/>
-          </p:nvPr>
-        </p:nvSpPr>
-        <p:spPr/>
-        <p:txBody>
-          <a:bodyPr/>
-          <a:lstStyle/>
-          <a:p>
-            <a:r>
-              <a:rPr lang="fr-FR" dirty="0" err="1" smtClean="0"/>
-              <a:t>Matplotlib</a:t>
-            </a:r>
-            <a:endParaRPr lang="fr-FR" dirty="0"/>
-          </a:p>
-        </p:txBody>
-      </p:sp>
-      <p:sp>
-        <p:nvSpPr>
           <p:cNvPr id="3" name="Espace réservé du contenu 2"/>
           <p:cNvSpPr>
             <a:spLocks noGrp="1"/>
@@ -4277,28 +6785,1144 @@
           <a:lstStyle/>
           <a:p>
             <a:r>
+              <a:rPr lang="en-US" dirty="0" err="1" smtClean="0"/>
+              <a:t>Np.array</a:t>
+            </a:r>
+            <a:endParaRPr lang="en-US" dirty="0" smtClean="0"/>
+          </a:p>
+          <a:p>
+            <a:pPr lvl="1"/>
+            <a:r>
+              <a:rPr lang="fr-FR" dirty="0"/>
+              <a:t>Contrairement aux listes en Python, les tableaux </a:t>
+            </a:r>
+            <a:r>
+              <a:rPr lang="fr-FR" dirty="0" err="1"/>
+              <a:t>Numpy</a:t>
+            </a:r>
+            <a:r>
+              <a:rPr lang="fr-FR" dirty="0"/>
+              <a:t> ne peuvent contenir des membres que d'un seul </a:t>
+            </a:r>
+            <a:r>
+              <a:rPr lang="fr-FR" dirty="0" smtClean="0"/>
+              <a:t>type</a:t>
+            </a:r>
+          </a:p>
+          <a:p>
+            <a:pPr lvl="1"/>
+            <a:r>
+              <a:rPr lang="fr-FR" dirty="0" smtClean="0"/>
+              <a:t>Le type est soit explicite ou implicite</a:t>
+            </a:r>
+          </a:p>
+          <a:p>
+            <a:r>
+              <a:rPr lang="fr-FR" dirty="0" smtClean="0"/>
+              <a:t>Exemples :</a:t>
+            </a:r>
+          </a:p>
+          <a:p>
+            <a:pPr lvl="1"/>
+            <a:r>
+              <a:rPr lang="en-US" dirty="0" err="1"/>
+              <a:t>np.array</a:t>
+            </a:r>
+            <a:r>
+              <a:rPr lang="en-US" dirty="0"/>
+              <a:t>([1, 4, 2, 5, 3</a:t>
+            </a:r>
+            <a:r>
+              <a:rPr lang="en-US" dirty="0" smtClean="0"/>
+              <a:t>]) #</a:t>
+            </a:r>
+            <a:r>
+              <a:rPr lang="en-US" dirty="0" err="1" smtClean="0"/>
+              <a:t>int</a:t>
+            </a:r>
+            <a:endParaRPr lang="en-US" dirty="0" smtClean="0"/>
+          </a:p>
+          <a:p>
+            <a:pPr lvl="1"/>
+            <a:r>
+              <a:rPr lang="en-US" dirty="0" err="1"/>
+              <a:t>np.array</a:t>
+            </a:r>
+            <a:r>
+              <a:rPr lang="en-US" dirty="0"/>
+              <a:t>([3.14, 4, 2, 3</a:t>
+            </a:r>
+            <a:r>
+              <a:rPr lang="en-US" dirty="0" smtClean="0"/>
+              <a:t>]) #float</a:t>
+            </a:r>
+          </a:p>
+          <a:p>
+            <a:pPr lvl="1"/>
+            <a:r>
               <a:rPr lang="fr-FR" dirty="0" err="1" smtClean="0"/>
-              <a:t>Matplotlib</a:t>
+              <a:t>np.zeros</a:t>
             </a:r>
             <a:r>
               <a:rPr lang="fr-FR" dirty="0" smtClean="0"/>
-              <a:t> est complètement compatible avec les </a:t>
-            </a:r>
+              <a:t>(10</a:t>
+            </a:r>
+            <a:r>
+              <a:rPr lang="fr-FR" dirty="0"/>
+              <a:t>, </a:t>
+            </a:r>
+            <a:r>
+              <a:rPr lang="fr-FR" dirty="0" err="1"/>
+              <a:t>dtype</a:t>
+            </a:r>
+            <a:r>
+              <a:rPr lang="fr-FR" dirty="0"/>
+              <a:t>=</a:t>
+            </a:r>
+            <a:r>
+              <a:rPr lang="fr-FR" dirty="0" err="1"/>
+              <a:t>int</a:t>
+            </a:r>
+            <a:r>
+              <a:rPr lang="fr-FR" dirty="0" smtClean="0"/>
+              <a:t>) #10*0</a:t>
+            </a:r>
+            <a:endParaRPr lang="fr-FR" dirty="0"/>
+          </a:p>
+          <a:p>
+            <a:pPr lvl="1"/>
             <a:r>
               <a:rPr lang="fr-FR" dirty="0" err="1" smtClean="0"/>
-              <a:t>np.array</a:t>
+              <a:t>np.ones</a:t>
+            </a:r>
+            <a:r>
+              <a:rPr lang="fr-FR" dirty="0" smtClean="0"/>
+              <a:t>(3, </a:t>
+            </a:r>
+            <a:r>
+              <a:rPr lang="fr-FR" dirty="0" err="1"/>
+              <a:t>dtype</a:t>
+            </a:r>
+            <a:r>
+              <a:rPr lang="fr-FR" dirty="0"/>
+              <a:t>=</a:t>
+            </a:r>
+            <a:r>
+              <a:rPr lang="fr-FR" dirty="0" err="1"/>
+              <a:t>float</a:t>
+            </a:r>
+            <a:r>
+              <a:rPr lang="fr-FR" dirty="0" smtClean="0"/>
+              <a:t>) #3*1.0</a:t>
             </a:r>
             <a:endParaRPr lang="fr-FR" dirty="0"/>
           </a:p>
           <a:p>
+            <a:pPr lvl="1"/>
+            <a:r>
+              <a:rPr lang="fr-FR" dirty="0" err="1" smtClean="0"/>
+              <a:t>np.full</a:t>
+            </a:r>
+            <a:r>
+              <a:rPr lang="fr-FR" dirty="0" smtClean="0"/>
+              <a:t>(3, </a:t>
+            </a:r>
+            <a:r>
+              <a:rPr lang="fr-FR" dirty="0"/>
+              <a:t>3.14</a:t>
+            </a:r>
+            <a:r>
+              <a:rPr lang="fr-FR" dirty="0" smtClean="0"/>
+              <a:t>) #3*3.14</a:t>
+            </a:r>
+            <a:endParaRPr lang="en-US" dirty="0" smtClean="0"/>
+          </a:p>
+          <a:p>
+            <a:pPr lvl="1"/>
             <a:endParaRPr lang="fr-FR" dirty="0"/>
+          </a:p>
+        </p:txBody>
+      </p:sp>
+      <p:pic>
+        <p:nvPicPr>
+          <p:cNvPr id="4" name="Image 3"/>
+          <p:cNvPicPr>
+            <a:picLocks noChangeAspect="1"/>
+          </p:cNvPicPr>
+          <p:nvPr/>
+        </p:nvPicPr>
+        <p:blipFill>
+          <a:blip r:embed="rId2"/>
+          <a:stretch>
+            <a:fillRect/>
+          </a:stretch>
+        </p:blipFill>
+        <p:spPr>
+          <a:xfrm>
+            <a:off x="3851920" y="384380"/>
+            <a:ext cx="1790700" cy="600075"/>
+          </a:xfrm>
+          <a:prstGeom prst="rect">
+            <a:avLst/>
+          </a:prstGeom>
+        </p:spPr>
+      </p:pic>
+    </p:spTree>
+    <p:extLst>
+      <p:ext uri="{BB962C8B-B14F-4D97-AF65-F5344CB8AC3E}">
+        <p14:creationId xmlns:p14="http://schemas.microsoft.com/office/powerpoint/2010/main" val="165794461"/>
+      </p:ext>
+    </p:extLst>
+  </p:cSld>
+  <p:clrMapOvr>
+    <a:masterClrMapping/>
+  </p:clrMapOvr>
+  <p:timing>
+    <p:tnLst>
+      <p:par>
+        <p:cTn id="1" dur="indefinite" restart="never" nodeType="tmRoot"/>
+      </p:par>
+    </p:tnLst>
+  </p:timing>
+</p:sld>
+</file>
+
+<file path=ppt/slides/slide6.xml><?xml version="1.0" encoding="utf-8"?>
+<p:sld xmlns:a="http://schemas.openxmlformats.org/drawingml/2006/main" xmlns:r="http://schemas.openxmlformats.org/officeDocument/2006/relationships" xmlns:p="http://schemas.openxmlformats.org/presentationml/2006/main">
+  <p:cSld>
+    <p:spTree>
+      <p:nvGrpSpPr>
+        <p:cNvPr id="1" name=""/>
+        <p:cNvGrpSpPr/>
+        <p:nvPr/>
+      </p:nvGrpSpPr>
+      <p:grpSpPr>
+        <a:xfrm>
+          <a:off x="0" y="0"/>
+          <a:ext cx="0" cy="0"/>
+          <a:chOff x="0" y="0"/>
+          <a:chExt cx="0" cy="0"/>
+        </a:xfrm>
+      </p:grpSpPr>
+      <p:sp>
+        <p:nvSpPr>
+          <p:cNvPr id="2" name="Title 1">
+            <a:extLst>
+              <a:ext uri="{FF2B5EF4-FFF2-40B4-BE49-F238E27FC236}">
+                <a16:creationId xmlns:a16="http://schemas.microsoft.com/office/drawing/2014/main" id="{F8C3A89D-B04F-4FF7-B864-B3F9BBFBE530}"/>
+              </a:ext>
+            </a:extLst>
+          </p:cNvPr>
+          <p:cNvSpPr>
+            <a:spLocks noGrp="1"/>
+          </p:cNvSpPr>
+          <p:nvPr>
+            <p:ph type="title"/>
+          </p:nvPr>
+        </p:nvSpPr>
+        <p:spPr/>
+        <p:txBody>
+          <a:bodyPr/>
+          <a:lstStyle/>
+          <a:p>
+            <a:r>
+              <a:rPr lang="en-US" dirty="0"/>
+              <a:t>Arrays, creation</a:t>
+            </a:r>
+          </a:p>
+        </p:txBody>
+      </p:sp>
+      <p:sp>
+        <p:nvSpPr>
+          <p:cNvPr id="3" name="Content Placeholder 2">
+            <a:extLst>
+              <a:ext uri="{FF2B5EF4-FFF2-40B4-BE49-F238E27FC236}">
+                <a16:creationId xmlns:a16="http://schemas.microsoft.com/office/drawing/2014/main" id="{E06060F4-F2F0-4A93-BA3A-8F21AA583A86}"/>
+              </a:ext>
+            </a:extLst>
+          </p:cNvPr>
+          <p:cNvSpPr>
+            <a:spLocks noGrp="1"/>
+          </p:cNvSpPr>
+          <p:nvPr>
+            <p:ph sz="half" idx="1"/>
+          </p:nvPr>
+        </p:nvSpPr>
+        <p:spPr/>
+        <p:txBody>
+          <a:bodyPr/>
+          <a:lstStyle/>
+          <a:p>
+            <a:r>
+              <a:rPr lang="en-US" b="1" dirty="0" err="1"/>
+              <a:t>np.ones</a:t>
+            </a:r>
+            <a:r>
+              <a:rPr lang="en-US" b="1" dirty="0"/>
+              <a:t>, </a:t>
+            </a:r>
+            <a:r>
+              <a:rPr lang="en-US" b="1" dirty="0" err="1"/>
+              <a:t>np.zeros</a:t>
+            </a:r>
+            <a:endParaRPr lang="en-US" b="1" dirty="0"/>
+          </a:p>
+          <a:p>
+            <a:r>
+              <a:rPr lang="en-US" dirty="0" err="1"/>
+              <a:t>np.arange</a:t>
+            </a:r>
+            <a:endParaRPr lang="en-US" dirty="0"/>
+          </a:p>
+          <a:p>
+            <a:r>
+              <a:rPr lang="en-US" dirty="0" err="1"/>
+              <a:t>np.concatenate</a:t>
+            </a:r>
+            <a:endParaRPr lang="en-US" dirty="0"/>
+          </a:p>
+          <a:p>
+            <a:r>
+              <a:rPr lang="en-US" dirty="0" err="1"/>
+              <a:t>np.astype</a:t>
+            </a:r>
+            <a:endParaRPr lang="en-US" dirty="0"/>
+          </a:p>
+          <a:p>
+            <a:r>
+              <a:rPr lang="en-US" dirty="0" err="1"/>
+              <a:t>np.zeros_like</a:t>
+            </a:r>
+            <a:r>
+              <a:rPr lang="en-US" dirty="0"/>
+              <a:t>, </a:t>
+            </a:r>
+            <a:r>
+              <a:rPr lang="en-US" dirty="0" err="1"/>
+              <a:t>np.ones_like</a:t>
+            </a:r>
+            <a:endParaRPr lang="en-US" dirty="0"/>
+          </a:p>
+          <a:p>
+            <a:r>
+              <a:rPr lang="en-US" dirty="0" err="1"/>
+              <a:t>np.random.random</a:t>
+            </a:r>
+            <a:endParaRPr lang="en-US" dirty="0"/>
+          </a:p>
+        </p:txBody>
+      </p:sp>
+      <p:pic>
+        <p:nvPicPr>
+          <p:cNvPr id="2050" name="Picture 2" descr="https://i.gyazo.com/ab7c9b4e16c8a76d8dc7704d30051267.png">
+            <a:extLst>
+              <a:ext uri="{FF2B5EF4-FFF2-40B4-BE49-F238E27FC236}">
+                <a16:creationId xmlns:a16="http://schemas.microsoft.com/office/drawing/2014/main" id="{4E5B0FD0-66E1-4D88-AE87-FFD566AA0188}"/>
+              </a:ext>
+            </a:extLst>
+          </p:cNvPr>
+          <p:cNvPicPr>
+            <a:picLocks noGrp="1" noChangeAspect="1" noChangeArrowheads="1"/>
+          </p:cNvPicPr>
+          <p:nvPr>
+            <p:ph sz="half" idx="2"/>
+          </p:nvPr>
+        </p:nvPicPr>
+        <p:blipFill>
+          <a:blip r:embed="rId2">
+            <a:extLst>
+              <a:ext uri="{28A0092B-C50C-407E-A947-70E740481C1C}">
+                <a14:useLocalDpi xmlns:a14="http://schemas.microsoft.com/office/drawing/2010/main" val="0"/>
+              </a:ext>
+            </a:extLst>
+          </a:blip>
+          <a:srcRect/>
+          <a:stretch>
+            <a:fillRect/>
+          </a:stretch>
+        </p:blipFill>
+        <p:spPr bwMode="auto">
+          <a:xfrm>
+            <a:off x="4857548" y="2268551"/>
+            <a:ext cx="4092777" cy="742388"/>
+          </a:xfrm>
+          <a:prstGeom prst="rect">
+            <a:avLst/>
+          </a:prstGeom>
+          <a:noFill/>
+          <a:extLst>
+            <a:ext uri="{909E8E84-426E-40DD-AFC4-6F175D3DCCD1}">
+              <a14:hiddenFill xmlns:a14="http://schemas.microsoft.com/office/drawing/2010/main">
+                <a:solidFill>
+                  <a:srgbClr val="FFFFFF"/>
+                </a:solidFill>
+              </a14:hiddenFill>
+            </a:ext>
+          </a:extLst>
+        </p:spPr>
+      </p:pic>
+      <p:pic>
+        <p:nvPicPr>
+          <p:cNvPr id="2052" name="Picture 4" descr="https://i.gyazo.com/155ad9075990c94c1e98b750d365d49a.png">
+            <a:extLst>
+              <a:ext uri="{FF2B5EF4-FFF2-40B4-BE49-F238E27FC236}">
+                <a16:creationId xmlns:a16="http://schemas.microsoft.com/office/drawing/2014/main" id="{F8350C03-9BBC-461B-8603-1E1869FA1D8B}"/>
+              </a:ext>
+            </a:extLst>
+          </p:cNvPr>
+          <p:cNvPicPr>
+            <a:picLocks noChangeAspect="1" noChangeArrowheads="1"/>
+          </p:cNvPicPr>
+          <p:nvPr/>
+        </p:nvPicPr>
+        <p:blipFill>
+          <a:blip r:embed="rId3">
+            <a:extLst>
+              <a:ext uri="{28A0092B-C50C-407E-A947-70E740481C1C}">
+                <a14:useLocalDpi xmlns:a14="http://schemas.microsoft.com/office/drawing/2010/main" val="0"/>
+              </a:ext>
+            </a:extLst>
+          </a:blip>
+          <a:srcRect/>
+          <a:stretch>
+            <a:fillRect/>
+          </a:stretch>
+        </p:blipFill>
+        <p:spPr bwMode="auto">
+          <a:xfrm>
+            <a:off x="4899819" y="3340846"/>
+            <a:ext cx="4050506" cy="1835944"/>
+          </a:xfrm>
+          <a:prstGeom prst="rect">
+            <a:avLst/>
+          </a:prstGeom>
+          <a:noFill/>
+          <a:extLst>
+            <a:ext uri="{909E8E84-426E-40DD-AFC4-6F175D3DCCD1}">
+              <a14:hiddenFill xmlns:a14="http://schemas.microsoft.com/office/drawing/2010/main">
+                <a:solidFill>
+                  <a:srgbClr val="FFFFFF"/>
+                </a:solidFill>
+              </a14:hiddenFill>
+            </a:ext>
+          </a:extLst>
+        </p:spPr>
+      </p:pic>
+      <p:sp>
+        <p:nvSpPr>
+          <p:cNvPr id="4" name="Slide Number Placeholder 3">
+            <a:extLst>
+              <a:ext uri="{FF2B5EF4-FFF2-40B4-BE49-F238E27FC236}">
+                <a16:creationId xmlns:a16="http://schemas.microsoft.com/office/drawing/2014/main" id="{92D2687B-855C-4168-B171-855746B25D67}"/>
+              </a:ext>
+            </a:extLst>
+          </p:cNvPr>
+          <p:cNvSpPr>
+            <a:spLocks noGrp="1"/>
+          </p:cNvSpPr>
+          <p:nvPr>
+            <p:ph type="sldNum" sz="quarter" idx="4294967295"/>
+          </p:nvPr>
+        </p:nvSpPr>
+        <p:spPr/>
+        <p:txBody>
+          <a:bodyPr>
+            <a:normAutofit fontScale="25000" lnSpcReduction="20000"/>
+          </a:bodyPr>
+          <a:lstStyle/>
+          <a:p>
+            <a:fld id="{4FAB73BC-B049-4115-A692-8D63A059BFB8}" type="slidenum">
+              <a:rPr lang="en-US" smtClean="0"/>
+              <a:t>6</a:t>
+            </a:fld>
+            <a:endParaRPr lang="en-US" dirty="0"/>
           </a:p>
         </p:txBody>
       </p:sp>
     </p:spTree>
     <p:extLst>
       <p:ext uri="{BB962C8B-B14F-4D97-AF65-F5344CB8AC3E}">
-        <p14:creationId xmlns:p14="http://schemas.microsoft.com/office/powerpoint/2010/main" val="2402925228"/>
+        <p14:creationId xmlns:p14="http://schemas.microsoft.com/office/powerpoint/2010/main" val="993841195"/>
+      </p:ext>
+    </p:extLst>
+  </p:cSld>
+  <p:clrMapOvr>
+    <a:masterClrMapping/>
+  </p:clrMapOvr>
+</p:sld>
+</file>
+
+<file path=ppt/slides/slide7.xml><?xml version="1.0" encoding="utf-8"?>
+<p:sld xmlns:a="http://schemas.openxmlformats.org/drawingml/2006/main" xmlns:r="http://schemas.openxmlformats.org/officeDocument/2006/relationships" xmlns:p="http://schemas.openxmlformats.org/presentationml/2006/main">
+  <p:cSld>
+    <p:spTree>
+      <p:nvGrpSpPr>
+        <p:cNvPr id="1" name=""/>
+        <p:cNvGrpSpPr/>
+        <p:nvPr/>
+      </p:nvGrpSpPr>
+      <p:grpSpPr>
+        <a:xfrm>
+          <a:off x="0" y="0"/>
+          <a:ext cx="0" cy="0"/>
+          <a:chOff x="0" y="0"/>
+          <a:chExt cx="0" cy="0"/>
+        </a:xfrm>
+      </p:grpSpPr>
+      <p:sp>
+        <p:nvSpPr>
+          <p:cNvPr id="2" name="Title 1">
+            <a:extLst>
+              <a:ext uri="{FF2B5EF4-FFF2-40B4-BE49-F238E27FC236}">
+                <a16:creationId xmlns:a16="http://schemas.microsoft.com/office/drawing/2014/main" id="{F8C3A89D-B04F-4FF7-B864-B3F9BBFBE530}"/>
+              </a:ext>
+            </a:extLst>
+          </p:cNvPr>
+          <p:cNvSpPr>
+            <a:spLocks noGrp="1"/>
+          </p:cNvSpPr>
+          <p:nvPr>
+            <p:ph type="title"/>
+          </p:nvPr>
+        </p:nvSpPr>
+        <p:spPr/>
+        <p:txBody>
+          <a:bodyPr/>
+          <a:lstStyle/>
+          <a:p>
+            <a:r>
+              <a:rPr lang="en-US" dirty="0"/>
+              <a:t>Arrays, creation</a:t>
+            </a:r>
+          </a:p>
+        </p:txBody>
+      </p:sp>
+      <p:sp>
+        <p:nvSpPr>
+          <p:cNvPr id="3" name="Content Placeholder 2">
+            <a:extLst>
+              <a:ext uri="{FF2B5EF4-FFF2-40B4-BE49-F238E27FC236}">
+                <a16:creationId xmlns:a16="http://schemas.microsoft.com/office/drawing/2014/main" id="{E06060F4-F2F0-4A93-BA3A-8F21AA583A86}"/>
+              </a:ext>
+            </a:extLst>
+          </p:cNvPr>
+          <p:cNvSpPr>
+            <a:spLocks noGrp="1"/>
+          </p:cNvSpPr>
+          <p:nvPr>
+            <p:ph sz="half" idx="1"/>
+          </p:nvPr>
+        </p:nvSpPr>
+        <p:spPr/>
+        <p:txBody>
+          <a:bodyPr/>
+          <a:lstStyle/>
+          <a:p>
+            <a:r>
+              <a:rPr lang="en-US" dirty="0" err="1"/>
+              <a:t>np.ones</a:t>
+            </a:r>
+            <a:r>
+              <a:rPr lang="en-US" dirty="0"/>
+              <a:t>, </a:t>
+            </a:r>
+            <a:r>
+              <a:rPr lang="en-US" dirty="0" err="1"/>
+              <a:t>np.zeros</a:t>
+            </a:r>
+            <a:endParaRPr lang="en-US" dirty="0"/>
+          </a:p>
+          <a:p>
+            <a:r>
+              <a:rPr lang="en-US" dirty="0" err="1"/>
+              <a:t>np.arange</a:t>
+            </a:r>
+            <a:endParaRPr lang="en-US" dirty="0"/>
+          </a:p>
+          <a:p>
+            <a:r>
+              <a:rPr lang="en-US" b="1" dirty="0" err="1"/>
+              <a:t>np.concatenate</a:t>
+            </a:r>
+            <a:endParaRPr lang="en-US" b="1" dirty="0"/>
+          </a:p>
+          <a:p>
+            <a:r>
+              <a:rPr lang="en-US" dirty="0" err="1"/>
+              <a:t>np.astype</a:t>
+            </a:r>
+            <a:endParaRPr lang="en-US" dirty="0"/>
+          </a:p>
+          <a:p>
+            <a:r>
+              <a:rPr lang="en-US" dirty="0" err="1"/>
+              <a:t>np.zeros_like</a:t>
+            </a:r>
+            <a:r>
+              <a:rPr lang="en-US" dirty="0"/>
+              <a:t>, </a:t>
+            </a:r>
+            <a:r>
+              <a:rPr lang="en-US" dirty="0" err="1"/>
+              <a:t>np.ones_like</a:t>
+            </a:r>
+            <a:endParaRPr lang="en-US" dirty="0"/>
+          </a:p>
+          <a:p>
+            <a:r>
+              <a:rPr lang="en-US" dirty="0" err="1"/>
+              <a:t>np.random.random</a:t>
+            </a:r>
+            <a:endParaRPr lang="en-US" dirty="0"/>
+          </a:p>
+        </p:txBody>
+      </p:sp>
+      <p:pic>
+        <p:nvPicPr>
+          <p:cNvPr id="4098" name="Picture 2" descr="https://i.gyazo.com/c234df7922627afc111c3a02ede104fe.png">
+            <a:extLst>
+              <a:ext uri="{FF2B5EF4-FFF2-40B4-BE49-F238E27FC236}">
+                <a16:creationId xmlns:a16="http://schemas.microsoft.com/office/drawing/2014/main" id="{614819F5-ED63-4F34-9FD4-B6D4F23FC57A}"/>
+              </a:ext>
+            </a:extLst>
+          </p:cNvPr>
+          <p:cNvPicPr>
+            <a:picLocks noGrp="1" noChangeAspect="1" noChangeArrowheads="1"/>
+          </p:cNvPicPr>
+          <p:nvPr>
+            <p:ph sz="half" idx="2"/>
+          </p:nvPr>
+        </p:nvPicPr>
+        <p:blipFill>
+          <a:blip r:embed="rId2">
+            <a:extLst>
+              <a:ext uri="{28A0092B-C50C-407E-A947-70E740481C1C}">
+                <a14:useLocalDpi xmlns:a14="http://schemas.microsoft.com/office/drawing/2010/main" val="0"/>
+              </a:ext>
+            </a:extLst>
+          </a:blip>
+          <a:srcRect/>
+          <a:stretch>
+            <a:fillRect/>
+          </a:stretch>
+        </p:blipFill>
+        <p:spPr bwMode="auto">
+          <a:xfrm>
+            <a:off x="4788024" y="2132856"/>
+            <a:ext cx="4015209" cy="3263503"/>
+          </a:xfrm>
+          <a:prstGeom prst="rect">
+            <a:avLst/>
+          </a:prstGeom>
+          <a:noFill/>
+          <a:extLst>
+            <a:ext uri="{909E8E84-426E-40DD-AFC4-6F175D3DCCD1}">
+              <a14:hiddenFill xmlns:a14="http://schemas.microsoft.com/office/drawing/2010/main">
+                <a:solidFill>
+                  <a:srgbClr val="FFFFFF"/>
+                </a:solidFill>
+              </a14:hiddenFill>
+            </a:ext>
+          </a:extLst>
+        </p:spPr>
+      </p:pic>
+      <p:sp>
+        <p:nvSpPr>
+          <p:cNvPr id="4" name="Slide Number Placeholder 3">
+            <a:extLst>
+              <a:ext uri="{FF2B5EF4-FFF2-40B4-BE49-F238E27FC236}">
+                <a16:creationId xmlns:a16="http://schemas.microsoft.com/office/drawing/2014/main" id="{D6A3119A-E469-41A1-8702-2A1963EE0729}"/>
+              </a:ext>
+            </a:extLst>
+          </p:cNvPr>
+          <p:cNvSpPr>
+            <a:spLocks noGrp="1"/>
+          </p:cNvSpPr>
+          <p:nvPr>
+            <p:ph type="sldNum" sz="quarter" idx="4294967295"/>
+          </p:nvPr>
+        </p:nvSpPr>
+        <p:spPr/>
+        <p:txBody>
+          <a:bodyPr>
+            <a:normAutofit fontScale="25000" lnSpcReduction="20000"/>
+          </a:bodyPr>
+          <a:lstStyle/>
+          <a:p>
+            <a:fld id="{4FAB73BC-B049-4115-A692-8D63A059BFB8}" type="slidenum">
+              <a:rPr lang="en-US" smtClean="0"/>
+              <a:t>7</a:t>
+            </a:fld>
+            <a:endParaRPr lang="en-US" dirty="0"/>
+          </a:p>
+        </p:txBody>
+      </p:sp>
+    </p:spTree>
+    <p:extLst>
+      <p:ext uri="{BB962C8B-B14F-4D97-AF65-F5344CB8AC3E}">
+        <p14:creationId xmlns:p14="http://schemas.microsoft.com/office/powerpoint/2010/main" val="684741186"/>
+      </p:ext>
+    </p:extLst>
+  </p:cSld>
+  <p:clrMapOvr>
+    <a:masterClrMapping/>
+  </p:clrMapOvr>
+</p:sld>
+</file>
+
+<file path=ppt/slides/slide8.xml><?xml version="1.0" encoding="utf-8"?>
+<p:sld xmlns:a="http://schemas.openxmlformats.org/drawingml/2006/main" xmlns:r="http://schemas.openxmlformats.org/officeDocument/2006/relationships" xmlns:p="http://schemas.openxmlformats.org/presentationml/2006/main">
+  <p:cSld>
+    <p:spTree>
+      <p:nvGrpSpPr>
+        <p:cNvPr id="1" name=""/>
+        <p:cNvGrpSpPr/>
+        <p:nvPr/>
+      </p:nvGrpSpPr>
+      <p:grpSpPr>
+        <a:xfrm>
+          <a:off x="0" y="0"/>
+          <a:ext cx="0" cy="0"/>
+          <a:chOff x="0" y="0"/>
+          <a:chExt cx="0" cy="0"/>
+        </a:xfrm>
+      </p:grpSpPr>
+      <p:sp>
+        <p:nvSpPr>
+          <p:cNvPr id="2" name="Title 1">
+            <a:extLst>
+              <a:ext uri="{FF2B5EF4-FFF2-40B4-BE49-F238E27FC236}">
+                <a16:creationId xmlns:a16="http://schemas.microsoft.com/office/drawing/2014/main" id="{F8C3A89D-B04F-4FF7-B864-B3F9BBFBE530}"/>
+              </a:ext>
+            </a:extLst>
+          </p:cNvPr>
+          <p:cNvSpPr>
+            <a:spLocks noGrp="1"/>
+          </p:cNvSpPr>
+          <p:nvPr>
+            <p:ph type="title"/>
+          </p:nvPr>
+        </p:nvSpPr>
+        <p:spPr>
+          <a:xfrm>
+            <a:off x="946404" y="1131570"/>
+            <a:ext cx="7269480" cy="994172"/>
+          </a:xfrm>
+        </p:spPr>
+        <p:txBody>
+          <a:bodyPr/>
+          <a:lstStyle/>
+          <a:p>
+            <a:r>
+              <a:rPr lang="en-US" dirty="0"/>
+              <a:t>Arrays, creation</a:t>
+            </a:r>
+          </a:p>
+        </p:txBody>
+      </p:sp>
+      <p:sp>
+        <p:nvSpPr>
+          <p:cNvPr id="3" name="Content Placeholder 2">
+            <a:extLst>
+              <a:ext uri="{FF2B5EF4-FFF2-40B4-BE49-F238E27FC236}">
+                <a16:creationId xmlns:a16="http://schemas.microsoft.com/office/drawing/2014/main" id="{E06060F4-F2F0-4A93-BA3A-8F21AA583A86}"/>
+              </a:ext>
+            </a:extLst>
+          </p:cNvPr>
+          <p:cNvSpPr>
+            <a:spLocks noGrp="1"/>
+          </p:cNvSpPr>
+          <p:nvPr>
+            <p:ph sz="half" idx="1"/>
+          </p:nvPr>
+        </p:nvSpPr>
+        <p:spPr/>
+        <p:txBody>
+          <a:bodyPr/>
+          <a:lstStyle/>
+          <a:p>
+            <a:r>
+              <a:rPr lang="en-US" dirty="0" err="1"/>
+              <a:t>np.ones</a:t>
+            </a:r>
+            <a:r>
+              <a:rPr lang="en-US" dirty="0"/>
+              <a:t>, </a:t>
+            </a:r>
+            <a:r>
+              <a:rPr lang="en-US" dirty="0" err="1"/>
+              <a:t>np.zeros</a:t>
+            </a:r>
+            <a:endParaRPr lang="en-US" dirty="0"/>
+          </a:p>
+          <a:p>
+            <a:r>
+              <a:rPr lang="en-US" dirty="0" err="1"/>
+              <a:t>np.arange</a:t>
+            </a:r>
+            <a:endParaRPr lang="en-US" dirty="0"/>
+          </a:p>
+          <a:p>
+            <a:r>
+              <a:rPr lang="en-US" b="1" dirty="0" err="1"/>
+              <a:t>np.concatenate</a:t>
+            </a:r>
+            <a:endParaRPr lang="en-US" b="1" dirty="0"/>
+          </a:p>
+          <a:p>
+            <a:r>
+              <a:rPr lang="en-US" dirty="0" err="1"/>
+              <a:t>np.astype</a:t>
+            </a:r>
+            <a:endParaRPr lang="en-US" dirty="0"/>
+          </a:p>
+          <a:p>
+            <a:r>
+              <a:rPr lang="en-US" dirty="0" err="1"/>
+              <a:t>np.zeros_like</a:t>
+            </a:r>
+            <a:r>
+              <a:rPr lang="en-US" dirty="0"/>
+              <a:t>, </a:t>
+            </a:r>
+            <a:r>
+              <a:rPr lang="en-US" dirty="0" err="1"/>
+              <a:t>np.ones_like</a:t>
+            </a:r>
+            <a:endParaRPr lang="en-US" dirty="0"/>
+          </a:p>
+          <a:p>
+            <a:r>
+              <a:rPr lang="en-US" dirty="0" err="1"/>
+              <a:t>np.random.random</a:t>
+            </a:r>
+            <a:endParaRPr lang="en-US" dirty="0"/>
+          </a:p>
+        </p:txBody>
+      </p:sp>
+      <p:sp>
+        <p:nvSpPr>
+          <p:cNvPr id="4" name="Slide Number Placeholder 3">
+            <a:extLst>
+              <a:ext uri="{FF2B5EF4-FFF2-40B4-BE49-F238E27FC236}">
+                <a16:creationId xmlns:a16="http://schemas.microsoft.com/office/drawing/2014/main" id="{D6A3119A-E469-41A1-8702-2A1963EE0729}"/>
+              </a:ext>
+            </a:extLst>
+          </p:cNvPr>
+          <p:cNvSpPr>
+            <a:spLocks noGrp="1"/>
+          </p:cNvSpPr>
+          <p:nvPr>
+            <p:ph type="sldNum" sz="quarter" idx="4294967295"/>
+          </p:nvPr>
+        </p:nvSpPr>
+        <p:spPr/>
+        <p:txBody>
+          <a:bodyPr>
+            <a:normAutofit fontScale="25000" lnSpcReduction="20000"/>
+          </a:bodyPr>
+          <a:lstStyle/>
+          <a:p>
+            <a:fld id="{4FAB73BC-B049-4115-A692-8D63A059BFB8}" type="slidenum">
+              <a:rPr lang="en-US" smtClean="0"/>
+              <a:t>8</a:t>
+            </a:fld>
+            <a:endParaRPr lang="en-US" dirty="0"/>
+          </a:p>
+        </p:txBody>
+      </p:sp>
+      <p:sp>
+        <p:nvSpPr>
+          <p:cNvPr id="6" name="Content Placeholder 5">
+            <a:extLst>
+              <a:ext uri="{FF2B5EF4-FFF2-40B4-BE49-F238E27FC236}">
+                <a16:creationId xmlns:a16="http://schemas.microsoft.com/office/drawing/2014/main" id="{2AB091C9-0DFE-46FD-A91B-91E846760D0E}"/>
+              </a:ext>
+            </a:extLst>
+          </p:cNvPr>
+          <p:cNvSpPr>
+            <a:spLocks noGrp="1"/>
+          </p:cNvSpPr>
+          <p:nvPr>
+            <p:ph sz="half" idx="2"/>
+          </p:nvPr>
+        </p:nvSpPr>
+        <p:spPr/>
+        <p:txBody>
+          <a:bodyPr/>
+          <a:lstStyle/>
+          <a:p>
+            <a:endParaRPr lang="en-US" dirty="0"/>
+          </a:p>
+        </p:txBody>
+      </p:sp>
+      <p:pic>
+        <p:nvPicPr>
+          <p:cNvPr id="1028" name="Picture 4" descr="https://i.gyazo.com/9b34cbafccfb8d9f78bdc66e8a0b283c.png">
+            <a:extLst>
+              <a:ext uri="{FF2B5EF4-FFF2-40B4-BE49-F238E27FC236}">
+                <a16:creationId xmlns:a16="http://schemas.microsoft.com/office/drawing/2014/main" id="{F8464E02-05B7-4134-8D2A-B820C34B1200}"/>
+              </a:ext>
+            </a:extLst>
+          </p:cNvPr>
+          <p:cNvPicPr>
+            <a:picLocks noChangeAspect="1" noChangeArrowheads="1"/>
+          </p:cNvPicPr>
+          <p:nvPr/>
+        </p:nvPicPr>
+        <p:blipFill>
+          <a:blip r:embed="rId2">
+            <a:extLst>
+              <a:ext uri="{28A0092B-C50C-407E-A947-70E740481C1C}">
+                <a14:useLocalDpi xmlns:a14="http://schemas.microsoft.com/office/drawing/2010/main" val="0"/>
+              </a:ext>
+            </a:extLst>
+          </a:blip>
+          <a:srcRect/>
+          <a:stretch>
+            <a:fillRect/>
+          </a:stretch>
+        </p:blipFill>
+        <p:spPr bwMode="auto">
+          <a:xfrm>
+            <a:off x="4716016" y="2492896"/>
+            <a:ext cx="4286250" cy="1857375"/>
+          </a:xfrm>
+          <a:prstGeom prst="rect">
+            <a:avLst/>
+          </a:prstGeom>
+          <a:noFill/>
+          <a:extLst>
+            <a:ext uri="{909E8E84-426E-40DD-AFC4-6F175D3DCCD1}">
+              <a14:hiddenFill xmlns:a14="http://schemas.microsoft.com/office/drawing/2010/main">
+                <a:solidFill>
+                  <a:srgbClr val="FFFFFF"/>
+                </a:solidFill>
+              </a14:hiddenFill>
+            </a:ext>
+          </a:extLst>
+        </p:spPr>
+      </p:pic>
+    </p:spTree>
+    <p:extLst>
+      <p:ext uri="{BB962C8B-B14F-4D97-AF65-F5344CB8AC3E}">
+        <p14:creationId xmlns:p14="http://schemas.microsoft.com/office/powerpoint/2010/main" val="672012865"/>
+      </p:ext>
+    </p:extLst>
+  </p:cSld>
+  <p:clrMapOvr>
+    <a:masterClrMapping/>
+  </p:clrMapOvr>
+</p:sld>
+</file>
+
+<file path=ppt/slides/slide9.xml><?xml version="1.0" encoding="utf-8"?>
+<p:sld xmlns:a="http://schemas.openxmlformats.org/drawingml/2006/main" xmlns:r="http://schemas.openxmlformats.org/officeDocument/2006/relationships" xmlns:p="http://schemas.openxmlformats.org/presentationml/2006/main">
+  <p:cSld>
+    <p:spTree>
+      <p:nvGrpSpPr>
+        <p:cNvPr id="1" name=""/>
+        <p:cNvGrpSpPr/>
+        <p:nvPr/>
+      </p:nvGrpSpPr>
+      <p:grpSpPr>
+        <a:xfrm>
+          <a:off x="0" y="0"/>
+          <a:ext cx="0" cy="0"/>
+          <a:chOff x="0" y="0"/>
+          <a:chExt cx="0" cy="0"/>
+        </a:xfrm>
+      </p:grpSpPr>
+      <p:sp>
+        <p:nvSpPr>
+          <p:cNvPr id="2" name="Title 1">
+            <a:extLst>
+              <a:ext uri="{FF2B5EF4-FFF2-40B4-BE49-F238E27FC236}">
+                <a16:creationId xmlns:a16="http://schemas.microsoft.com/office/drawing/2014/main" id="{F8C3A89D-B04F-4FF7-B864-B3F9BBFBE530}"/>
+              </a:ext>
+            </a:extLst>
+          </p:cNvPr>
+          <p:cNvSpPr>
+            <a:spLocks noGrp="1"/>
+          </p:cNvSpPr>
+          <p:nvPr>
+            <p:ph type="title"/>
+          </p:nvPr>
+        </p:nvSpPr>
+        <p:spPr/>
+        <p:txBody>
+          <a:bodyPr/>
+          <a:lstStyle/>
+          <a:p>
+            <a:r>
+              <a:rPr lang="en-US" dirty="0"/>
+              <a:t>Arrays, creation</a:t>
+            </a:r>
+          </a:p>
+        </p:txBody>
+      </p:sp>
+      <p:sp>
+        <p:nvSpPr>
+          <p:cNvPr id="3" name="Content Placeholder 2">
+            <a:extLst>
+              <a:ext uri="{FF2B5EF4-FFF2-40B4-BE49-F238E27FC236}">
+                <a16:creationId xmlns:a16="http://schemas.microsoft.com/office/drawing/2014/main" id="{E06060F4-F2F0-4A93-BA3A-8F21AA583A86}"/>
+              </a:ext>
+            </a:extLst>
+          </p:cNvPr>
+          <p:cNvSpPr>
+            <a:spLocks noGrp="1"/>
+          </p:cNvSpPr>
+          <p:nvPr>
+            <p:ph sz="half" idx="1"/>
+          </p:nvPr>
+        </p:nvSpPr>
+        <p:spPr/>
+        <p:txBody>
+          <a:bodyPr/>
+          <a:lstStyle/>
+          <a:p>
+            <a:r>
+              <a:rPr lang="en-US" dirty="0" err="1"/>
+              <a:t>np.ones</a:t>
+            </a:r>
+            <a:r>
+              <a:rPr lang="en-US" dirty="0"/>
+              <a:t>, </a:t>
+            </a:r>
+            <a:r>
+              <a:rPr lang="en-US" dirty="0" err="1"/>
+              <a:t>np.zeros</a:t>
+            </a:r>
+            <a:endParaRPr lang="en-US" dirty="0"/>
+          </a:p>
+          <a:p>
+            <a:r>
+              <a:rPr lang="en-US" dirty="0" err="1"/>
+              <a:t>np.arange</a:t>
+            </a:r>
+            <a:endParaRPr lang="en-US" dirty="0"/>
+          </a:p>
+          <a:p>
+            <a:r>
+              <a:rPr lang="en-US" dirty="0" err="1"/>
+              <a:t>np.concatenate</a:t>
+            </a:r>
+            <a:endParaRPr lang="en-US" dirty="0"/>
+          </a:p>
+          <a:p>
+            <a:r>
+              <a:rPr lang="en-US" b="1" dirty="0" err="1"/>
+              <a:t>np.astype</a:t>
+            </a:r>
+            <a:endParaRPr lang="en-US" b="1" dirty="0"/>
+          </a:p>
+          <a:p>
+            <a:r>
+              <a:rPr lang="en-US" dirty="0" err="1"/>
+              <a:t>np.zeros_like</a:t>
+            </a:r>
+            <a:r>
+              <a:rPr lang="en-US" dirty="0"/>
+              <a:t>, </a:t>
+            </a:r>
+            <a:r>
+              <a:rPr lang="en-US" dirty="0" err="1"/>
+              <a:t>np.ones_like</a:t>
+            </a:r>
+            <a:endParaRPr lang="en-US" dirty="0"/>
+          </a:p>
+          <a:p>
+            <a:r>
+              <a:rPr lang="en-US" dirty="0" err="1"/>
+              <a:t>np.random.random</a:t>
+            </a:r>
+            <a:endParaRPr lang="en-US" dirty="0"/>
+          </a:p>
+        </p:txBody>
+      </p:sp>
+      <p:sp>
+        <p:nvSpPr>
+          <p:cNvPr id="4" name="Slide Number Placeholder 3">
+            <a:extLst>
+              <a:ext uri="{FF2B5EF4-FFF2-40B4-BE49-F238E27FC236}">
+                <a16:creationId xmlns:a16="http://schemas.microsoft.com/office/drawing/2014/main" id="{757AC6CB-0FAC-4ADE-B712-3462E3A60CA6}"/>
+              </a:ext>
+            </a:extLst>
+          </p:cNvPr>
+          <p:cNvSpPr>
+            <a:spLocks noGrp="1"/>
+          </p:cNvSpPr>
+          <p:nvPr>
+            <p:ph type="sldNum" sz="quarter" idx="4294967295"/>
+          </p:nvPr>
+        </p:nvSpPr>
+        <p:spPr/>
+        <p:txBody>
+          <a:bodyPr>
+            <a:normAutofit fontScale="25000" lnSpcReduction="20000"/>
+          </a:bodyPr>
+          <a:lstStyle/>
+          <a:p>
+            <a:fld id="{4FAB73BC-B049-4115-A692-8D63A059BFB8}" type="slidenum">
+              <a:rPr lang="en-US" smtClean="0"/>
+              <a:t>9</a:t>
+            </a:fld>
+            <a:endParaRPr lang="en-US" dirty="0"/>
+          </a:p>
+        </p:txBody>
+      </p:sp>
+      <p:pic>
+        <p:nvPicPr>
+          <p:cNvPr id="2050" name="Picture 2" descr="https://i.gyazo.com/6527c907bff1be4a73405f09257b094b.png">
+            <a:extLst>
+              <a:ext uri="{FF2B5EF4-FFF2-40B4-BE49-F238E27FC236}">
+                <a16:creationId xmlns:a16="http://schemas.microsoft.com/office/drawing/2014/main" id="{BA877FBE-9E6A-4052-86D7-C87E7A20FA6B}"/>
+              </a:ext>
+            </a:extLst>
+          </p:cNvPr>
+          <p:cNvPicPr>
+            <a:picLocks noChangeAspect="1" noChangeArrowheads="1"/>
+          </p:cNvPicPr>
+          <p:nvPr/>
+        </p:nvPicPr>
+        <p:blipFill>
+          <a:blip r:embed="rId2">
+            <a:extLst>
+              <a:ext uri="{28A0092B-C50C-407E-A947-70E740481C1C}">
+                <a14:useLocalDpi xmlns:a14="http://schemas.microsoft.com/office/drawing/2010/main" val="0"/>
+              </a:ext>
+            </a:extLst>
+          </a:blip>
+          <a:srcRect/>
+          <a:stretch>
+            <a:fillRect/>
+          </a:stretch>
+        </p:blipFill>
+        <p:spPr bwMode="auto">
+          <a:xfrm>
+            <a:off x="4427984" y="2492896"/>
+            <a:ext cx="4886252" cy="2417881"/>
+          </a:xfrm>
+          <a:prstGeom prst="rect">
+            <a:avLst/>
+          </a:prstGeom>
+          <a:noFill/>
+          <a:extLst>
+            <a:ext uri="{909E8E84-426E-40DD-AFC4-6F175D3DCCD1}">
+              <a14:hiddenFill xmlns:a14="http://schemas.microsoft.com/office/drawing/2010/main">
+                <a:solidFill>
+                  <a:srgbClr val="FFFFFF"/>
+                </a:solidFill>
+              </a14:hiddenFill>
+            </a:ext>
+          </a:extLst>
+        </p:spPr>
+      </p:pic>
+    </p:spTree>
+    <p:extLst>
+      <p:ext uri="{BB962C8B-B14F-4D97-AF65-F5344CB8AC3E}">
+        <p14:creationId xmlns:p14="http://schemas.microsoft.com/office/powerpoint/2010/main" val="3466741312"/>
       </p:ext>
     </p:extLst>
   </p:cSld>

--- a/ppt/PythonMath06-Numpy.pptx
+++ b/ppt/PythonMath06-Numpy.pptx
@@ -4037,6 +4037,13 @@
   <p:clrMapOvr>
     <a:masterClrMapping/>
   </p:clrMapOvr>
+  <p:timing>
+    <p:tnLst>
+      <p:par>
+        <p:cTn id="1" dur="indefinite" restart="never" nodeType="tmRoot"/>
+      </p:par>
+    </p:tnLst>
+  </p:timing>
 </p:sld>
 </file>
 
@@ -4373,6 +4380,13 @@
   <p:clrMapOvr>
     <a:masterClrMapping/>
   </p:clrMapOvr>
+  <p:timing>
+    <p:tnLst>
+      <p:par>
+        <p:cTn id="1" dur="indefinite" restart="never" nodeType="tmRoot"/>
+      </p:par>
+    </p:tnLst>
+  </p:timing>
 </p:sld>
 </file>
 
@@ -4675,6 +4689,13 @@
   <p:clrMapOvr>
     <a:masterClrMapping/>
   </p:clrMapOvr>
+  <p:timing>
+    <p:tnLst>
+      <p:par>
+        <p:cTn id="1" dur="indefinite" restart="never" nodeType="tmRoot"/>
+      </p:par>
+    </p:tnLst>
+  </p:timing>
 </p:sld>
 </file>
 
@@ -4870,6 +4891,13 @@
   <p:clrMapOvr>
     <a:masterClrMapping/>
   </p:clrMapOvr>
+  <p:timing>
+    <p:tnLst>
+      <p:par>
+        <p:cTn id="1" dur="indefinite" restart="never" nodeType="tmRoot"/>
+      </p:par>
+    </p:tnLst>
+  </p:timing>
 </p:sld>
 </file>
 
@@ -5112,6 +5140,13 @@
   <p:clrMapOvr>
     <a:masterClrMapping/>
   </p:clrMapOvr>
+  <p:timing>
+    <p:tnLst>
+      <p:par>
+        <p:cTn id="1" dur="indefinite" restart="never" nodeType="tmRoot"/>
+      </p:par>
+    </p:tnLst>
+  </p:timing>
 </p:sld>
 </file>
 
@@ -5249,6 +5284,13 @@
   <p:clrMapOvr>
     <a:masterClrMapping/>
   </p:clrMapOvr>
+  <p:timing>
+    <p:tnLst>
+      <p:par>
+        <p:cTn id="1" dur="indefinite" restart="never" nodeType="tmRoot"/>
+      </p:par>
+    </p:tnLst>
+  </p:timing>
 </p:sld>
 </file>
 
@@ -5410,6 +5452,13 @@
   <p:clrMapOvr>
     <a:masterClrMapping/>
   </p:clrMapOvr>
+  <p:timing>
+    <p:tnLst>
+      <p:par>
+        <p:cTn id="1" dur="indefinite" restart="never" nodeType="tmRoot"/>
+      </p:par>
+    </p:tnLst>
+  </p:timing>
 </p:sld>
 </file>
 
@@ -5651,21 +5700,18 @@
           </a:p>
           <a:p>
             <a:r>
+              <a:rPr lang="fr-FR" dirty="0" smtClean="0"/>
+              <a:t>X[</a:t>
+            </a:r>
+            <a:r>
               <a:rPr lang="fr-FR" dirty="0" err="1" smtClean="0"/>
-              <a:t>x.where</a:t>
+              <a:t>booleans</a:t>
             </a:r>
             <a:r>
               <a:rPr lang="fr-FR" dirty="0" smtClean="0"/>
-              <a:t>(</a:t>
-            </a:r>
-            <a:r>
-              <a:rPr lang="fr-FR" dirty="0" err="1" smtClean="0"/>
-              <a:t>boolean</a:t>
-            </a:r>
-            <a:r>
-              <a:rPr lang="fr-FR" dirty="0" smtClean="0"/>
-              <a:t>)</a:t>
-            </a:r>
+              <a:t>]</a:t>
+            </a:r>
+            <a:endParaRPr lang="fr-FR" dirty="0" smtClean="0"/>
           </a:p>
           <a:p>
             <a:pPr lvl="1"/>
@@ -5677,16 +5723,16 @@
           <a:p>
             <a:pPr lvl="1"/>
             <a:r>
-              <a:rPr lang="fr-FR" dirty="0" err="1"/>
-              <a:t>x</a:t>
-            </a:r>
-            <a:r>
-              <a:rPr lang="fr-FR" dirty="0" err="1" smtClean="0"/>
-              <a:t>.where</a:t>
-            </a:r>
-            <a:r>
               <a:rPr lang="fr-FR" dirty="0" smtClean="0"/>
-              <a:t>(x &gt; 0.5)</a:t>
+              <a:t>X[x </a:t>
+            </a:r>
+            <a:r>
+              <a:rPr lang="fr-FR" dirty="0" smtClean="0"/>
+              <a:t>&gt; </a:t>
+            </a:r>
+            <a:r>
+              <a:rPr lang="fr-FR" dirty="0" smtClean="0"/>
+              <a:t>0.5]</a:t>
             </a:r>
             <a:endParaRPr lang="fr-FR" dirty="0"/>
           </a:p>
@@ -5702,6 +5748,13 @@
   <p:clrMapOvr>
     <a:masterClrMapping/>
   </p:clrMapOvr>
+  <p:timing>
+    <p:tnLst>
+      <p:par>
+        <p:cTn id="1" dur="indefinite" restart="never" nodeType="tmRoot"/>
+      </p:par>
+    </p:tnLst>
+  </p:timing>
 </p:sld>
 </file>
 
@@ -5789,6 +5842,13 @@
   <p:clrMapOvr>
     <a:masterClrMapping/>
   </p:clrMapOvr>
+  <p:timing>
+    <p:tnLst>
+      <p:par>
+        <p:cTn id="1" dur="indefinite" restart="never" nodeType="tmRoot"/>
+      </p:par>
+    </p:tnLst>
+  </p:timing>
 </p:sld>
 </file>
 
@@ -5836,9 +5896,14 @@
           <a:lstStyle/>
           <a:p>
             <a:r>
-              <a:rPr lang="en-US" dirty="0"/>
-              <a:t>Saving and loading arrays</a:t>
-            </a:r>
+              <a:rPr lang="en-US" dirty="0" err="1" smtClean="0"/>
+              <a:t>Sauvegarder</a:t>
+            </a:r>
+            <a:r>
+              <a:rPr lang="en-US" dirty="0" smtClean="0"/>
+              <a:t> des tableaux</a:t>
+            </a:r>
+            <a:endParaRPr lang="en-US" dirty="0"/>
           </a:p>
         </p:txBody>
       </p:sp>
@@ -5897,19 +5962,37 @@
                 <a:latin typeface="Courier New" panose="02070309020205020404" pitchFamily="49" charset="0"/>
                 <a:cs typeface="Courier New" panose="02070309020205020404" pitchFamily="49" charset="0"/>
               </a:rPr>
-              <a:t>’, a=a)</a:t>
-            </a:r>
+              <a:t>’, </a:t>
+            </a:r>
+            <a:r>
+              <a:rPr lang="en-US" dirty="0" smtClean="0">
+                <a:latin typeface="Courier New" panose="02070309020205020404" pitchFamily="49" charset="0"/>
+                <a:cs typeface="Courier New" panose="02070309020205020404" pitchFamily="49" charset="0"/>
+              </a:rPr>
+              <a:t>v1)</a:t>
+            </a:r>
+            <a:endParaRPr lang="en-US" dirty="0">
+              <a:latin typeface="Courier New" panose="02070309020205020404" pitchFamily="49" charset="0"/>
+              <a:cs typeface="Courier New" panose="02070309020205020404" pitchFamily="49" charset="0"/>
+            </a:endParaRPr>
           </a:p>
           <a:p>
             <a:pPr marL="0" indent="0">
               <a:buNone/>
             </a:pPr>
+            <a:r>
+              <a:rPr lang="en-US" dirty="0" smtClean="0">
+                <a:latin typeface="Courier New" panose="02070309020205020404" pitchFamily="49" charset="0"/>
+                <a:cs typeface="Courier New" panose="02070309020205020404" pitchFamily="49" charset="0"/>
+              </a:rPr>
+              <a:t>v1 </a:t>
+            </a:r>
             <a:r>
               <a:rPr lang="en-US" dirty="0">
                 <a:latin typeface="Courier New" panose="02070309020205020404" pitchFamily="49" charset="0"/>
                 <a:cs typeface="Courier New" panose="02070309020205020404" pitchFamily="49" charset="0"/>
               </a:rPr>
-              <a:t>data = </a:t>
+              <a:t>= </a:t>
             </a:r>
             <a:r>
               <a:rPr lang="en-US" dirty="0" err="1">
@@ -5944,32 +6027,6 @@
             <a:pPr marL="0" indent="0">
               <a:buNone/>
             </a:pPr>
-            <a:r>
-              <a:rPr lang="en-US" dirty="0">
-                <a:latin typeface="Courier New" panose="02070309020205020404" pitchFamily="49" charset="0"/>
-                <a:cs typeface="Courier New" panose="02070309020205020404" pitchFamily="49" charset="0"/>
-              </a:rPr>
-              <a:t>a = data[‘a’]</a:t>
-            </a:r>
-          </a:p>
-          <a:p>
-            <a:pPr marL="0" indent="0">
-              <a:buNone/>
-            </a:pPr>
-            <a:endParaRPr lang="en-US" dirty="0"/>
-          </a:p>
-          <a:p>
-            <a:pPr marL="0" indent="0">
-              <a:buNone/>
-            </a:pPr>
-            <a:r>
-              <a:rPr lang="en-US" dirty="0"/>
-              <a:t>NPZ files can hold multiple </a:t>
-            </a:r>
-            <a:r>
-              <a:rPr lang="en-US" dirty="0" smtClean="0"/>
-              <a:t>arrays</a:t>
-            </a:r>
             <a:endParaRPr lang="en-US" dirty="0"/>
           </a:p>
         </p:txBody>
@@ -6015,6 +6072,13 @@
   <p:clrMapOvr>
     <a:masterClrMapping/>
   </p:clrMapOvr>
+  <p:timing>
+    <p:tnLst>
+      <p:par>
+        <p:cTn id="1" dur="indefinite" restart="never" nodeType="tmRoot"/>
+      </p:par>
+    </p:tnLst>
+  </p:timing>
 </p:sld>
 </file>
 
@@ -6085,10 +6149,6 @@
             <a:r>
               <a:rPr lang="en-US" dirty="0" err="1" smtClean="0"/>
               <a:t>linéaire</a:t>
-            </a:r>
-            <a:r>
-              <a:rPr lang="en-US" dirty="0" smtClean="0"/>
-              <a:t> :</a:t>
             </a:r>
             <a:endParaRPr lang="en-US" dirty="0"/>
           </a:p>
@@ -6242,9 +6302,18 @@
               <a:buNone/>
             </a:pPr>
             <a:r>
-              <a:rPr lang="en-US" sz="1800" dirty="0"/>
-              <a:t>Structured lists of numbers.</a:t>
-            </a:r>
+              <a:rPr lang="en-US" sz="1800" dirty="0" err="1" smtClean="0"/>
+              <a:t>Liste</a:t>
+            </a:r>
+            <a:r>
+              <a:rPr lang="en-US" sz="1800" dirty="0" smtClean="0"/>
+              <a:t> de </a:t>
+            </a:r>
+            <a:r>
+              <a:rPr lang="en-US" sz="1800" dirty="0" err="1" smtClean="0"/>
+              <a:t>nombres</a:t>
+            </a:r>
+            <a:endParaRPr lang="en-US" sz="1800" dirty="0"/>
           </a:p>
           <a:p>
             <a:r>
@@ -6749,6 +6818,13 @@
   <p:clrMapOvr>
     <a:masterClrMapping/>
   </p:clrMapOvr>
+  <p:timing>
+    <p:tnLst>
+      <p:par>
+        <p:cTn id="1" dur="indefinite" restart="never" nodeType="tmRoot"/>
+      </p:par>
+    </p:tnLst>
+  </p:timing>
 </p:sld>
 </file>
 
@@ -7249,6 +7325,13 @@
   <p:clrMapOvr>
     <a:masterClrMapping/>
   </p:clrMapOvr>
+  <p:timing>
+    <p:tnLst>
+      <p:par>
+        <p:cTn id="1" dur="indefinite" restart="never" nodeType="tmRoot"/>
+      </p:par>
+    </p:tnLst>
+  </p:timing>
 </p:sld>
 </file>
 
@@ -7467,6 +7550,13 @@
   <p:clrMapOvr>
     <a:masterClrMapping/>
   </p:clrMapOvr>
+  <p:timing>
+    <p:tnLst>
+      <p:par>
+        <p:cTn id="1" dur="indefinite" restart="never" nodeType="tmRoot"/>
+      </p:par>
+    </p:tnLst>
+  </p:timing>
 </p:sld>
 </file>
 
@@ -7713,6 +7803,13 @@
   <p:clrMapOvr>
     <a:masterClrMapping/>
   </p:clrMapOvr>
+  <p:timing>
+    <p:tnLst>
+      <p:par>
+        <p:cTn id="1" dur="indefinite" restart="never" nodeType="tmRoot"/>
+      </p:par>
+    </p:tnLst>
+  </p:timing>
 </p:sld>
 </file>
 
@@ -7929,6 +8026,13 @@
   <p:clrMapOvr>
     <a:masterClrMapping/>
   </p:clrMapOvr>
+  <p:timing>
+    <p:tnLst>
+      <p:par>
+        <p:cTn id="1" dur="indefinite" restart="never" nodeType="tmRoot"/>
+      </p:par>
+    </p:tnLst>
+  </p:timing>
 </p:sld>
 </file>
 

--- a/ppt/PythonMath06-Numpy.pptx
+++ b/ppt/PythonMath06-Numpy.pptx
@@ -5711,7 +5711,6 @@
               <a:rPr lang="fr-FR" dirty="0" smtClean="0"/>
               <a:t>]</a:t>
             </a:r>
-            <a:endParaRPr lang="fr-FR" dirty="0" smtClean="0"/>
           </a:p>
           <a:p>
             <a:pPr lvl="1"/>
@@ -5724,15 +5723,7 @@
             <a:pPr lvl="1"/>
             <a:r>
               <a:rPr lang="fr-FR" dirty="0" smtClean="0"/>
-              <a:t>X[x </a:t>
-            </a:r>
-            <a:r>
-              <a:rPr lang="fr-FR" dirty="0" smtClean="0"/>
-              <a:t>&gt; </a:t>
-            </a:r>
-            <a:r>
-              <a:rPr lang="fr-FR" dirty="0" smtClean="0"/>
-              <a:t>0.5]</a:t>
+              <a:t>X[x &gt; 0.5]</a:t>
             </a:r>
             <a:endParaRPr lang="fr-FR" dirty="0"/>
           </a:p>
@@ -5969,7 +5960,14 @@
                 <a:latin typeface="Courier New" panose="02070309020205020404" pitchFamily="49" charset="0"/>
                 <a:cs typeface="Courier New" panose="02070309020205020404" pitchFamily="49" charset="0"/>
               </a:rPr>
-              <a:t>v1)</a:t>
+              <a:t>v1 = v1</a:t>
+            </a:r>
+            <a:r>
+              <a:rPr lang="en-US" dirty="0" smtClean="0">
+                <a:latin typeface="Courier New" panose="02070309020205020404" pitchFamily="49" charset="0"/>
+                <a:cs typeface="Courier New" panose="02070309020205020404" pitchFamily="49" charset="0"/>
+              </a:rPr>
+              <a:t>)</a:t>
             </a:r>
             <a:endParaRPr lang="en-US" dirty="0">
               <a:latin typeface="Courier New" panose="02070309020205020404" pitchFamily="49" charset="0"/>
@@ -5985,7 +5983,14 @@
                 <a:latin typeface="Courier New" panose="02070309020205020404" pitchFamily="49" charset="0"/>
                 <a:cs typeface="Courier New" panose="02070309020205020404" pitchFamily="49" charset="0"/>
               </a:rPr>
-              <a:t>v1 </a:t>
+              <a:t>data</a:t>
+            </a:r>
+            <a:r>
+              <a:rPr lang="en-US" dirty="0" smtClean="0">
+                <a:latin typeface="Courier New" panose="02070309020205020404" pitchFamily="49" charset="0"/>
+                <a:cs typeface="Courier New" panose="02070309020205020404" pitchFamily="49" charset="0"/>
+              </a:rPr>
+              <a:t> </a:t>
             </a:r>
             <a:r>
               <a:rPr lang="en-US" dirty="0">
@@ -6016,12 +6021,35 @@
               <a:t>data.npz</a:t>
             </a:r>
             <a:r>
+              <a:rPr lang="en-US" dirty="0" smtClean="0">
+                <a:latin typeface="Courier New" panose="02070309020205020404" pitchFamily="49" charset="0"/>
+                <a:cs typeface="Courier New" panose="02070309020205020404" pitchFamily="49" charset="0"/>
+              </a:rPr>
+              <a:t>’)</a:t>
+            </a:r>
+          </a:p>
+          <a:p>
+            <a:pPr marL="0" indent="0">
+              <a:buNone/>
+            </a:pPr>
+            <a:r>
               <a:rPr lang="en-US" dirty="0">
                 <a:latin typeface="Courier New" panose="02070309020205020404" pitchFamily="49" charset="0"/>
                 <a:cs typeface="Courier New" panose="02070309020205020404" pitchFamily="49" charset="0"/>
               </a:rPr>
-              <a:t>’)</a:t>
-            </a:r>
+              <a:t>v</a:t>
+            </a:r>
+            <a:r>
+              <a:rPr lang="en-US" dirty="0" smtClean="0">
+                <a:latin typeface="Courier New" panose="02070309020205020404" pitchFamily="49" charset="0"/>
+                <a:cs typeface="Courier New" panose="02070309020205020404" pitchFamily="49" charset="0"/>
+              </a:rPr>
+              <a:t>1 = data[‘v1’]</a:t>
+            </a:r>
+            <a:endParaRPr lang="en-US" dirty="0">
+              <a:latin typeface="Courier New" panose="02070309020205020404" pitchFamily="49" charset="0"/>
+              <a:cs typeface="Courier New" panose="02070309020205020404" pitchFamily="49" charset="0"/>
+            </a:endParaRPr>
           </a:p>
           <a:p>
             <a:pPr marL="0" indent="0">

--- a/ppt/PythonMath06-Numpy.pptx
+++ b/ppt/PythonMath06-Numpy.pptx
@@ -625,35 +625,35 @@
           <a:p>
             <a:pPr lvl="0"/>
             <a:r>
-              <a:rPr lang="fr-FR" noProof="0" smtClean="0"/>
+              <a:rPr lang="fr-FR" noProof="0"/>
               <a:t>Cliquez pour modifier les styles du texte du masque</a:t>
             </a:r>
           </a:p>
           <a:p>
             <a:pPr lvl="1"/>
             <a:r>
-              <a:rPr lang="fr-FR" noProof="0" smtClean="0"/>
+              <a:rPr lang="fr-FR" noProof="0"/>
               <a:t>Deuxième niveau</a:t>
             </a:r>
           </a:p>
           <a:p>
             <a:pPr lvl="2"/>
             <a:r>
-              <a:rPr lang="fr-FR" noProof="0" smtClean="0"/>
+              <a:rPr lang="fr-FR" noProof="0"/>
               <a:t>Troisième niveau</a:t>
             </a:r>
           </a:p>
           <a:p>
             <a:pPr lvl="3"/>
             <a:r>
-              <a:rPr lang="fr-FR" noProof="0" smtClean="0"/>
+              <a:rPr lang="fr-FR" noProof="0"/>
               <a:t>Quatrième niveau</a:t>
             </a:r>
           </a:p>
           <a:p>
             <a:pPr lvl="4"/>
             <a:r>
-              <a:rPr lang="fr-FR" noProof="0" smtClean="0"/>
+              <a:rPr lang="fr-FR" noProof="0"/>
               <a:t>Cinquième niveau</a:t>
             </a:r>
           </a:p>
@@ -941,10 +941,9 @@
           <a:lstStyle/>
           <a:p>
             <a:r>
-              <a:rPr lang="fr-FR" smtClean="0"/>
+              <a:rPr lang="fr-FR"/>
               <a:t>Cliquez pour modifier le style du titre</a:t>
             </a:r>
-            <a:endParaRPr lang="fr-FR"/>
           </a:p>
         </p:txBody>
       </p:sp>
@@ -1006,10 +1005,9 @@
           </a:lstStyle>
           <a:p>
             <a:r>
-              <a:rPr lang="fr-FR" smtClean="0"/>
+              <a:rPr lang="fr-FR"/>
               <a:t>Cliquez pour modifier le style des sous-titres du masque</a:t>
             </a:r>
-            <a:endParaRPr lang="fr-FR"/>
           </a:p>
         </p:txBody>
       </p:sp>
@@ -1064,10 +1062,9 @@
           <a:lstStyle/>
           <a:p>
             <a:r>
-              <a:rPr lang="fr-FR" smtClean="0"/>
+              <a:rPr lang="fr-FR"/>
               <a:t>Cliquez pour modifier le style du titre</a:t>
             </a:r>
-            <a:endParaRPr lang="fr-FR"/>
           </a:p>
         </p:txBody>
       </p:sp>
@@ -1093,38 +1090,37 @@
           <a:p>
             <a:pPr lvl="0"/>
             <a:r>
-              <a:rPr lang="fr-FR" smtClean="0"/>
+              <a:rPr lang="fr-FR"/>
               <a:t>Cliquez pour modifier les styles du texte du masque</a:t>
             </a:r>
           </a:p>
           <a:p>
             <a:pPr lvl="1"/>
             <a:r>
-              <a:rPr lang="fr-FR" smtClean="0"/>
+              <a:rPr lang="fr-FR"/>
               <a:t>Deuxième niveau</a:t>
             </a:r>
           </a:p>
           <a:p>
             <a:pPr lvl="2"/>
             <a:r>
-              <a:rPr lang="fr-FR" smtClean="0"/>
+              <a:rPr lang="fr-FR"/>
               <a:t>Troisième niveau</a:t>
             </a:r>
           </a:p>
           <a:p>
             <a:pPr lvl="3"/>
             <a:r>
-              <a:rPr lang="fr-FR" smtClean="0"/>
+              <a:rPr lang="fr-FR"/>
               <a:t>Quatrième niveau</a:t>
             </a:r>
           </a:p>
           <a:p>
             <a:pPr lvl="4"/>
             <a:r>
-              <a:rPr lang="fr-FR" smtClean="0"/>
+              <a:rPr lang="fr-FR"/>
               <a:t>Cinquième niveau</a:t>
             </a:r>
-            <a:endParaRPr lang="fr-FR"/>
           </a:p>
         </p:txBody>
       </p:sp>
@@ -1183,10 +1179,9 @@
           </a:lstStyle>
           <a:p>
             <a:r>
-              <a:rPr lang="fr-FR" dirty="0" smtClean="0"/>
+              <a:rPr lang="fr-FR" dirty="0"/>
               <a:t>Cliquez pour modifier le style du titre</a:t>
             </a:r>
-            <a:endParaRPr lang="fr-FR" dirty="0"/>
           </a:p>
         </p:txBody>
       </p:sp>
@@ -1212,38 +1207,37 @@
           <a:p>
             <a:pPr lvl="0"/>
             <a:r>
-              <a:rPr lang="fr-FR" dirty="0" smtClean="0"/>
+              <a:rPr lang="fr-FR" dirty="0"/>
               <a:t>Cliquez pour modifier les styles du texte du masque</a:t>
             </a:r>
           </a:p>
           <a:p>
             <a:pPr lvl="1"/>
             <a:r>
-              <a:rPr lang="fr-FR" dirty="0" smtClean="0"/>
+              <a:rPr lang="fr-FR" dirty="0"/>
               <a:t>Deuxième niveau</a:t>
             </a:r>
           </a:p>
           <a:p>
             <a:pPr lvl="2"/>
             <a:r>
-              <a:rPr lang="fr-FR" dirty="0" smtClean="0"/>
+              <a:rPr lang="fr-FR" dirty="0"/>
               <a:t>Troisième niveau</a:t>
             </a:r>
           </a:p>
           <a:p>
             <a:pPr lvl="3"/>
             <a:r>
-              <a:rPr lang="fr-FR" dirty="0" smtClean="0"/>
+              <a:rPr lang="fr-FR" dirty="0"/>
               <a:t>Quatrième niveau</a:t>
             </a:r>
           </a:p>
           <a:p>
             <a:pPr lvl="4"/>
             <a:r>
-              <a:rPr lang="fr-FR" dirty="0" smtClean="0"/>
+              <a:rPr lang="fr-FR" dirty="0"/>
               <a:t>Cinquième niveau</a:t>
             </a:r>
-            <a:endParaRPr lang="fr-FR" dirty="0"/>
           </a:p>
         </p:txBody>
       </p:sp>
@@ -1293,10 +1287,9 @@
           <a:lstStyle/>
           <a:p>
             <a:r>
-              <a:rPr lang="fr-FR" smtClean="0"/>
+              <a:rPr lang="fr-FR"/>
               <a:t>Cliquez pour modifier le style du titre</a:t>
             </a:r>
-            <a:endParaRPr lang="fr-FR"/>
           </a:p>
         </p:txBody>
       </p:sp>
@@ -1350,38 +1343,37 @@
           <a:p>
             <a:pPr lvl="0"/>
             <a:r>
-              <a:rPr lang="fr-FR" smtClean="0"/>
+              <a:rPr lang="fr-FR"/>
               <a:t>Cliquez pour modifier les styles du texte du masque</a:t>
             </a:r>
           </a:p>
           <a:p>
             <a:pPr lvl="1"/>
             <a:r>
-              <a:rPr lang="fr-FR" smtClean="0"/>
+              <a:rPr lang="fr-FR"/>
               <a:t>Deuxième niveau</a:t>
             </a:r>
           </a:p>
           <a:p>
             <a:pPr lvl="2"/>
             <a:r>
-              <a:rPr lang="fr-FR" smtClean="0"/>
+              <a:rPr lang="fr-FR"/>
               <a:t>Troisième niveau</a:t>
             </a:r>
           </a:p>
           <a:p>
             <a:pPr lvl="3"/>
             <a:r>
-              <a:rPr lang="fr-FR" smtClean="0"/>
+              <a:rPr lang="fr-FR"/>
               <a:t>Quatrième niveau</a:t>
             </a:r>
           </a:p>
           <a:p>
             <a:pPr lvl="4"/>
             <a:r>
-              <a:rPr lang="fr-FR" smtClean="0"/>
+              <a:rPr lang="fr-FR"/>
               <a:t>Cinquième niveau</a:t>
             </a:r>
-            <a:endParaRPr lang="fr-FR"/>
           </a:p>
         </p:txBody>
       </p:sp>
@@ -1435,38 +1427,37 @@
           <a:p>
             <a:pPr lvl="0"/>
             <a:r>
-              <a:rPr lang="fr-FR" smtClean="0"/>
+              <a:rPr lang="fr-FR"/>
               <a:t>Cliquez pour modifier les styles du texte du masque</a:t>
             </a:r>
           </a:p>
           <a:p>
             <a:pPr lvl="1"/>
             <a:r>
-              <a:rPr lang="fr-FR" smtClean="0"/>
+              <a:rPr lang="fr-FR"/>
               <a:t>Deuxième niveau</a:t>
             </a:r>
           </a:p>
           <a:p>
             <a:pPr lvl="2"/>
             <a:r>
-              <a:rPr lang="fr-FR" smtClean="0"/>
+              <a:rPr lang="fr-FR"/>
               <a:t>Troisième niveau</a:t>
             </a:r>
           </a:p>
           <a:p>
             <a:pPr lvl="3"/>
             <a:r>
-              <a:rPr lang="fr-FR" smtClean="0"/>
+              <a:rPr lang="fr-FR"/>
               <a:t>Quatrième niveau</a:t>
             </a:r>
           </a:p>
           <a:p>
             <a:pPr lvl="4"/>
             <a:r>
-              <a:rPr lang="fr-FR" smtClean="0"/>
+              <a:rPr lang="fr-FR"/>
               <a:t>Cinquième niveau</a:t>
             </a:r>
-            <a:endParaRPr lang="fr-FR"/>
           </a:p>
         </p:txBody>
       </p:sp>
@@ -1525,10 +1516,9 @@
           </a:lstStyle>
           <a:p>
             <a:r>
-              <a:rPr lang="fr-FR" smtClean="0"/>
+              <a:rPr lang="fr-FR"/>
               <a:t>Cliquez pour modifier le style du titre</a:t>
             </a:r>
-            <a:endParaRPr lang="fr-FR"/>
           </a:p>
         </p:txBody>
       </p:sp>
@@ -1591,7 +1581,7 @@
           <a:p>
             <a:pPr lvl="0"/>
             <a:r>
-              <a:rPr lang="fr-FR" smtClean="0"/>
+              <a:rPr lang="fr-FR"/>
               <a:t>Cliquez pour modifier les styles du texte du masque</a:t>
             </a:r>
           </a:p>
@@ -1647,38 +1637,37 @@
           <a:p>
             <a:pPr lvl="0"/>
             <a:r>
-              <a:rPr lang="fr-FR" smtClean="0"/>
+              <a:rPr lang="fr-FR"/>
               <a:t>Cliquez pour modifier les styles du texte du masque</a:t>
             </a:r>
           </a:p>
           <a:p>
             <a:pPr lvl="1"/>
             <a:r>
-              <a:rPr lang="fr-FR" smtClean="0"/>
+              <a:rPr lang="fr-FR"/>
               <a:t>Deuxième niveau</a:t>
             </a:r>
           </a:p>
           <a:p>
             <a:pPr lvl="2"/>
             <a:r>
-              <a:rPr lang="fr-FR" smtClean="0"/>
+              <a:rPr lang="fr-FR"/>
               <a:t>Troisième niveau</a:t>
             </a:r>
           </a:p>
           <a:p>
             <a:pPr lvl="3"/>
             <a:r>
-              <a:rPr lang="fr-FR" smtClean="0"/>
+              <a:rPr lang="fr-FR"/>
               <a:t>Quatrième niveau</a:t>
             </a:r>
           </a:p>
           <a:p>
             <a:pPr lvl="4"/>
             <a:r>
-              <a:rPr lang="fr-FR" smtClean="0"/>
+              <a:rPr lang="fr-FR"/>
               <a:t>Cinquième niveau</a:t>
             </a:r>
-            <a:endParaRPr lang="fr-FR"/>
           </a:p>
         </p:txBody>
       </p:sp>
@@ -1741,7 +1730,7 @@
           <a:p>
             <a:pPr lvl="0"/>
             <a:r>
-              <a:rPr lang="fr-FR" smtClean="0"/>
+              <a:rPr lang="fr-FR"/>
               <a:t>Cliquez pour modifier les styles du texte du masque</a:t>
             </a:r>
           </a:p>
@@ -1797,38 +1786,37 @@
           <a:p>
             <a:pPr lvl="0"/>
             <a:r>
-              <a:rPr lang="fr-FR" smtClean="0"/>
+              <a:rPr lang="fr-FR"/>
               <a:t>Cliquez pour modifier les styles du texte du masque</a:t>
             </a:r>
           </a:p>
           <a:p>
             <a:pPr lvl="1"/>
             <a:r>
-              <a:rPr lang="fr-FR" smtClean="0"/>
+              <a:rPr lang="fr-FR"/>
               <a:t>Deuxième niveau</a:t>
             </a:r>
           </a:p>
           <a:p>
             <a:pPr lvl="2"/>
             <a:r>
-              <a:rPr lang="fr-FR" smtClean="0"/>
+              <a:rPr lang="fr-FR"/>
               <a:t>Troisième niveau</a:t>
             </a:r>
           </a:p>
           <a:p>
             <a:pPr lvl="3"/>
             <a:r>
-              <a:rPr lang="fr-FR" smtClean="0"/>
+              <a:rPr lang="fr-FR"/>
               <a:t>Quatrième niveau</a:t>
             </a:r>
           </a:p>
           <a:p>
             <a:pPr lvl="4"/>
             <a:r>
-              <a:rPr lang="fr-FR" smtClean="0"/>
+              <a:rPr lang="fr-FR"/>
               <a:t>Cinquième niveau</a:t>
             </a:r>
-            <a:endParaRPr lang="fr-FR"/>
           </a:p>
         </p:txBody>
       </p:sp>
@@ -1878,10 +1866,9 @@
           <a:lstStyle/>
           <a:p>
             <a:r>
-              <a:rPr lang="fr-FR" smtClean="0"/>
+              <a:rPr lang="fr-FR"/>
               <a:t>Cliquez pour modifier le style du titre</a:t>
             </a:r>
-            <a:endParaRPr lang="fr-FR"/>
           </a:p>
         </p:txBody>
       </p:sp>
@@ -1970,10 +1957,9 @@
           </a:lstStyle>
           <a:p>
             <a:r>
-              <a:rPr lang="fr-FR" smtClean="0"/>
+              <a:rPr lang="fr-FR"/>
               <a:t>Cliquez pour modifier le style du titre</a:t>
             </a:r>
-            <a:endParaRPr lang="fr-FR"/>
           </a:p>
         </p:txBody>
       </p:sp>
@@ -2027,38 +2013,37 @@
           <a:p>
             <a:pPr lvl="0"/>
             <a:r>
-              <a:rPr lang="fr-FR" smtClean="0"/>
+              <a:rPr lang="fr-FR"/>
               <a:t>Cliquez pour modifier les styles du texte du masque</a:t>
             </a:r>
           </a:p>
           <a:p>
             <a:pPr lvl="1"/>
             <a:r>
-              <a:rPr lang="fr-FR" smtClean="0"/>
+              <a:rPr lang="fr-FR"/>
               <a:t>Deuxième niveau</a:t>
             </a:r>
           </a:p>
           <a:p>
             <a:pPr lvl="2"/>
             <a:r>
-              <a:rPr lang="fr-FR" smtClean="0"/>
+              <a:rPr lang="fr-FR"/>
               <a:t>Troisième niveau</a:t>
             </a:r>
           </a:p>
           <a:p>
             <a:pPr lvl="3"/>
             <a:r>
-              <a:rPr lang="fr-FR" smtClean="0"/>
+              <a:rPr lang="fr-FR"/>
               <a:t>Quatrième niveau</a:t>
             </a:r>
           </a:p>
           <a:p>
             <a:pPr lvl="4"/>
             <a:r>
-              <a:rPr lang="fr-FR" smtClean="0"/>
+              <a:rPr lang="fr-FR"/>
               <a:t>Cinquième niveau</a:t>
             </a:r>
-            <a:endParaRPr lang="fr-FR"/>
           </a:p>
         </p:txBody>
       </p:sp>
@@ -2121,7 +2106,7 @@
           <a:p>
             <a:pPr lvl="0"/>
             <a:r>
-              <a:rPr lang="fr-FR" smtClean="0"/>
+              <a:rPr lang="fr-FR"/>
               <a:t>Cliquez pour modifier les styles du texte du masque</a:t>
             </a:r>
           </a:p>
@@ -2182,10 +2167,9 @@
           </a:lstStyle>
           <a:p>
             <a:r>
-              <a:rPr lang="fr-FR" smtClean="0"/>
+              <a:rPr lang="fr-FR"/>
               <a:t>Cliquez pour modifier le style du titre</a:t>
             </a:r>
-            <a:endParaRPr lang="fr-FR"/>
           </a:p>
         </p:txBody>
       </p:sp>
@@ -2247,7 +2231,7 @@
           </a:lstStyle>
           <a:p>
             <a:pPr lvl="0"/>
-            <a:endParaRPr lang="fr-FR" noProof="0" smtClean="0"/>
+            <a:endParaRPr lang="fr-FR" noProof="0"/>
           </a:p>
         </p:txBody>
       </p:sp>
@@ -2310,7 +2294,7 @@
           <a:p>
             <a:pPr lvl="0"/>
             <a:r>
-              <a:rPr lang="fr-FR" smtClean="0"/>
+              <a:rPr lang="fr-FR"/>
               <a:t>Cliquez pour modifier les styles du texte du masque</a:t>
             </a:r>
           </a:p>
@@ -2362,10 +2346,9 @@
           <a:lstStyle/>
           <a:p>
             <a:r>
-              <a:rPr lang="fr-FR" smtClean="0"/>
+              <a:rPr lang="fr-FR"/>
               <a:t>Cliquez pour modifier le style du titre</a:t>
             </a:r>
-            <a:endParaRPr lang="fr-FR"/>
           </a:p>
         </p:txBody>
       </p:sp>
@@ -2386,38 +2369,37 @@
           <a:p>
             <a:pPr lvl="0"/>
             <a:r>
-              <a:rPr lang="fr-FR" smtClean="0"/>
+              <a:rPr lang="fr-FR"/>
               <a:t>Cliquez pour modifier les styles du texte du masque</a:t>
             </a:r>
           </a:p>
           <a:p>
             <a:pPr lvl="1"/>
             <a:r>
-              <a:rPr lang="fr-FR" smtClean="0"/>
+              <a:rPr lang="fr-FR"/>
               <a:t>Deuxième niveau</a:t>
             </a:r>
           </a:p>
           <a:p>
             <a:pPr lvl="2"/>
             <a:r>
-              <a:rPr lang="fr-FR" smtClean="0"/>
+              <a:rPr lang="fr-FR"/>
               <a:t>Troisième niveau</a:t>
             </a:r>
           </a:p>
           <a:p>
             <a:pPr lvl="3"/>
             <a:r>
-              <a:rPr lang="fr-FR" smtClean="0"/>
+              <a:rPr lang="fr-FR"/>
               <a:t>Quatrième niveau</a:t>
             </a:r>
           </a:p>
           <a:p>
             <a:pPr lvl="4"/>
             <a:r>
-              <a:rPr lang="fr-FR" smtClean="0"/>
+              <a:rPr lang="fr-FR"/>
               <a:t>Cinquième niveau</a:t>
             </a:r>
-            <a:endParaRPr lang="fr-FR"/>
           </a:p>
         </p:txBody>
       </p:sp>
@@ -2598,7 +2580,7 @@
             <a:pPr eaLnBrk="1" hangingPunct="1">
               <a:defRPr/>
             </a:pPr>
-            <a:endParaRPr lang="fr-FR" altLang="fr-FR" smtClean="0"/>
+            <a:endParaRPr lang="fr-FR" altLang="fr-FR"/>
           </a:p>
         </p:txBody>
       </p:sp>
@@ -2752,7 +2734,7 @@
               <a:defRPr/>
             </a:pPr>
             <a:r>
-              <a:rPr lang="fr-FR" sz="1200" dirty="0" smtClean="0"/>
+              <a:rPr lang="fr-FR" sz="1200" dirty="0"/>
               <a:t>Page </a:t>
             </a:r>
             <a:fld id="{E218E9B1-FD08-4C80-902E-210BA2967D0D}" type="slidenum">
@@ -2765,7 +2747,7 @@
               </a:pPr>
               <a:t>‹N°›</a:t>
             </a:fld>
-            <a:endParaRPr lang="fr-FR" dirty="0" smtClean="0">
+            <a:endParaRPr lang="fr-FR" dirty="0">
               <a:latin typeface="Times New Roman" pitchFamily="18" charset="0"/>
             </a:endParaRPr>
           </a:p>
@@ -2921,10 +2903,10 @@
               <a:defRPr/>
             </a:pPr>
             <a:r>
-              <a:rPr lang="fr-FR" sz="1600" dirty="0" smtClean="0"/>
+              <a:rPr lang="fr-FR" sz="1600" dirty="0"/>
               <a:t>Python</a:t>
             </a:r>
-            <a:endParaRPr lang="fr-FR" dirty="0" smtClean="0">
+            <a:endParaRPr lang="fr-FR" dirty="0">
               <a:latin typeface="Times New Roman" pitchFamily="18" charset="0"/>
             </a:endParaRPr>
           </a:p>
@@ -2982,7 +2964,7 @@
           <a:p>
             <a:pPr lvl="0"/>
             <a:r>
-              <a:rPr lang="fr-FR" altLang="fr-FR" smtClean="0"/>
+              <a:rPr lang="fr-FR" altLang="fr-FR"/>
               <a:t>Cliquez pour modifier le style du titre du masque</a:t>
             </a:r>
           </a:p>
@@ -3040,35 +3022,35 @@
           <a:p>
             <a:pPr lvl="0"/>
             <a:r>
-              <a:rPr lang="fr-FR" altLang="fr-FR" smtClean="0"/>
+              <a:rPr lang="fr-FR" altLang="fr-FR"/>
               <a:t>Cliquez pour modifier les styles du texte du masque</a:t>
             </a:r>
           </a:p>
           <a:p>
             <a:pPr lvl="1"/>
             <a:r>
-              <a:rPr lang="fr-FR" altLang="fr-FR" smtClean="0"/>
+              <a:rPr lang="fr-FR" altLang="fr-FR"/>
               <a:t>Deuxième niveau</a:t>
             </a:r>
           </a:p>
           <a:p>
             <a:pPr lvl="2"/>
             <a:r>
-              <a:rPr lang="fr-FR" altLang="fr-FR" smtClean="0"/>
+              <a:rPr lang="fr-FR" altLang="fr-FR"/>
               <a:t>Troisième niveau</a:t>
             </a:r>
           </a:p>
           <a:p>
             <a:pPr lvl="3"/>
             <a:r>
-              <a:rPr lang="fr-FR" altLang="fr-FR" smtClean="0"/>
+              <a:rPr lang="fr-FR" altLang="fr-FR"/>
               <a:t>Quatrième niveau</a:t>
             </a:r>
           </a:p>
           <a:p>
             <a:pPr lvl="4"/>
             <a:r>
-              <a:rPr lang="fr-FR" altLang="fr-FR" smtClean="0"/>
+              <a:rPr lang="fr-FR" altLang="fr-FR"/>
               <a:t>Cinquième niveau</a:t>
             </a:r>
           </a:p>
@@ -3224,10 +3206,10 @@
               <a:defRPr/>
             </a:pPr>
             <a:r>
-              <a:rPr lang="fr-FR" sz="1200" smtClean="0"/>
+              <a:rPr lang="fr-FR" sz="1200"/>
               <a:t>© Cyril Vincent Conseil</a:t>
             </a:r>
-            <a:endParaRPr lang="fr-FR" smtClean="0">
+            <a:endParaRPr lang="fr-FR">
               <a:latin typeface="Times New Roman" pitchFamily="18" charset="0"/>
             </a:endParaRPr>
           </a:p>
@@ -3709,17 +3691,17 @@
           <a:p>
             <a:pPr eaLnBrk="1" hangingPunct="1"/>
             <a:r>
-              <a:rPr lang="fr-FR" altLang="fr-FR" dirty="0" smtClean="0"/>
+              <a:rPr lang="fr-FR" altLang="fr-FR" dirty="0"/>
               <a:t>Chapitre 6</a:t>
             </a:r>
           </a:p>
           <a:p>
             <a:pPr eaLnBrk="1" hangingPunct="1"/>
             <a:r>
-              <a:rPr lang="fr-FR" altLang="fr-FR" dirty="0" err="1" smtClean="0"/>
+              <a:rPr lang="fr-FR" altLang="fr-FR" dirty="0" err="1"/>
               <a:t>Numpy</a:t>
             </a:r>
-            <a:endParaRPr lang="fr-FR" altLang="fr-FR" dirty="0" smtClean="0"/>
+            <a:endParaRPr lang="fr-FR" altLang="fr-FR" dirty="0"/>
           </a:p>
         </p:txBody>
       </p:sp>
@@ -3789,13 +3771,6 @@
   <p:clrMapOvr>
     <a:masterClrMapping/>
   </p:clrMapOvr>
-  <p:timing>
-    <p:tnLst>
-      <p:par>
-        <p:cTn id="1" dur="indefinite" restart="never" nodeType="tmRoot"/>
-      </p:par>
-    </p:tnLst>
-  </p:timing>
 </p:sld>
 </file>
 
@@ -4037,13 +4012,6 @@
   <p:clrMapOvr>
     <a:masterClrMapping/>
   </p:clrMapOvr>
-  <p:timing>
-    <p:tnLst>
-      <p:par>
-        <p:cTn id="1" dur="indefinite" restart="never" nodeType="tmRoot"/>
-      </p:par>
-    </p:tnLst>
-  </p:timing>
 </p:sld>
 </file>
 
@@ -4080,7 +4048,7 @@
           <a:lstStyle/>
           <a:p>
             <a:r>
-              <a:rPr lang="fr-FR" dirty="0" err="1" smtClean="0"/>
+              <a:rPr lang="fr-FR" dirty="0" err="1"/>
               <a:t>arange</a:t>
             </a:r>
             <a:endParaRPr lang="fr-FR" dirty="0"/>
@@ -4125,12 +4093,8 @@
           </a:p>
           <a:p>
             <a:r>
-              <a:rPr lang="fr-FR" dirty="0" smtClean="0"/>
-              <a:t># </a:t>
-            </a:r>
-            <a:r>
               <a:rPr lang="fr-FR" dirty="0"/>
-              <a:t>Un tableau de 5 valeurs, espacées uniformément entre 0 et 1</a:t>
+              <a:t># Un tableau de 5 valeurs, espacées uniformément entre 0 et 1</a:t>
             </a:r>
           </a:p>
           <a:p>
@@ -4155,13 +4119,6 @@
   <p:clrMapOvr>
     <a:masterClrMapping/>
   </p:clrMapOvr>
-  <p:timing>
-    <p:tnLst>
-      <p:par>
-        <p:cTn id="1" dur="indefinite" restart="never" nodeType="tmRoot"/>
-      </p:par>
-    </p:tnLst>
-  </p:timing>
 </p:sld>
 </file>
 
@@ -4380,13 +4337,6 @@
   <p:clrMapOvr>
     <a:masterClrMapping/>
   </p:clrMapOvr>
-  <p:timing>
-    <p:tnLst>
-      <p:par>
-        <p:cTn id="1" dur="indefinite" restart="never" nodeType="tmRoot"/>
-      </p:par>
-    </p:tnLst>
-  </p:timing>
 </p:sld>
 </file>
 
@@ -4423,7 +4373,7 @@
           <a:lstStyle/>
           <a:p>
             <a:r>
-              <a:rPr lang="fr-FR" dirty="0" err="1" smtClean="0"/>
+              <a:rPr lang="fr-FR" dirty="0" err="1"/>
               <a:t>Random</a:t>
             </a:r>
             <a:endParaRPr lang="fr-FR" dirty="0"/>
@@ -4464,13 +4414,6 @@
   <p:clrMapOvr>
     <a:masterClrMapping/>
   </p:clrMapOvr>
-  <p:timing>
-    <p:tnLst>
-      <p:par>
-        <p:cTn id="1" dur="indefinite" restart="never" nodeType="tmRoot"/>
-      </p:par>
-    </p:tnLst>
-  </p:timing>
 </p:sld>
 </file>
 
@@ -4689,13 +4632,6 @@
   <p:clrMapOvr>
     <a:masterClrMapping/>
   </p:clrMapOvr>
-  <p:timing>
-    <p:tnLst>
-      <p:par>
-        <p:cTn id="1" dur="indefinite" restart="never" nodeType="tmRoot"/>
-      </p:par>
-    </p:tnLst>
-  </p:timing>
 </p:sld>
 </file>
 
@@ -4766,40 +4702,38 @@
           <a:lstStyle/>
           <a:p>
             <a:r>
-              <a:rPr lang="en-US" dirty="0" smtClean="0"/>
+              <a:rPr lang="en-US" dirty="0"/>
               <a:t>Pas de </a:t>
             </a:r>
             <a:r>
-              <a:rPr lang="en-US" dirty="0" err="1" smtClean="0"/>
+              <a:rPr lang="en-US" dirty="0" err="1"/>
               <a:t>trou</a:t>
             </a:r>
             <a:endParaRPr lang="en-US" dirty="0"/>
           </a:p>
           <a:p>
             <a:r>
-              <a:rPr lang="en-US" dirty="0" smtClean="0"/>
+              <a:rPr lang="en-US" dirty="0"/>
               <a:t>Un </a:t>
             </a:r>
             <a:r>
-              <a:rPr lang="en-US" dirty="0" err="1" smtClean="0"/>
+              <a:rPr lang="en-US" dirty="0" err="1"/>
               <a:t>seul</a:t>
             </a:r>
             <a:r>
-              <a:rPr lang="en-US" dirty="0" smtClean="0"/>
+              <a:rPr lang="en-US" dirty="0"/>
               <a:t> type</a:t>
             </a:r>
-            <a:endParaRPr lang="en-US" dirty="0"/>
-          </a:p>
-          <a:p>
-            <a:r>
-              <a:rPr lang="en-US" dirty="0" err="1" smtClean="0"/>
+          </a:p>
+          <a:p>
+            <a:r>
+              <a:rPr lang="en-US" dirty="0" err="1"/>
               <a:t>Même</a:t>
             </a:r>
             <a:r>
-              <a:rPr lang="en-US" dirty="0" smtClean="0"/>
+              <a:rPr lang="en-US" dirty="0"/>
               <a:t> dimension</a:t>
             </a:r>
-            <a:endParaRPr lang="en-US" dirty="0"/>
           </a:p>
         </p:txBody>
       </p:sp>
@@ -4891,13 +4825,6 @@
   <p:clrMapOvr>
     <a:masterClrMapping/>
   </p:clrMapOvr>
-  <p:timing>
-    <p:tnLst>
-      <p:par>
-        <p:cTn id="1" dur="indefinite" restart="never" nodeType="tmRoot"/>
-      </p:par>
-    </p:tnLst>
-  </p:timing>
 </p:sld>
 </file>
 
@@ -4934,33 +4861,33 @@
           <a:lstStyle/>
           <a:p>
             <a:r>
-              <a:rPr lang="fr-FR" dirty="0" smtClean="0"/>
+              <a:rPr lang="fr-FR" dirty="0"/>
               <a:t>Les opérateurs </a:t>
             </a:r>
             <a:r>
-              <a:rPr lang="fr-FR" dirty="0" err="1" smtClean="0"/>
+              <a:rPr lang="fr-FR" dirty="0" err="1"/>
               <a:t>numpy</a:t>
             </a:r>
             <a:r>
-              <a:rPr lang="fr-FR" dirty="0" smtClean="0"/>
+              <a:rPr lang="fr-FR" dirty="0"/>
               <a:t> sont surchargés</a:t>
             </a:r>
           </a:p>
           <a:p>
             <a:r>
-              <a:rPr lang="fr-FR" dirty="0" smtClean="0"/>
+              <a:rPr lang="fr-FR" dirty="0"/>
               <a:t>Les fonctions </a:t>
             </a:r>
             <a:r>
-              <a:rPr lang="fr-FR" dirty="0" err="1" smtClean="0"/>
+              <a:rPr lang="fr-FR" dirty="0" err="1"/>
               <a:t>numpy</a:t>
             </a:r>
             <a:r>
-              <a:rPr lang="fr-FR" dirty="0" smtClean="0"/>
+              <a:rPr lang="fr-FR" dirty="0"/>
               <a:t> sont des </a:t>
             </a:r>
             <a:r>
-              <a:rPr lang="fr-FR" dirty="0" err="1" smtClean="0"/>
+              <a:rPr lang="fr-FR" dirty="0" err="1"/>
               <a:t>map</a:t>
             </a:r>
             <a:endParaRPr lang="fr-FR" dirty="0"/>
@@ -5012,10 +4939,9 @@
           <a:lstStyle/>
           <a:p>
             <a:r>
-              <a:rPr lang="fr-FR" dirty="0" smtClean="0"/>
+              <a:rPr lang="fr-FR" dirty="0"/>
               <a:t>Opérateurs et fonctions</a:t>
             </a:r>
-            <a:endParaRPr lang="fr-FR" dirty="0"/>
           </a:p>
         </p:txBody>
       </p:sp>
@@ -5029,13 +4955,6 @@
   <p:clrMapOvr>
     <a:masterClrMapping/>
   </p:clrMapOvr>
-  <p:timing>
-    <p:tnLst>
-      <p:par>
-        <p:cTn id="1" dur="indefinite" restart="never" nodeType="tmRoot"/>
-      </p:par>
-    </p:tnLst>
-  </p:timing>
 </p:sld>
 </file>
 
@@ -5072,10 +4991,9 @@
           <a:lstStyle/>
           <a:p>
             <a:r>
-              <a:rPr lang="fr-FR" dirty="0" smtClean="0"/>
+              <a:rPr lang="fr-FR" dirty="0"/>
               <a:t>Réduction</a:t>
             </a:r>
-            <a:endParaRPr lang="fr-FR" dirty="0"/>
           </a:p>
         </p:txBody>
       </p:sp>
@@ -5095,36 +5013,36 @@
           <a:lstStyle/>
           <a:p>
             <a:r>
-              <a:rPr lang="fr-FR" dirty="0" smtClean="0"/>
+              <a:rPr lang="fr-FR" dirty="0"/>
               <a:t>Les fonction de réduction de base existent</a:t>
             </a:r>
           </a:p>
           <a:p>
             <a:pPr lvl="1"/>
             <a:r>
-              <a:rPr lang="fr-FR" dirty="0" err="1" smtClean="0"/>
+              <a:rPr lang="fr-FR" dirty="0" err="1"/>
               <a:t>Sum</a:t>
             </a:r>
-            <a:endParaRPr lang="fr-FR" dirty="0" smtClean="0"/>
+            <a:endParaRPr lang="fr-FR" dirty="0"/>
           </a:p>
           <a:p>
             <a:pPr lvl="1"/>
             <a:r>
-              <a:rPr lang="fr-FR" dirty="0" smtClean="0"/>
+              <a:rPr lang="fr-FR" dirty="0"/>
               <a:t>Max</a:t>
             </a:r>
           </a:p>
           <a:p>
             <a:pPr lvl="1"/>
             <a:r>
-              <a:rPr lang="fr-FR" dirty="0" smtClean="0"/>
+              <a:rPr lang="fr-FR" dirty="0"/>
               <a:t>Min</a:t>
             </a:r>
           </a:p>
           <a:p>
             <a:pPr lvl="1"/>
             <a:r>
-              <a:rPr lang="fr-FR" dirty="0" smtClean="0"/>
+              <a:rPr lang="fr-FR" dirty="0"/>
               <a:t>…</a:t>
             </a:r>
           </a:p>
@@ -5140,13 +5058,6 @@
   <p:clrMapOvr>
     <a:masterClrMapping/>
   </p:clrMapOvr>
-  <p:timing>
-    <p:tnLst>
-      <p:par>
-        <p:cTn id="1" dur="indefinite" restart="never" nodeType="tmRoot"/>
-      </p:par>
-    </p:tnLst>
-  </p:timing>
 </p:sld>
 </file>
 
@@ -5183,10 +5094,9 @@
           <a:lstStyle/>
           <a:p>
             <a:r>
-              <a:rPr lang="fr-FR" dirty="0" smtClean="0"/>
+              <a:rPr lang="fr-FR" dirty="0"/>
               <a:t>Propriétés des tableaux</a:t>
             </a:r>
-            <a:endParaRPr lang="fr-FR" dirty="0"/>
           </a:p>
         </p:txBody>
       </p:sp>
@@ -5225,16 +5135,12 @@
             </a:r>
             <a:r>
               <a:rPr lang="fr-FR" dirty="0"/>
-              <a:t>(10, </a:t>
-            </a:r>
-            <a:r>
-              <a:rPr lang="fr-FR" dirty="0" smtClean="0"/>
-              <a:t>size=6)</a:t>
-            </a:r>
-          </a:p>
-          <a:p>
-            <a:r>
-              <a:rPr lang="fr-FR" dirty="0" err="1" smtClean="0"/>
+              <a:t>(10, size=6)</a:t>
+            </a:r>
+          </a:p>
+          <a:p>
+            <a:r>
+              <a:rPr lang="fr-FR" dirty="0" err="1"/>
               <a:t>print</a:t>
             </a:r>
             <a:r>
@@ -5284,13 +5190,6 @@
   <p:clrMapOvr>
     <a:masterClrMapping/>
   </p:clrMapOvr>
-  <p:timing>
-    <p:tnLst>
-      <p:par>
-        <p:cTn id="1" dur="indefinite" restart="never" nodeType="tmRoot"/>
-      </p:par>
-    </p:tnLst>
-  </p:timing>
 </p:sld>
 </file>
 
@@ -5327,10 +5226,9 @@
           <a:lstStyle/>
           <a:p>
             <a:r>
-              <a:rPr lang="fr-FR" dirty="0" smtClean="0"/>
+              <a:rPr lang="fr-FR" dirty="0"/>
               <a:t>Indexation</a:t>
             </a:r>
-            <a:endParaRPr lang="fr-FR" dirty="0"/>
           </a:p>
         </p:txBody>
       </p:sp>
@@ -5350,94 +5248,70 @@
           <a:lstStyle/>
           <a:p>
             <a:r>
-              <a:rPr lang="fr-FR" dirty="0" smtClean="0"/>
+              <a:rPr lang="fr-FR" dirty="0"/>
               <a:t>Identique à Python</a:t>
             </a:r>
           </a:p>
           <a:p>
             <a:pPr lvl="1"/>
             <a:r>
-              <a:rPr lang="fr-FR" dirty="0" err="1" smtClean="0"/>
+              <a:rPr lang="fr-FR" dirty="0" err="1"/>
               <a:t>print</a:t>
             </a:r>
             <a:r>
-              <a:rPr lang="fr-FR" dirty="0" smtClean="0"/>
-              <a:t>(x1[0</a:t>
-            </a:r>
-            <a:r>
               <a:rPr lang="fr-FR" dirty="0"/>
-              <a:t>])</a:t>
+              <a:t>(x1[0])</a:t>
             </a:r>
           </a:p>
           <a:p>
             <a:pPr lvl="1"/>
             <a:r>
-              <a:rPr lang="fr-FR" dirty="0" err="1" smtClean="0"/>
+              <a:rPr lang="fr-FR" dirty="0" err="1"/>
               <a:t>print</a:t>
             </a:r>
             <a:r>
-              <a:rPr lang="fr-FR" dirty="0" smtClean="0"/>
-              <a:t>(x1</a:t>
-            </a:r>
-            <a:r>
               <a:rPr lang="fr-FR" dirty="0"/>
-              <a:t>[-1])</a:t>
+              <a:t>(x1[-1])</a:t>
             </a:r>
           </a:p>
           <a:p>
             <a:pPr lvl="1"/>
             <a:r>
-              <a:rPr lang="fr-FR" dirty="0" smtClean="0"/>
-              <a:t>x1[1</a:t>
-            </a:r>
-            <a:r>
               <a:rPr lang="fr-FR" dirty="0"/>
-              <a:t>] = "1000"</a:t>
+              <a:t>x1[1] = "1000"</a:t>
             </a:r>
           </a:p>
           <a:p>
             <a:pPr lvl="1"/>
             <a:r>
-              <a:rPr lang="fr-FR" dirty="0" err="1" smtClean="0"/>
+              <a:rPr lang="fr-FR" dirty="0" err="1"/>
               <a:t>print</a:t>
             </a:r>
             <a:r>
-              <a:rPr lang="fr-FR" dirty="0" smtClean="0"/>
-              <a:t>(x1</a:t>
-            </a:r>
-            <a:r>
               <a:rPr lang="fr-FR" dirty="0"/>
-              <a:t>[:5])  # Les cinq premiers éléments</a:t>
+              <a:t>(x1[:5])  # Les cinq premiers éléments</a:t>
             </a:r>
           </a:p>
           <a:p>
             <a:pPr lvl="1"/>
             <a:r>
-              <a:rPr lang="fr-FR" dirty="0" err="1" smtClean="0"/>
+              <a:rPr lang="fr-FR" dirty="0" err="1"/>
               <a:t>print</a:t>
             </a:r>
             <a:r>
-              <a:rPr lang="fr-FR" dirty="0" smtClean="0"/>
-              <a:t>(x1[5</a:t>
-            </a:r>
-            <a:r>
               <a:rPr lang="fr-FR" dirty="0"/>
-              <a:t>:])  # Les éléments à partir de l'index 5</a:t>
+              <a:t>(x1[5:])  # Les éléments à partir de l'index 5</a:t>
             </a:r>
           </a:p>
           <a:p>
             <a:pPr lvl="1"/>
             <a:r>
-              <a:rPr lang="fr-FR" dirty="0" err="1" smtClean="0"/>
+              <a:rPr lang="fr-FR" dirty="0" err="1"/>
               <a:t>print</a:t>
             </a:r>
             <a:r>
-              <a:rPr lang="fr-FR" dirty="0" smtClean="0"/>
-              <a:t>(x1</a:t>
-            </a:r>
-            <a:r>
               <a:rPr lang="fr-FR" dirty="0"/>
-              <a:t>[::2])  # Un élément sur deux</a:t>
+              <a:t>(x1[::2])  # Un élément sur deux</a:t>
             </a:r>
           </a:p>
         </p:txBody>
@@ -5452,13 +5326,6 @@
   <p:clrMapOvr>
     <a:masterClrMapping/>
   </p:clrMapOvr>
-  <p:timing>
-    <p:tnLst>
-      <p:par>
-        <p:cTn id="1" dur="indefinite" restart="never" nodeType="tmRoot"/>
-      </p:par>
-    </p:tnLst>
-  </p:timing>
 </p:sld>
 </file>
 
@@ -5495,10 +5362,9 @@
           <a:lstStyle/>
           <a:p>
             <a:r>
-              <a:rPr lang="fr-FR" dirty="0" smtClean="0"/>
+              <a:rPr lang="fr-FR" dirty="0"/>
               <a:t>Python et les Maths</a:t>
             </a:r>
-            <a:endParaRPr lang="fr-FR" dirty="0"/>
           </a:p>
         </p:txBody>
       </p:sp>
@@ -5518,49 +5384,48 @@
           <a:lstStyle/>
           <a:p>
             <a:r>
-              <a:rPr lang="fr-FR" dirty="0" smtClean="0"/>
+              <a:rPr lang="fr-FR" dirty="0"/>
               <a:t>Python a rencontré un grand succès dans le monde scientifique, mathématiques et de l’IA</a:t>
             </a:r>
           </a:p>
           <a:p>
             <a:r>
-              <a:rPr lang="fr-FR" dirty="0" smtClean="0"/>
+              <a:rPr lang="fr-FR" dirty="0"/>
               <a:t>De nombreux modules sont à disposition</a:t>
             </a:r>
           </a:p>
           <a:p>
             <a:pPr lvl="1"/>
             <a:r>
-              <a:rPr lang="fr-FR" dirty="0" err="1" smtClean="0"/>
+              <a:rPr lang="fr-FR" dirty="0" err="1"/>
               <a:t>Numpy</a:t>
             </a:r>
             <a:r>
-              <a:rPr lang="fr-FR" dirty="0" smtClean="0"/>
+              <a:rPr lang="fr-FR" dirty="0"/>
               <a:t>, </a:t>
             </a:r>
             <a:r>
-              <a:rPr lang="fr-FR" dirty="0" err="1" smtClean="0"/>
+              <a:rPr lang="fr-FR" dirty="0" err="1"/>
               <a:t>Scipy</a:t>
             </a:r>
             <a:r>
-              <a:rPr lang="fr-FR" dirty="0" smtClean="0"/>
+              <a:rPr lang="fr-FR" dirty="0"/>
               <a:t>, </a:t>
             </a:r>
             <a:r>
-              <a:rPr lang="fr-FR" dirty="0" err="1" smtClean="0"/>
+              <a:rPr lang="fr-FR" dirty="0" err="1"/>
               <a:t>Scikit-learn</a:t>
             </a:r>
             <a:r>
-              <a:rPr lang="fr-FR" dirty="0" smtClean="0"/>
+              <a:rPr lang="fr-FR" dirty="0"/>
               <a:t>, …</a:t>
             </a:r>
           </a:p>
           <a:p>
             <a:r>
-              <a:rPr lang="fr-FR" dirty="0" smtClean="0"/>
+              <a:rPr lang="fr-FR" dirty="0"/>
               <a:t>Le module math possède les méthodes de base</a:t>
             </a:r>
-            <a:endParaRPr lang="fr-FR" dirty="0"/>
           </a:p>
         </p:txBody>
       </p:sp>
@@ -5598,13 +5463,6 @@
   <p:clrMapOvr>
     <a:masterClrMapping/>
   </p:clrMapOvr>
-  <p:timing>
-    <p:tnLst>
-      <p:par>
-        <p:cTn id="1" dur="indefinite" restart="never" nodeType="tmRoot"/>
-      </p:par>
-    </p:tnLst>
-  </p:timing>
 </p:sld>
 </file>
 
@@ -5641,10 +5499,9 @@
           <a:lstStyle/>
           <a:p>
             <a:r>
-              <a:rPr lang="fr-FR" dirty="0" smtClean="0"/>
+              <a:rPr lang="fr-FR" dirty="0"/>
               <a:t>Filtrage</a:t>
             </a:r>
-            <a:endParaRPr lang="fr-FR" dirty="0"/>
           </a:p>
         </p:txBody>
       </p:sp>
@@ -5664,68 +5521,58 @@
           <a:lstStyle/>
           <a:p>
             <a:r>
-              <a:rPr lang="fr-FR" dirty="0" smtClean="0"/>
-              <a:t>x </a:t>
-            </a:r>
-            <a:r>
               <a:rPr lang="fr-FR" dirty="0"/>
-              <a:t>= </a:t>
-            </a:r>
-            <a:r>
-              <a:rPr lang="fr-FR" dirty="0" err="1" smtClean="0"/>
+              <a:t>x = </a:t>
+            </a:r>
+            <a:r>
+              <a:rPr lang="fr-FR" dirty="0" err="1"/>
               <a:t>np.random.rand</a:t>
             </a:r>
             <a:r>
-              <a:rPr lang="fr-FR" dirty="0" smtClean="0"/>
+              <a:rPr lang="fr-FR" dirty="0"/>
               <a:t>(10)</a:t>
             </a:r>
-            <a:endParaRPr lang="fr-FR" dirty="0"/>
           </a:p>
           <a:p>
             <a:r>
               <a:rPr lang="fr-FR" dirty="0"/>
-              <a:t>x &gt; </a:t>
-            </a:r>
-            <a:r>
-              <a:rPr lang="fr-FR" dirty="0" smtClean="0"/>
-              <a:t>0.5</a:t>
+              <a:t>x &gt; 0.5</a:t>
             </a:r>
           </a:p>
           <a:p>
             <a:pPr lvl="1"/>
             <a:r>
-              <a:rPr lang="fr-FR" dirty="0" smtClean="0"/>
+              <a:rPr lang="fr-FR" dirty="0"/>
               <a:t>Renvoie un tableau de booléens</a:t>
             </a:r>
           </a:p>
           <a:p>
             <a:r>
-              <a:rPr lang="fr-FR" dirty="0" smtClean="0"/>
+              <a:rPr lang="fr-FR" dirty="0"/>
               <a:t>X[</a:t>
             </a:r>
             <a:r>
-              <a:rPr lang="fr-FR" dirty="0" err="1" smtClean="0"/>
+              <a:rPr lang="fr-FR" dirty="0" err="1"/>
               <a:t>booleans</a:t>
             </a:r>
             <a:r>
-              <a:rPr lang="fr-FR" dirty="0" smtClean="0"/>
+              <a:rPr lang="fr-FR" dirty="0"/>
               <a:t>]</a:t>
             </a:r>
           </a:p>
           <a:p>
             <a:pPr lvl="1"/>
             <a:r>
-              <a:rPr lang="fr-FR" dirty="0" smtClean="0"/>
+              <a:rPr lang="fr-FR" dirty="0"/>
               <a:t>Filtre</a:t>
             </a:r>
           </a:p>
           <a:p>
             <a:pPr lvl="1"/>
             <a:r>
-              <a:rPr lang="fr-FR" dirty="0" smtClean="0"/>
+              <a:rPr lang="fr-FR" dirty="0"/>
               <a:t>X[x &gt; 0.5]</a:t>
             </a:r>
-            <a:endParaRPr lang="fr-FR" dirty="0"/>
           </a:p>
         </p:txBody>
       </p:sp>
@@ -5739,13 +5586,6 @@
   <p:clrMapOvr>
     <a:masterClrMapping/>
   </p:clrMapOvr>
-  <p:timing>
-    <p:tnLst>
-      <p:par>
-        <p:cTn id="1" dur="indefinite" restart="never" nodeType="tmRoot"/>
-      </p:par>
-    </p:tnLst>
-  </p:timing>
 </p:sld>
 </file>
 
@@ -5782,7 +5622,7 @@
           <a:lstStyle/>
           <a:p>
             <a:r>
-              <a:rPr lang="fr-FR" dirty="0" err="1" smtClean="0"/>
+              <a:rPr lang="fr-FR" dirty="0" err="1"/>
               <a:t>Matplotlib</a:t>
             </a:r>
             <a:endParaRPr lang="fr-FR" dirty="0"/>
@@ -5805,15 +5645,15 @@
           <a:lstStyle/>
           <a:p>
             <a:r>
-              <a:rPr lang="fr-FR" dirty="0" err="1" smtClean="0"/>
+              <a:rPr lang="fr-FR" dirty="0" err="1"/>
               <a:t>Matplotlib</a:t>
             </a:r>
             <a:r>
-              <a:rPr lang="fr-FR" dirty="0" smtClean="0"/>
+              <a:rPr lang="fr-FR" dirty="0"/>
               <a:t> est complètement compatible avec les </a:t>
             </a:r>
             <a:r>
-              <a:rPr lang="fr-FR" dirty="0" err="1" smtClean="0"/>
+              <a:rPr lang="fr-FR" dirty="0" err="1"/>
               <a:t>np.array</a:t>
             </a:r>
             <a:endParaRPr lang="fr-FR" dirty="0"/>
@@ -5833,13 +5673,6 @@
   <p:clrMapOvr>
     <a:masterClrMapping/>
   </p:clrMapOvr>
-  <p:timing>
-    <p:tnLst>
-      <p:par>
-        <p:cTn id="1" dur="indefinite" restart="never" nodeType="tmRoot"/>
-      </p:par>
-    </p:tnLst>
-  </p:timing>
 </p:sld>
 </file>
 
@@ -5887,14 +5720,13 @@
           <a:lstStyle/>
           <a:p>
             <a:r>
-              <a:rPr lang="en-US" dirty="0" err="1" smtClean="0"/>
+              <a:rPr lang="en-US" dirty="0" err="1"/>
               <a:t>Sauvegarder</a:t>
             </a:r>
             <a:r>
-              <a:rPr lang="en-US" dirty="0" smtClean="0"/>
+              <a:rPr lang="en-US" dirty="0"/>
               <a:t> des tableaux</a:t>
             </a:r>
-            <a:endParaRPr lang="en-US" dirty="0"/>
           </a:p>
         </p:txBody>
       </p:sp>
@@ -5953,51 +5785,19 @@
                 <a:latin typeface="Courier New" panose="02070309020205020404" pitchFamily="49" charset="0"/>
                 <a:cs typeface="Courier New" panose="02070309020205020404" pitchFamily="49" charset="0"/>
               </a:rPr>
-              <a:t>’, </a:t>
-            </a:r>
-            <a:r>
-              <a:rPr lang="en-US" dirty="0" smtClean="0">
-                <a:latin typeface="Courier New" panose="02070309020205020404" pitchFamily="49" charset="0"/>
-                <a:cs typeface="Courier New" panose="02070309020205020404" pitchFamily="49" charset="0"/>
-              </a:rPr>
-              <a:t>v1 = v1</a:t>
-            </a:r>
-            <a:r>
-              <a:rPr lang="en-US" dirty="0" smtClean="0">
-                <a:latin typeface="Courier New" panose="02070309020205020404" pitchFamily="49" charset="0"/>
-                <a:cs typeface="Courier New" panose="02070309020205020404" pitchFamily="49" charset="0"/>
-              </a:rPr>
-              <a:t>)</a:t>
-            </a:r>
-            <a:endParaRPr lang="en-US" dirty="0">
-              <a:latin typeface="Courier New" panose="02070309020205020404" pitchFamily="49" charset="0"/>
-              <a:cs typeface="Courier New" panose="02070309020205020404" pitchFamily="49" charset="0"/>
-            </a:endParaRPr>
+              <a:t>’, v1 = v1)</a:t>
+            </a:r>
           </a:p>
           <a:p>
             <a:pPr marL="0" indent="0">
               <a:buNone/>
             </a:pPr>
-            <a:r>
-              <a:rPr lang="en-US" dirty="0" smtClean="0">
-                <a:latin typeface="Courier New" panose="02070309020205020404" pitchFamily="49" charset="0"/>
-                <a:cs typeface="Courier New" panose="02070309020205020404" pitchFamily="49" charset="0"/>
-              </a:rPr>
-              <a:t>data</a:t>
-            </a:r>
-            <a:r>
-              <a:rPr lang="en-US" dirty="0" smtClean="0">
-                <a:latin typeface="Courier New" panose="02070309020205020404" pitchFamily="49" charset="0"/>
-                <a:cs typeface="Courier New" panose="02070309020205020404" pitchFamily="49" charset="0"/>
-              </a:rPr>
-              <a:t> </a:t>
-            </a:r>
             <a:r>
               <a:rPr lang="en-US" dirty="0">
                 <a:latin typeface="Courier New" panose="02070309020205020404" pitchFamily="49" charset="0"/>
                 <a:cs typeface="Courier New" panose="02070309020205020404" pitchFamily="49" charset="0"/>
               </a:rPr>
-              <a:t>= </a:t>
+              <a:t>data = </a:t>
             </a:r>
             <a:r>
               <a:rPr lang="en-US" dirty="0" err="1">
@@ -6021,7 +5821,7 @@
               <a:t>data.npz</a:t>
             </a:r>
             <a:r>
-              <a:rPr lang="en-US" dirty="0" smtClean="0">
+              <a:rPr lang="en-US" dirty="0">
                 <a:latin typeface="Courier New" panose="02070309020205020404" pitchFamily="49" charset="0"/>
                 <a:cs typeface="Courier New" panose="02070309020205020404" pitchFamily="49" charset="0"/>
               </a:rPr>
@@ -6037,19 +5837,8 @@
                 <a:latin typeface="Courier New" panose="02070309020205020404" pitchFamily="49" charset="0"/>
                 <a:cs typeface="Courier New" panose="02070309020205020404" pitchFamily="49" charset="0"/>
               </a:rPr>
-              <a:t>v</a:t>
-            </a:r>
-            <a:r>
-              <a:rPr lang="en-US" dirty="0" smtClean="0">
-                <a:latin typeface="Courier New" panose="02070309020205020404" pitchFamily="49" charset="0"/>
-                <a:cs typeface="Courier New" panose="02070309020205020404" pitchFamily="49" charset="0"/>
-              </a:rPr>
-              <a:t>1 = data[‘v1’]</a:t>
-            </a:r>
-            <a:endParaRPr lang="en-US" dirty="0">
-              <a:latin typeface="Courier New" panose="02070309020205020404" pitchFamily="49" charset="0"/>
-              <a:cs typeface="Courier New" panose="02070309020205020404" pitchFamily="49" charset="0"/>
-            </a:endParaRPr>
+              <a:t>v1 = data[‘v1’]</a:t>
+            </a:r>
           </a:p>
           <a:p>
             <a:pPr marL="0" indent="0">
@@ -6100,13 +5889,6 @@
   <p:clrMapOvr>
     <a:masterClrMapping/>
   </p:clrMapOvr>
-  <p:timing>
-    <p:tnLst>
-      <p:par>
-        <p:cTn id="1" dur="indefinite" restart="never" nodeType="tmRoot"/>
-      </p:par>
-    </p:tnLst>
-  </p:timing>
 </p:sld>
 </file>
 
@@ -6143,39 +5925,39 @@
           <a:lstStyle/>
           <a:p>
             <a:r>
-              <a:rPr lang="en-US" dirty="0" err="1" smtClean="0"/>
+              <a:rPr lang="en-US" dirty="0" err="1"/>
               <a:t>NumPy</a:t>
             </a:r>
             <a:r>
-              <a:rPr lang="en-US" dirty="0" smtClean="0"/>
+              <a:rPr lang="en-US" dirty="0"/>
               <a:t> </a:t>
             </a:r>
             <a:r>
-              <a:rPr lang="en-US" dirty="0" err="1" smtClean="0"/>
+              <a:rPr lang="en-US" dirty="0" err="1"/>
               <a:t>est</a:t>
             </a:r>
             <a:r>
-              <a:rPr lang="en-US" dirty="0" smtClean="0"/>
+              <a:rPr lang="en-US" dirty="0"/>
               <a:t> un module </a:t>
             </a:r>
             <a:r>
-              <a:rPr lang="en-US" dirty="0" err="1" smtClean="0"/>
+              <a:rPr lang="en-US" dirty="0" err="1"/>
               <a:t>scientifique</a:t>
             </a:r>
             <a:r>
-              <a:rPr lang="en-US" dirty="0" smtClean="0"/>
+              <a:rPr lang="en-US" dirty="0"/>
               <a:t> </a:t>
             </a:r>
             <a:r>
-              <a:rPr lang="en-US" dirty="0" err="1" smtClean="0"/>
+              <a:rPr lang="en-US" dirty="0" err="1"/>
               <a:t>d’algèbre</a:t>
             </a:r>
             <a:r>
-              <a:rPr lang="en-US" dirty="0" smtClean="0"/>
+              <a:rPr lang="en-US" dirty="0"/>
               <a:t> </a:t>
             </a:r>
             <a:r>
-              <a:rPr lang="en-US" dirty="0" err="1" smtClean="0"/>
+              <a:rPr lang="en-US" dirty="0" err="1"/>
               <a:t>linéaire</a:t>
             </a:r>
             <a:endParaRPr lang="en-US" dirty="0"/>
@@ -6183,7 +5965,7 @@
           <a:p>
             <a:pPr lvl="1"/>
             <a:r>
-              <a:rPr lang="en-US" dirty="0" smtClean="0"/>
+              <a:rPr lang="en-US" dirty="0"/>
               <a:t>import </a:t>
             </a:r>
             <a:r>
@@ -6194,19 +5976,18 @@
               <a:rPr lang="en-US" dirty="0"/>
               <a:t> as np</a:t>
             </a:r>
-            <a:endParaRPr lang="en-US" dirty="0" smtClean="0"/>
           </a:p>
           <a:p>
             <a:pPr lvl="1"/>
             <a:r>
-              <a:rPr lang="en-US" dirty="0" smtClean="0"/>
+              <a:rPr lang="en-US" dirty="0"/>
               <a:t>PIP install </a:t>
             </a:r>
             <a:r>
-              <a:rPr lang="en-US" dirty="0" err="1" smtClean="0"/>
+              <a:rPr lang="en-US" dirty="0" err="1"/>
               <a:t>numpy</a:t>
             </a:r>
-            <a:endParaRPr lang="en-US" dirty="0" smtClean="0"/>
+            <a:endParaRPr lang="en-US" dirty="0"/>
           </a:p>
           <a:p>
             <a:pPr lvl="1"/>
@@ -6248,13 +6029,6 @@
   <p:clrMapOvr>
     <a:masterClrMapping/>
   </p:clrMapOvr>
-  <p:timing>
-    <p:tnLst>
-      <p:par>
-        <p:cTn id="1" dur="indefinite" restart="never" nodeType="tmRoot"/>
-      </p:par>
-    </p:tnLst>
-  </p:timing>
 </p:sld>
 </file>
 
@@ -6330,15 +6104,15 @@
               <a:buNone/>
             </a:pPr>
             <a:r>
-              <a:rPr lang="en-US" sz="1800" dirty="0" err="1" smtClean="0"/>
+              <a:rPr lang="en-US" sz="1800" dirty="0" err="1"/>
               <a:t>Liste</a:t>
             </a:r>
             <a:r>
-              <a:rPr lang="en-US" sz="1800" dirty="0" smtClean="0"/>
+              <a:rPr lang="en-US" sz="1800" dirty="0"/>
               <a:t> de </a:t>
             </a:r>
             <a:r>
-              <a:rPr lang="en-US" sz="1800" dirty="0" err="1" smtClean="0"/>
+              <a:rPr lang="en-US" sz="1800" dirty="0" err="1"/>
               <a:t>nombres</a:t>
             </a:r>
             <a:endParaRPr lang="en-US" sz="1800" dirty="0"/>
@@ -6846,13 +6620,6 @@
   <p:clrMapOvr>
     <a:masterClrMapping/>
   </p:clrMapOvr>
-  <p:timing>
-    <p:tnLst>
-      <p:par>
-        <p:cTn id="1" dur="indefinite" restart="never" nodeType="tmRoot"/>
-      </p:par>
-    </p:tnLst>
-  </p:timing>
 </p:sld>
 </file>
 
@@ -6889,10 +6656,10 @@
           <a:lstStyle/>
           <a:p>
             <a:r>
-              <a:rPr lang="en-US" dirty="0" err="1" smtClean="0"/>
+              <a:rPr lang="en-US" dirty="0" err="1"/>
               <a:t>Np.array</a:t>
             </a:r>
-            <a:endParaRPr lang="en-US" dirty="0" smtClean="0"/>
+            <a:endParaRPr lang="en-US" dirty="0"/>
           </a:p>
           <a:p>
             <a:pPr lvl="1"/>
@@ -6906,23 +6673,19 @@
             </a:r>
             <a:r>
               <a:rPr lang="fr-FR" dirty="0"/>
-              <a:t> ne peuvent contenir des membres que d'un seul </a:t>
-            </a:r>
-            <a:r>
-              <a:rPr lang="fr-FR" dirty="0" smtClean="0"/>
-              <a:t>type</a:t>
+              <a:t> ne peuvent contenir des membres que d'un seul type</a:t>
             </a:r>
           </a:p>
           <a:p>
             <a:pPr lvl="1"/>
             <a:r>
-              <a:rPr lang="fr-FR" dirty="0" smtClean="0"/>
+              <a:rPr lang="fr-FR" dirty="0"/>
               <a:t>Le type est soit explicite ou implicite</a:t>
             </a:r>
           </a:p>
           <a:p>
             <a:r>
-              <a:rPr lang="fr-FR" dirty="0" smtClean="0"/>
+              <a:rPr lang="fr-FR" dirty="0"/>
               <a:t>Exemples :</a:t>
             </a:r>
           </a:p>
@@ -6934,17 +6697,13 @@
             </a:r>
             <a:r>
               <a:rPr lang="en-US" dirty="0"/>
-              <a:t>([1, 4, 2, 5, 3</a:t>
-            </a:r>
-            <a:r>
-              <a:rPr lang="en-US" dirty="0" smtClean="0"/>
-              <a:t>]) #</a:t>
-            </a:r>
-            <a:r>
-              <a:rPr lang="en-US" dirty="0" err="1" smtClean="0"/>
+              <a:t>([1, 4, 2, 5, 3]) #</a:t>
+            </a:r>
+            <a:r>
+              <a:rPr lang="en-US" dirty="0" err="1"/>
               <a:t>int</a:t>
             </a:r>
-            <a:endParaRPr lang="en-US" dirty="0" smtClean="0"/>
+            <a:endParaRPr lang="en-US" dirty="0"/>
           </a:p>
           <a:p>
             <a:pPr lvl="1"/>
@@ -6954,26 +6713,18 @@
             </a:r>
             <a:r>
               <a:rPr lang="en-US" dirty="0"/>
-              <a:t>([3.14, 4, 2, 3</a:t>
-            </a:r>
-            <a:r>
-              <a:rPr lang="en-US" dirty="0" smtClean="0"/>
-              <a:t>]) #float</a:t>
+              <a:t>([3.14, 4, 2, 3]) #float</a:t>
             </a:r>
           </a:p>
           <a:p>
             <a:pPr lvl="1"/>
             <a:r>
-              <a:rPr lang="fr-FR" dirty="0" err="1" smtClean="0"/>
+              <a:rPr lang="fr-FR" dirty="0" err="1"/>
               <a:t>np.zeros</a:t>
             </a:r>
             <a:r>
-              <a:rPr lang="fr-FR" dirty="0" smtClean="0"/>
-              <a:t>(10</a:t>
-            </a:r>
-            <a:r>
               <a:rPr lang="fr-FR" dirty="0"/>
-              <a:t>, </a:t>
+              <a:t>(10, </a:t>
             </a:r>
             <a:r>
               <a:rPr lang="fr-FR" dirty="0" err="1"/>
@@ -6988,19 +6739,18 @@
               <a:t>int</a:t>
             </a:r>
             <a:r>
-              <a:rPr lang="fr-FR" dirty="0" smtClean="0"/>
+              <a:rPr lang="fr-FR" dirty="0"/>
               <a:t>) #10*0</a:t>
             </a:r>
-            <a:endParaRPr lang="fr-FR" dirty="0"/>
           </a:p>
           <a:p>
             <a:pPr lvl="1"/>
             <a:r>
-              <a:rPr lang="fr-FR" dirty="0" err="1" smtClean="0"/>
+              <a:rPr lang="fr-FR" dirty="0" err="1"/>
               <a:t>np.ones</a:t>
             </a:r>
             <a:r>
-              <a:rPr lang="fr-FR" dirty="0" smtClean="0"/>
+              <a:rPr lang="fr-FR" dirty="0"/>
               <a:t>(3, </a:t>
             </a:r>
             <a:r>
@@ -7016,30 +6766,21 @@
               <a:t>float</a:t>
             </a:r>
             <a:r>
-              <a:rPr lang="fr-FR" dirty="0" smtClean="0"/>
+              <a:rPr lang="fr-FR" dirty="0"/>
               <a:t>) #3*1.0</a:t>
             </a:r>
-            <a:endParaRPr lang="fr-FR" dirty="0"/>
           </a:p>
           <a:p>
             <a:pPr lvl="1"/>
             <a:r>
-              <a:rPr lang="fr-FR" dirty="0" err="1" smtClean="0"/>
+              <a:rPr lang="fr-FR" dirty="0" err="1"/>
               <a:t>np.full</a:t>
             </a:r>
             <a:r>
-              <a:rPr lang="fr-FR" dirty="0" smtClean="0"/>
-              <a:t>(3, </a:t>
-            </a:r>
-            <a:r>
               <a:rPr lang="fr-FR" dirty="0"/>
-              <a:t>3.14</a:t>
-            </a:r>
-            <a:r>
-              <a:rPr lang="fr-FR" dirty="0" smtClean="0"/>
-              <a:t>) #3*3.14</a:t>
-            </a:r>
-            <a:endParaRPr lang="en-US" dirty="0" smtClean="0"/>
+              <a:t>(3, 3.14) #3*3.14</a:t>
+            </a:r>
+            <a:endParaRPr lang="en-US" dirty="0"/>
           </a:p>
           <a:p>
             <a:pPr lvl="1"/>
@@ -7081,13 +6822,6 @@
   <p:clrMapOvr>
     <a:masterClrMapping/>
   </p:clrMapOvr>
-  <p:timing>
-    <p:tnLst>
-      <p:par>
-        <p:cTn id="1" dur="indefinite" restart="never" nodeType="tmRoot"/>
-      </p:par>
-    </p:tnLst>
-  </p:timing>
 </p:sld>
 </file>
 
@@ -7353,13 +7087,6 @@
   <p:clrMapOvr>
     <a:masterClrMapping/>
   </p:clrMapOvr>
-  <p:timing>
-    <p:tnLst>
-      <p:par>
-        <p:cTn id="1" dur="indefinite" restart="never" nodeType="tmRoot"/>
-      </p:par>
-    </p:tnLst>
-  </p:timing>
 </p:sld>
 </file>
 
@@ -7578,13 +7305,6 @@
   <p:clrMapOvr>
     <a:masterClrMapping/>
   </p:clrMapOvr>
-  <p:timing>
-    <p:tnLst>
-      <p:par>
-        <p:cTn id="1" dur="indefinite" restart="never" nodeType="tmRoot"/>
-      </p:par>
-    </p:tnLst>
-  </p:timing>
 </p:sld>
 </file>
 
@@ -7831,13 +7551,6 @@
   <p:clrMapOvr>
     <a:masterClrMapping/>
   </p:clrMapOvr>
-  <p:timing>
-    <p:tnLst>
-      <p:par>
-        <p:cTn id="1" dur="indefinite" restart="never" nodeType="tmRoot"/>
-      </p:par>
-    </p:tnLst>
-  </p:timing>
 </p:sld>
 </file>
 
@@ -8054,13 +7767,6 @@
   <p:clrMapOvr>
     <a:masterClrMapping/>
   </p:clrMapOvr>
-  <p:timing>
-    <p:tnLst>
-      <p:par>
-        <p:cTn id="1" dur="indefinite" restart="never" nodeType="tmRoot"/>
-      </p:par>
-    </p:tnLst>
-  </p:timing>
 </p:sld>
 </file>
 

--- a/ppt/PythonMath06-Numpy.pptx
+++ b/ppt/PythonMath06-Numpy.pptx
@@ -5278,7 +5278,7 @@
             <a:pPr lvl="1"/>
             <a:r>
               <a:rPr lang="fr-FR" dirty="0"/>
-              <a:t>x1[1] = "1000"</a:t>
+              <a:t>x1[1] = 1000</a:t>
             </a:r>
           </a:p>
           <a:p>
@@ -6713,7 +6713,7 @@
             </a:r>
             <a:r>
               <a:rPr lang="en-US" dirty="0"/>
-              <a:t>([3.14, 4, 2, 3]) #float</a:t>
+              <a:t>([3.14, 4., 2, 3]) #float</a:t>
             </a:r>
           </a:p>
           <a:p>

--- a/ppt/PythonMath06-Numpy.pptx
+++ b/ppt/PythonMath06-Numpy.pptx
@@ -5279,6 +5279,17 @@
             <a:r>
               <a:rPr lang="fr-FR" dirty="0"/>
               <a:t>x1[1] = 1000</a:t>
+            </a:r>
+          </a:p>
+          <a:p>
+            <a:pPr lvl="1"/>
+            <a:r>
+              <a:rPr lang="fr-FR" dirty="0" err="1"/>
+              <a:t>print</a:t>
+            </a:r>
+            <a:r>
+              <a:rPr lang="fr-FR" dirty="0"/>
+              <a:t>(x1[2:5]) # De 2 à 5 non inclus</a:t>
             </a:r>
           </a:p>
           <a:p>

--- a/ppt/PythonMath06-Numpy.pptx
+++ b/ppt/PythonMath06-Numpy.pptx
@@ -6668,7 +6668,7 @@
           <a:p>
             <a:r>
               <a:rPr lang="en-US" dirty="0" err="1"/>
-              <a:t>Np.array</a:t>
+              <a:t>np.array</a:t>
             </a:r>
             <a:endParaRPr lang="en-US" dirty="0"/>
           </a:p>

--- a/ppt/PythonMath06-Numpy.pptx
+++ b/ppt/PythonMath06-Numpy.pptx
@@ -5,10 +5,10 @@
     <p:sldMasterId id="2147483653" r:id="rId1"/>
   </p:sldMasterIdLst>
   <p:notesMasterIdLst>
-    <p:notesMasterId r:id="rId24"/>
+    <p:notesMasterId r:id="rId20"/>
   </p:notesMasterIdLst>
   <p:handoutMasterIdLst>
-    <p:handoutMasterId r:id="rId25"/>
+    <p:handoutMasterId r:id="rId21"/>
   </p:handoutMasterIdLst>
   <p:sldIdLst>
     <p:sldId id="264" r:id="rId2"/>
@@ -16,23 +16,19 @@
     <p:sldId id="266" r:id="rId4"/>
     <p:sldId id="291" r:id="rId5"/>
     <p:sldId id="285" r:id="rId6"/>
-    <p:sldId id="293" r:id="rId7"/>
-    <p:sldId id="295" r:id="rId8"/>
-    <p:sldId id="296" r:id="rId9"/>
-    <p:sldId id="297" r:id="rId10"/>
-    <p:sldId id="298" r:id="rId11"/>
-    <p:sldId id="286" r:id="rId12"/>
-    <p:sldId id="300" r:id="rId13"/>
-    <p:sldId id="274" r:id="rId14"/>
-    <p:sldId id="301" r:id="rId15"/>
-    <p:sldId id="302" r:id="rId16"/>
-    <p:sldId id="284" r:id="rId17"/>
-    <p:sldId id="290" r:id="rId18"/>
-    <p:sldId id="287" r:id="rId19"/>
-    <p:sldId id="288" r:id="rId20"/>
-    <p:sldId id="289" r:id="rId21"/>
-    <p:sldId id="283" r:id="rId22"/>
-    <p:sldId id="303" r:id="rId23"/>
+    <p:sldId id="297" r:id="rId7"/>
+    <p:sldId id="286" r:id="rId8"/>
+    <p:sldId id="300" r:id="rId9"/>
+    <p:sldId id="274" r:id="rId10"/>
+    <p:sldId id="301" r:id="rId11"/>
+    <p:sldId id="302" r:id="rId12"/>
+    <p:sldId id="284" r:id="rId13"/>
+    <p:sldId id="290" r:id="rId14"/>
+    <p:sldId id="287" r:id="rId15"/>
+    <p:sldId id="288" r:id="rId16"/>
+    <p:sldId id="289" r:id="rId17"/>
+    <p:sldId id="283" r:id="rId18"/>
+    <p:sldId id="303" r:id="rId19"/>
   </p:sldIdLst>
   <p:sldSz cx="9144000" cy="6858000" type="screen4x3"/>
   <p:notesSz cx="6648450" cy="9782175"/>
@@ -3877,649 +3873,6 @@
           </a:p>
           <a:p>
             <a:r>
-              <a:rPr lang="en-US" b="1" dirty="0" err="1"/>
-              <a:t>np.zeros_like</a:t>
-            </a:r>
-            <a:r>
-              <a:rPr lang="en-US" b="1" dirty="0"/>
-              <a:t>, </a:t>
-            </a:r>
-            <a:r>
-              <a:rPr lang="en-US" b="1" dirty="0" err="1"/>
-              <a:t>np.ones_like</a:t>
-            </a:r>
-            <a:endParaRPr lang="en-US" b="1" dirty="0"/>
-          </a:p>
-          <a:p>
-            <a:r>
-              <a:rPr lang="en-US" dirty="0" err="1"/>
-              <a:t>np.random.random</a:t>
-            </a:r>
-            <a:endParaRPr lang="en-US" dirty="0"/>
-          </a:p>
-        </p:txBody>
-      </p:sp>
-      <p:sp>
-        <p:nvSpPr>
-          <p:cNvPr id="4" name="Slide Number Placeholder 3">
-            <a:extLst>
-              <a:ext uri="{FF2B5EF4-FFF2-40B4-BE49-F238E27FC236}">
-                <a16:creationId xmlns:a16="http://schemas.microsoft.com/office/drawing/2014/main" id="{477EE54A-B5E2-4DA9-952D-ABF5FCAC46C8}"/>
-              </a:ext>
-            </a:extLst>
-          </p:cNvPr>
-          <p:cNvSpPr>
-            <a:spLocks noGrp="1"/>
-          </p:cNvSpPr>
-          <p:nvPr>
-            <p:ph type="sldNum" sz="quarter" idx="4294967295"/>
-          </p:nvPr>
-        </p:nvSpPr>
-        <p:spPr/>
-        <p:txBody>
-          <a:bodyPr>
-            <a:normAutofit fontScale="25000" lnSpcReduction="20000"/>
-          </a:bodyPr>
-          <a:lstStyle/>
-          <a:p>
-            <a:fld id="{4FAB73BC-B049-4115-A692-8D63A059BFB8}" type="slidenum">
-              <a:rPr lang="en-US" smtClean="0"/>
-              <a:t>10</a:t>
-            </a:fld>
-            <a:endParaRPr lang="en-US" dirty="0"/>
-          </a:p>
-        </p:txBody>
-      </p:sp>
-      <p:sp>
-        <p:nvSpPr>
-          <p:cNvPr id="6" name="Content Placeholder 5">
-            <a:extLst>
-              <a:ext uri="{FF2B5EF4-FFF2-40B4-BE49-F238E27FC236}">
-                <a16:creationId xmlns:a16="http://schemas.microsoft.com/office/drawing/2014/main" id="{AC91024C-2C0D-4B84-8A32-07E92E289FA4}"/>
-              </a:ext>
-            </a:extLst>
-          </p:cNvPr>
-          <p:cNvSpPr>
-            <a:spLocks noGrp="1"/>
-          </p:cNvSpPr>
-          <p:nvPr>
-            <p:ph sz="half" idx="2"/>
-          </p:nvPr>
-        </p:nvSpPr>
-        <p:spPr/>
-        <p:txBody>
-          <a:bodyPr/>
-          <a:lstStyle/>
-          <a:p>
-            <a:endParaRPr lang="en-US"/>
-          </a:p>
-        </p:txBody>
-      </p:sp>
-      <p:pic>
-        <p:nvPicPr>
-          <p:cNvPr id="3076" name="Picture 4" descr="https://i.gyazo.com/06e91c14aeec5dcf6a8534c1282a5f4a.png">
-            <a:extLst>
-              <a:ext uri="{FF2B5EF4-FFF2-40B4-BE49-F238E27FC236}">
-                <a16:creationId xmlns:a16="http://schemas.microsoft.com/office/drawing/2014/main" id="{41D56FE4-04AA-438C-8631-08EF4969EE61}"/>
-              </a:ext>
-            </a:extLst>
-          </p:cNvPr>
-          <p:cNvPicPr>
-            <a:picLocks noChangeAspect="1" noChangeArrowheads="1"/>
-          </p:cNvPicPr>
-          <p:nvPr/>
-        </p:nvPicPr>
-        <p:blipFill>
-          <a:blip r:embed="rId2">
-            <a:extLst>
-              <a:ext uri="{28A0092B-C50C-407E-A947-70E740481C1C}">
-                <a14:useLocalDpi xmlns:a14="http://schemas.microsoft.com/office/drawing/2010/main" val="0"/>
-              </a:ext>
-            </a:extLst>
-          </a:blip>
-          <a:srcRect/>
-          <a:stretch>
-            <a:fillRect/>
-          </a:stretch>
-        </p:blipFill>
-        <p:spPr bwMode="auto">
-          <a:xfrm>
-            <a:off x="4572000" y="2924944"/>
-            <a:ext cx="3911030" cy="994171"/>
-          </a:xfrm>
-          <a:prstGeom prst="rect">
-            <a:avLst/>
-          </a:prstGeom>
-          <a:noFill/>
-          <a:extLst>
-            <a:ext uri="{909E8E84-426E-40DD-AFC4-6F175D3DCCD1}">
-              <a14:hiddenFill xmlns:a14="http://schemas.microsoft.com/office/drawing/2010/main">
-                <a:solidFill>
-                  <a:srgbClr val="FFFFFF"/>
-                </a:solidFill>
-              </a14:hiddenFill>
-            </a:ext>
-          </a:extLst>
-        </p:spPr>
-      </p:pic>
-    </p:spTree>
-    <p:extLst>
-      <p:ext uri="{BB962C8B-B14F-4D97-AF65-F5344CB8AC3E}">
-        <p14:creationId xmlns:p14="http://schemas.microsoft.com/office/powerpoint/2010/main" val="2006993335"/>
-      </p:ext>
-    </p:extLst>
-  </p:cSld>
-  <p:clrMapOvr>
-    <a:masterClrMapping/>
-  </p:clrMapOvr>
-</p:sld>
-</file>
-
-<file path=ppt/slides/slide11.xml><?xml version="1.0" encoding="utf-8"?>
-<p:sld xmlns:a="http://schemas.openxmlformats.org/drawingml/2006/main" xmlns:r="http://schemas.openxmlformats.org/officeDocument/2006/relationships" xmlns:p="http://schemas.openxmlformats.org/presentationml/2006/main">
-  <p:cSld>
-    <p:spTree>
-      <p:nvGrpSpPr>
-        <p:cNvPr id="1" name=""/>
-        <p:cNvGrpSpPr/>
-        <p:nvPr/>
-      </p:nvGrpSpPr>
-      <p:grpSpPr>
-        <a:xfrm>
-          <a:off x="0" y="0"/>
-          <a:ext cx="0" cy="0"/>
-          <a:chOff x="0" y="0"/>
-          <a:chExt cx="0" cy="0"/>
-        </a:xfrm>
-      </p:grpSpPr>
-      <p:sp>
-        <p:nvSpPr>
-          <p:cNvPr id="2" name="Titre 1"/>
-          <p:cNvSpPr>
-            <a:spLocks noGrp="1"/>
-          </p:cNvSpPr>
-          <p:nvPr>
-            <p:ph type="title"/>
-          </p:nvPr>
-        </p:nvSpPr>
-        <p:spPr/>
-        <p:txBody>
-          <a:bodyPr/>
-          <a:lstStyle/>
-          <a:p>
-            <a:r>
-              <a:rPr lang="fr-FR" dirty="0" err="1"/>
-              <a:t>arange</a:t>
-            </a:r>
-            <a:endParaRPr lang="fr-FR" dirty="0"/>
-          </a:p>
-        </p:txBody>
-      </p:sp>
-      <p:sp>
-        <p:nvSpPr>
-          <p:cNvPr id="3" name="Espace réservé du contenu 2"/>
-          <p:cNvSpPr>
-            <a:spLocks noGrp="1"/>
-          </p:cNvSpPr>
-          <p:nvPr>
-            <p:ph idx="1"/>
-          </p:nvPr>
-        </p:nvSpPr>
-        <p:spPr/>
-        <p:txBody>
-          <a:bodyPr/>
-          <a:lstStyle/>
-          <a:p>
-            <a:r>
-              <a:rPr lang="fr-FR" dirty="0"/>
-              <a:t># Un tableau rempli d'une séquence linéaire</a:t>
-            </a:r>
-          </a:p>
-          <a:p>
-            <a:r>
-              <a:rPr lang="fr-FR" dirty="0"/>
-              <a:t># commençant à 0 et qui se termine à 20, avec un pas de 2</a:t>
-            </a:r>
-          </a:p>
-          <a:p>
-            <a:r>
-              <a:rPr lang="fr-FR" dirty="0" err="1"/>
-              <a:t>np.arange</a:t>
-            </a:r>
-            <a:r>
-              <a:rPr lang="fr-FR" dirty="0"/>
-              <a:t>(0, 20, 2)</a:t>
-            </a:r>
-          </a:p>
-          <a:p>
-            <a:r>
-              <a:rPr lang="fr-FR" dirty="0"/>
-              <a:t># Un tableau de 5 valeurs, espacées uniformément entre 0 et 1</a:t>
-            </a:r>
-          </a:p>
-          <a:p>
-            <a:r>
-              <a:rPr lang="fr-FR" dirty="0" err="1"/>
-              <a:t>np.linspace</a:t>
-            </a:r>
-            <a:r>
-              <a:rPr lang="fr-FR" dirty="0"/>
-              <a:t>(0, 1, 5)</a:t>
-            </a:r>
-          </a:p>
-        </p:txBody>
-      </p:sp>
-    </p:spTree>
-    <p:extLst>
-      <p:ext uri="{BB962C8B-B14F-4D97-AF65-F5344CB8AC3E}">
-        <p14:creationId xmlns:p14="http://schemas.microsoft.com/office/powerpoint/2010/main" val="3214626482"/>
-      </p:ext>
-    </p:extLst>
-  </p:cSld>
-  <p:clrMapOvr>
-    <a:masterClrMapping/>
-  </p:clrMapOvr>
-</p:sld>
-</file>
-
-<file path=ppt/slides/slide12.xml><?xml version="1.0" encoding="utf-8"?>
-<p:sld xmlns:a="http://schemas.openxmlformats.org/drawingml/2006/main" xmlns:r="http://schemas.openxmlformats.org/officeDocument/2006/relationships" xmlns:p="http://schemas.openxmlformats.org/presentationml/2006/main">
-  <p:cSld>
-    <p:spTree>
-      <p:nvGrpSpPr>
-        <p:cNvPr id="1" name=""/>
-        <p:cNvGrpSpPr/>
-        <p:nvPr/>
-      </p:nvGrpSpPr>
-      <p:grpSpPr>
-        <a:xfrm>
-          <a:off x="0" y="0"/>
-          <a:ext cx="0" cy="0"/>
-          <a:chOff x="0" y="0"/>
-          <a:chExt cx="0" cy="0"/>
-        </a:xfrm>
-      </p:grpSpPr>
-      <p:sp>
-        <p:nvSpPr>
-          <p:cNvPr id="2" name="Title 1">
-            <a:extLst>
-              <a:ext uri="{FF2B5EF4-FFF2-40B4-BE49-F238E27FC236}">
-                <a16:creationId xmlns:a16="http://schemas.microsoft.com/office/drawing/2014/main" id="{F8C3A89D-B04F-4FF7-B864-B3F9BBFBE530}"/>
-              </a:ext>
-            </a:extLst>
-          </p:cNvPr>
-          <p:cNvSpPr>
-            <a:spLocks noGrp="1"/>
-          </p:cNvSpPr>
-          <p:nvPr>
-            <p:ph type="title"/>
-          </p:nvPr>
-        </p:nvSpPr>
-        <p:spPr/>
-        <p:txBody>
-          <a:bodyPr/>
-          <a:lstStyle/>
-          <a:p>
-            <a:r>
-              <a:rPr lang="en-US" dirty="0"/>
-              <a:t>Arrays, creation</a:t>
-            </a:r>
-          </a:p>
-        </p:txBody>
-      </p:sp>
-      <p:sp>
-        <p:nvSpPr>
-          <p:cNvPr id="3" name="Content Placeholder 2">
-            <a:extLst>
-              <a:ext uri="{FF2B5EF4-FFF2-40B4-BE49-F238E27FC236}">
-                <a16:creationId xmlns:a16="http://schemas.microsoft.com/office/drawing/2014/main" id="{E06060F4-F2F0-4A93-BA3A-8F21AA583A86}"/>
-              </a:ext>
-            </a:extLst>
-          </p:cNvPr>
-          <p:cNvSpPr>
-            <a:spLocks noGrp="1"/>
-          </p:cNvSpPr>
-          <p:nvPr>
-            <p:ph sz="half" idx="1"/>
-          </p:nvPr>
-        </p:nvSpPr>
-        <p:spPr/>
-        <p:txBody>
-          <a:bodyPr/>
-          <a:lstStyle/>
-          <a:p>
-            <a:r>
-              <a:rPr lang="en-US" dirty="0" err="1"/>
-              <a:t>np.ones</a:t>
-            </a:r>
-            <a:r>
-              <a:rPr lang="en-US" dirty="0"/>
-              <a:t>, </a:t>
-            </a:r>
-            <a:r>
-              <a:rPr lang="en-US" dirty="0" err="1"/>
-              <a:t>np.zeros</a:t>
-            </a:r>
-            <a:endParaRPr lang="en-US" dirty="0"/>
-          </a:p>
-          <a:p>
-            <a:r>
-              <a:rPr lang="en-US" b="1" dirty="0" err="1"/>
-              <a:t>np.arange</a:t>
-            </a:r>
-            <a:endParaRPr lang="en-US" b="1" dirty="0"/>
-          </a:p>
-          <a:p>
-            <a:r>
-              <a:rPr lang="en-US" dirty="0" err="1"/>
-              <a:t>np.concatenate</a:t>
-            </a:r>
-            <a:endParaRPr lang="en-US" dirty="0"/>
-          </a:p>
-          <a:p>
-            <a:r>
-              <a:rPr lang="en-US" dirty="0" err="1"/>
-              <a:t>np.astype</a:t>
-            </a:r>
-            <a:endParaRPr lang="en-US" dirty="0"/>
-          </a:p>
-          <a:p>
-            <a:r>
-              <a:rPr lang="en-US" dirty="0" err="1"/>
-              <a:t>np.zeros_like</a:t>
-            </a:r>
-            <a:r>
-              <a:rPr lang="en-US" dirty="0"/>
-              <a:t>, </a:t>
-            </a:r>
-            <a:r>
-              <a:rPr lang="en-US" dirty="0" err="1"/>
-              <a:t>np.ones_like</a:t>
-            </a:r>
-            <a:endParaRPr lang="en-US" dirty="0"/>
-          </a:p>
-          <a:p>
-            <a:r>
-              <a:rPr lang="en-US" dirty="0" err="1"/>
-              <a:t>np.random.random</a:t>
-            </a:r>
-            <a:endParaRPr lang="en-US" dirty="0"/>
-          </a:p>
-        </p:txBody>
-      </p:sp>
-      <p:pic>
-        <p:nvPicPr>
-          <p:cNvPr id="3076" name="Picture 4" descr="https://i.gyazo.com/8001a5fae4b908ca4cdec3a018885ba7.png">
-            <a:extLst>
-              <a:ext uri="{FF2B5EF4-FFF2-40B4-BE49-F238E27FC236}">
-                <a16:creationId xmlns:a16="http://schemas.microsoft.com/office/drawing/2014/main" id="{F932B43B-F42C-4E3D-8306-84FD7EA80D09}"/>
-              </a:ext>
-            </a:extLst>
-          </p:cNvPr>
-          <p:cNvPicPr>
-            <a:picLocks noGrp="1" noChangeAspect="1" noChangeArrowheads="1"/>
-          </p:cNvPicPr>
-          <p:nvPr>
-            <p:ph sz="half" idx="2"/>
-          </p:nvPr>
-        </p:nvPicPr>
-        <p:blipFill>
-          <a:blip r:embed="rId2">
-            <a:extLst>
-              <a:ext uri="{28A0092B-C50C-407E-A947-70E740481C1C}">
-                <a14:useLocalDpi xmlns:a14="http://schemas.microsoft.com/office/drawing/2010/main" val="0"/>
-              </a:ext>
-            </a:extLst>
-          </a:blip>
-          <a:srcRect/>
-          <a:stretch>
-            <a:fillRect/>
-          </a:stretch>
-        </p:blipFill>
-        <p:spPr bwMode="auto">
-          <a:xfrm>
-            <a:off x="4061748" y="3573016"/>
-            <a:ext cx="4858985" cy="719166"/>
-          </a:xfrm>
-          <a:prstGeom prst="rect">
-            <a:avLst/>
-          </a:prstGeom>
-          <a:noFill/>
-          <a:extLst>
-            <a:ext uri="{909E8E84-426E-40DD-AFC4-6F175D3DCCD1}">
-              <a14:hiddenFill xmlns:a14="http://schemas.microsoft.com/office/drawing/2010/main">
-                <a:solidFill>
-                  <a:srgbClr val="FFFFFF"/>
-                </a:solidFill>
-              </a14:hiddenFill>
-            </a:ext>
-          </a:extLst>
-        </p:spPr>
-      </p:pic>
-      <p:sp>
-        <p:nvSpPr>
-          <p:cNvPr id="4" name="Slide Number Placeholder 3">
-            <a:extLst>
-              <a:ext uri="{FF2B5EF4-FFF2-40B4-BE49-F238E27FC236}">
-                <a16:creationId xmlns:a16="http://schemas.microsoft.com/office/drawing/2014/main" id="{0F3EFB67-0BB7-4EE7-8621-91042C112821}"/>
-              </a:ext>
-            </a:extLst>
-          </p:cNvPr>
-          <p:cNvSpPr>
-            <a:spLocks noGrp="1"/>
-          </p:cNvSpPr>
-          <p:nvPr>
-            <p:ph type="sldNum" sz="quarter" idx="4294967295"/>
-          </p:nvPr>
-        </p:nvSpPr>
-        <p:spPr/>
-        <p:txBody>
-          <a:bodyPr>
-            <a:normAutofit fontScale="25000" lnSpcReduction="20000"/>
-          </a:bodyPr>
-          <a:lstStyle/>
-          <a:p>
-            <a:fld id="{4FAB73BC-B049-4115-A692-8D63A059BFB8}" type="slidenum">
-              <a:rPr lang="en-US" smtClean="0"/>
-              <a:t>12</a:t>
-            </a:fld>
-            <a:endParaRPr lang="en-US" dirty="0"/>
-          </a:p>
-        </p:txBody>
-      </p:sp>
-    </p:spTree>
-    <p:extLst>
-      <p:ext uri="{BB962C8B-B14F-4D97-AF65-F5344CB8AC3E}">
-        <p14:creationId xmlns:p14="http://schemas.microsoft.com/office/powerpoint/2010/main" val="636031390"/>
-      </p:ext>
-    </p:extLst>
-  </p:cSld>
-  <p:clrMapOvr>
-    <a:masterClrMapping/>
-  </p:clrMapOvr>
-</p:sld>
-</file>
-
-<file path=ppt/slides/slide13.xml><?xml version="1.0" encoding="utf-8"?>
-<p:sld xmlns:a="http://schemas.openxmlformats.org/drawingml/2006/main" xmlns:r="http://schemas.openxmlformats.org/officeDocument/2006/relationships" xmlns:p="http://schemas.openxmlformats.org/presentationml/2006/main">
-  <p:cSld>
-    <p:spTree>
-      <p:nvGrpSpPr>
-        <p:cNvPr id="1" name=""/>
-        <p:cNvGrpSpPr/>
-        <p:nvPr/>
-      </p:nvGrpSpPr>
-      <p:grpSpPr>
-        <a:xfrm>
-          <a:off x="0" y="0"/>
-          <a:ext cx="0" cy="0"/>
-          <a:chOff x="0" y="0"/>
-          <a:chExt cx="0" cy="0"/>
-        </a:xfrm>
-      </p:grpSpPr>
-      <p:sp>
-        <p:nvSpPr>
-          <p:cNvPr id="2" name="Titre 1"/>
-          <p:cNvSpPr>
-            <a:spLocks noGrp="1"/>
-          </p:cNvSpPr>
-          <p:nvPr>
-            <p:ph type="title"/>
-          </p:nvPr>
-        </p:nvSpPr>
-        <p:spPr/>
-        <p:txBody>
-          <a:bodyPr/>
-          <a:lstStyle/>
-          <a:p>
-            <a:r>
-              <a:rPr lang="fr-FR" dirty="0" err="1"/>
-              <a:t>Random</a:t>
-            </a:r>
-            <a:endParaRPr lang="fr-FR" dirty="0"/>
-          </a:p>
-        </p:txBody>
-      </p:sp>
-      <p:pic>
-        <p:nvPicPr>
-          <p:cNvPr id="4" name="Image 3"/>
-          <p:cNvPicPr>
-            <a:picLocks noChangeAspect="1"/>
-          </p:cNvPicPr>
-          <p:nvPr/>
-        </p:nvPicPr>
-        <p:blipFill>
-          <a:blip r:embed="rId2"/>
-          <a:stretch>
-            <a:fillRect/>
-          </a:stretch>
-        </p:blipFill>
-        <p:spPr>
-          <a:xfrm>
-            <a:off x="827584" y="1156209"/>
-            <a:ext cx="7466207" cy="3744416"/>
-          </a:xfrm>
-          <a:prstGeom prst="rect">
-            <a:avLst/>
-          </a:prstGeom>
-        </p:spPr>
-      </p:pic>
-    </p:spTree>
-    <p:extLst>
-      <p:ext uri="{BB962C8B-B14F-4D97-AF65-F5344CB8AC3E}">
-        <p14:creationId xmlns:p14="http://schemas.microsoft.com/office/powerpoint/2010/main" val="2677605873"/>
-      </p:ext>
-    </p:extLst>
-  </p:cSld>
-  <p:clrMapOvr>
-    <a:masterClrMapping/>
-  </p:clrMapOvr>
-</p:sld>
-</file>
-
-<file path=ppt/slides/slide14.xml><?xml version="1.0" encoding="utf-8"?>
-<p:sld xmlns:a="http://schemas.openxmlformats.org/drawingml/2006/main" xmlns:r="http://schemas.openxmlformats.org/officeDocument/2006/relationships" xmlns:p="http://schemas.openxmlformats.org/presentationml/2006/main">
-  <p:cSld>
-    <p:spTree>
-      <p:nvGrpSpPr>
-        <p:cNvPr id="1" name=""/>
-        <p:cNvGrpSpPr/>
-        <p:nvPr/>
-      </p:nvGrpSpPr>
-      <p:grpSpPr>
-        <a:xfrm>
-          <a:off x="0" y="0"/>
-          <a:ext cx="0" cy="0"/>
-          <a:chOff x="0" y="0"/>
-          <a:chExt cx="0" cy="0"/>
-        </a:xfrm>
-      </p:grpSpPr>
-      <p:sp>
-        <p:nvSpPr>
-          <p:cNvPr id="2" name="Title 1">
-            <a:extLst>
-              <a:ext uri="{FF2B5EF4-FFF2-40B4-BE49-F238E27FC236}">
-                <a16:creationId xmlns:a16="http://schemas.microsoft.com/office/drawing/2014/main" id="{F8C3A89D-B04F-4FF7-B864-B3F9BBFBE530}"/>
-              </a:ext>
-            </a:extLst>
-          </p:cNvPr>
-          <p:cNvSpPr>
-            <a:spLocks noGrp="1"/>
-          </p:cNvSpPr>
-          <p:nvPr>
-            <p:ph type="title"/>
-          </p:nvPr>
-        </p:nvSpPr>
-        <p:spPr/>
-        <p:txBody>
-          <a:bodyPr/>
-          <a:lstStyle/>
-          <a:p>
-            <a:r>
-              <a:rPr lang="en-US" dirty="0"/>
-              <a:t>Arrays, creation</a:t>
-            </a:r>
-          </a:p>
-        </p:txBody>
-      </p:sp>
-      <p:sp>
-        <p:nvSpPr>
-          <p:cNvPr id="3" name="Content Placeholder 2">
-            <a:extLst>
-              <a:ext uri="{FF2B5EF4-FFF2-40B4-BE49-F238E27FC236}">
-                <a16:creationId xmlns:a16="http://schemas.microsoft.com/office/drawing/2014/main" id="{E06060F4-F2F0-4A93-BA3A-8F21AA583A86}"/>
-              </a:ext>
-            </a:extLst>
-          </p:cNvPr>
-          <p:cNvSpPr>
-            <a:spLocks noGrp="1"/>
-          </p:cNvSpPr>
-          <p:nvPr>
-            <p:ph sz="half" idx="1"/>
-          </p:nvPr>
-        </p:nvSpPr>
-        <p:spPr/>
-        <p:txBody>
-          <a:bodyPr/>
-          <a:lstStyle/>
-          <a:p>
-            <a:r>
-              <a:rPr lang="en-US" dirty="0" err="1"/>
-              <a:t>np.ones</a:t>
-            </a:r>
-            <a:r>
-              <a:rPr lang="en-US" dirty="0"/>
-              <a:t>, </a:t>
-            </a:r>
-            <a:r>
-              <a:rPr lang="en-US" dirty="0" err="1"/>
-              <a:t>np.zeros</a:t>
-            </a:r>
-            <a:endParaRPr lang="en-US" dirty="0"/>
-          </a:p>
-          <a:p>
-            <a:r>
-              <a:rPr lang="en-US" dirty="0" err="1"/>
-              <a:t>np.arange</a:t>
-            </a:r>
-            <a:endParaRPr lang="en-US" dirty="0"/>
-          </a:p>
-          <a:p>
-            <a:r>
-              <a:rPr lang="en-US" dirty="0" err="1"/>
-              <a:t>np.concatenate</a:t>
-            </a:r>
-            <a:endParaRPr lang="en-US" dirty="0"/>
-          </a:p>
-          <a:p>
-            <a:r>
-              <a:rPr lang="en-US" dirty="0" err="1"/>
-              <a:t>np.astype</a:t>
-            </a:r>
-            <a:endParaRPr lang="en-US" dirty="0"/>
-          </a:p>
-          <a:p>
-            <a:r>
               <a:rPr lang="en-US" dirty="0" err="1"/>
               <a:t>np.zeros_like</a:t>
             </a:r>
@@ -4616,7 +3969,7 @@
           <a:p>
             <a:fld id="{4FAB73BC-B049-4115-A692-8D63A059BFB8}" type="slidenum">
               <a:rPr lang="en-US" smtClean="0"/>
-              <a:t>14</a:t>
+              <a:t>10</a:t>
             </a:fld>
             <a:endParaRPr lang="en-US" dirty="0"/>
           </a:p>
@@ -4635,7 +3988,7 @@
 </p:sld>
 </file>
 
-<file path=ppt/slides/slide15.xml><?xml version="1.0" encoding="utf-8"?>
+<file path=ppt/slides/slide11.xml><?xml version="1.0" encoding="utf-8"?>
 <p:sld xmlns:a="http://schemas.openxmlformats.org/drawingml/2006/main" xmlns:r="http://schemas.openxmlformats.org/officeDocument/2006/relationships" xmlns:p="http://schemas.openxmlformats.org/presentationml/2006/main">
   <p:cSld>
     <p:spTree>
@@ -4762,7 +4115,7 @@
           <a:p>
             <a:fld id="{4FAB73BC-B049-4115-A692-8D63A059BFB8}" type="slidenum">
               <a:rPr lang="en-US" smtClean="0"/>
-              <a:t>15</a:t>
+              <a:t>11</a:t>
             </a:fld>
             <a:endParaRPr lang="en-US" dirty="0"/>
           </a:p>
@@ -4828,7 +4181,7 @@
 </p:sld>
 </file>
 
-<file path=ppt/slides/slide16.xml><?xml version="1.0" encoding="utf-8"?>
+<file path=ppt/slides/slide12.xml><?xml version="1.0" encoding="utf-8"?>
 <p:sld xmlns:a="http://schemas.openxmlformats.org/drawingml/2006/main" xmlns:r="http://schemas.openxmlformats.org/officeDocument/2006/relationships" xmlns:p="http://schemas.openxmlformats.org/presentationml/2006/main">
   <p:cSld>
     <p:spTree>
@@ -4958,6 +4311,511 @@
 </p:sld>
 </file>
 
+<file path=ppt/slides/slide13.xml><?xml version="1.0" encoding="utf-8"?>
+<p:sld xmlns:a="http://schemas.openxmlformats.org/drawingml/2006/main" xmlns:r="http://schemas.openxmlformats.org/officeDocument/2006/relationships" xmlns:p="http://schemas.openxmlformats.org/presentationml/2006/main">
+  <p:cSld>
+    <p:spTree>
+      <p:nvGrpSpPr>
+        <p:cNvPr id="1" name=""/>
+        <p:cNvGrpSpPr/>
+        <p:nvPr/>
+      </p:nvGrpSpPr>
+      <p:grpSpPr>
+        <a:xfrm>
+          <a:off x="0" y="0"/>
+          <a:ext cx="0" cy="0"/>
+          <a:chOff x="0" y="0"/>
+          <a:chExt cx="0" cy="0"/>
+        </a:xfrm>
+      </p:grpSpPr>
+      <p:sp>
+        <p:nvSpPr>
+          <p:cNvPr id="2" name="Titre 1"/>
+          <p:cNvSpPr>
+            <a:spLocks noGrp="1"/>
+          </p:cNvSpPr>
+          <p:nvPr>
+            <p:ph type="title"/>
+          </p:nvPr>
+        </p:nvSpPr>
+        <p:spPr/>
+        <p:txBody>
+          <a:bodyPr/>
+          <a:lstStyle/>
+          <a:p>
+            <a:r>
+              <a:rPr lang="fr-FR" dirty="0"/>
+              <a:t>Réduction</a:t>
+            </a:r>
+          </a:p>
+        </p:txBody>
+      </p:sp>
+      <p:sp>
+        <p:nvSpPr>
+          <p:cNvPr id="3" name="Espace réservé du contenu 2"/>
+          <p:cNvSpPr>
+            <a:spLocks noGrp="1"/>
+          </p:cNvSpPr>
+          <p:nvPr>
+            <p:ph idx="1"/>
+          </p:nvPr>
+        </p:nvSpPr>
+        <p:spPr/>
+        <p:txBody>
+          <a:bodyPr/>
+          <a:lstStyle/>
+          <a:p>
+            <a:r>
+              <a:rPr lang="fr-FR" dirty="0"/>
+              <a:t>Les fonction de réduction de base existent</a:t>
+            </a:r>
+          </a:p>
+          <a:p>
+            <a:pPr lvl="1"/>
+            <a:r>
+              <a:rPr lang="fr-FR" dirty="0" err="1"/>
+              <a:t>Sum</a:t>
+            </a:r>
+            <a:endParaRPr lang="fr-FR" dirty="0"/>
+          </a:p>
+          <a:p>
+            <a:pPr lvl="1"/>
+            <a:r>
+              <a:rPr lang="fr-FR" dirty="0"/>
+              <a:t>Max</a:t>
+            </a:r>
+          </a:p>
+          <a:p>
+            <a:pPr lvl="1"/>
+            <a:r>
+              <a:rPr lang="fr-FR" dirty="0"/>
+              <a:t>Min</a:t>
+            </a:r>
+          </a:p>
+          <a:p>
+            <a:pPr lvl="1"/>
+            <a:r>
+              <a:rPr lang="fr-FR" dirty="0"/>
+              <a:t>…</a:t>
+            </a:r>
+          </a:p>
+        </p:txBody>
+      </p:sp>
+    </p:spTree>
+    <p:extLst>
+      <p:ext uri="{BB962C8B-B14F-4D97-AF65-F5344CB8AC3E}">
+        <p14:creationId xmlns:p14="http://schemas.microsoft.com/office/powerpoint/2010/main" val="190882761"/>
+      </p:ext>
+    </p:extLst>
+  </p:cSld>
+  <p:clrMapOvr>
+    <a:masterClrMapping/>
+  </p:clrMapOvr>
+</p:sld>
+</file>
+
+<file path=ppt/slides/slide14.xml><?xml version="1.0" encoding="utf-8"?>
+<p:sld xmlns:a="http://schemas.openxmlformats.org/drawingml/2006/main" xmlns:r="http://schemas.openxmlformats.org/officeDocument/2006/relationships" xmlns:p="http://schemas.openxmlformats.org/presentationml/2006/main">
+  <p:cSld>
+    <p:spTree>
+      <p:nvGrpSpPr>
+        <p:cNvPr id="1" name=""/>
+        <p:cNvGrpSpPr/>
+        <p:nvPr/>
+      </p:nvGrpSpPr>
+      <p:grpSpPr>
+        <a:xfrm>
+          <a:off x="0" y="0"/>
+          <a:ext cx="0" cy="0"/>
+          <a:chOff x="0" y="0"/>
+          <a:chExt cx="0" cy="0"/>
+        </a:xfrm>
+      </p:grpSpPr>
+      <p:sp>
+        <p:nvSpPr>
+          <p:cNvPr id="2" name="Titre 1"/>
+          <p:cNvSpPr>
+            <a:spLocks noGrp="1"/>
+          </p:cNvSpPr>
+          <p:nvPr>
+            <p:ph type="title"/>
+          </p:nvPr>
+        </p:nvSpPr>
+        <p:spPr/>
+        <p:txBody>
+          <a:bodyPr/>
+          <a:lstStyle/>
+          <a:p>
+            <a:r>
+              <a:rPr lang="fr-FR" dirty="0"/>
+              <a:t>Propriétés des tableaux</a:t>
+            </a:r>
+          </a:p>
+        </p:txBody>
+      </p:sp>
+      <p:sp>
+        <p:nvSpPr>
+          <p:cNvPr id="3" name="Espace réservé du contenu 2"/>
+          <p:cNvSpPr>
+            <a:spLocks noGrp="1"/>
+          </p:cNvSpPr>
+          <p:nvPr>
+            <p:ph idx="1"/>
+          </p:nvPr>
+        </p:nvSpPr>
+        <p:spPr/>
+        <p:txBody>
+          <a:bodyPr/>
+          <a:lstStyle/>
+          <a:p>
+            <a:r>
+              <a:rPr lang="fr-FR" dirty="0" err="1"/>
+              <a:t>np.random.seed</a:t>
+            </a:r>
+            <a:r>
+              <a:rPr lang="fr-FR" dirty="0"/>
+              <a:t>(0)</a:t>
+            </a:r>
+          </a:p>
+          <a:p>
+            <a:r>
+              <a:rPr lang="fr-FR" dirty="0"/>
+              <a:t>x1 = </a:t>
+            </a:r>
+            <a:r>
+              <a:rPr lang="fr-FR" dirty="0" err="1"/>
+              <a:t>np.random.randint</a:t>
+            </a:r>
+            <a:r>
+              <a:rPr lang="fr-FR" dirty="0"/>
+              <a:t>(10, size=6)</a:t>
+            </a:r>
+          </a:p>
+          <a:p>
+            <a:r>
+              <a:rPr lang="fr-FR" dirty="0" err="1"/>
+              <a:t>print</a:t>
+            </a:r>
+            <a:r>
+              <a:rPr lang="fr-FR" dirty="0"/>
+              <a:t>("nombre de dimensions de x1: ", x1.ndim)</a:t>
+            </a:r>
+          </a:p>
+          <a:p>
+            <a:r>
+              <a:rPr lang="fr-FR" dirty="0" err="1"/>
+              <a:t>print</a:t>
+            </a:r>
+            <a:r>
+              <a:rPr lang="fr-FR" dirty="0"/>
+              <a:t>("forme de x1: ", x1.shape)</a:t>
+            </a:r>
+          </a:p>
+          <a:p>
+            <a:r>
+              <a:rPr lang="fr-FR" dirty="0" err="1"/>
+              <a:t>print</a:t>
+            </a:r>
+            <a:r>
+              <a:rPr lang="fr-FR" dirty="0"/>
+              <a:t>("taille de x1: ", x1.size)</a:t>
+            </a:r>
+          </a:p>
+          <a:p>
+            <a:r>
+              <a:rPr lang="fr-FR" dirty="0" err="1"/>
+              <a:t>print</a:t>
+            </a:r>
+            <a:r>
+              <a:rPr lang="fr-FR" dirty="0"/>
+              <a:t>("type de x1: ", x1.dtype)</a:t>
+            </a:r>
+          </a:p>
+        </p:txBody>
+      </p:sp>
+    </p:spTree>
+    <p:extLst>
+      <p:ext uri="{BB962C8B-B14F-4D97-AF65-F5344CB8AC3E}">
+        <p14:creationId xmlns:p14="http://schemas.microsoft.com/office/powerpoint/2010/main" val="2020021898"/>
+      </p:ext>
+    </p:extLst>
+  </p:cSld>
+  <p:clrMapOvr>
+    <a:masterClrMapping/>
+  </p:clrMapOvr>
+</p:sld>
+</file>
+
+<file path=ppt/slides/slide15.xml><?xml version="1.0" encoding="utf-8"?>
+<p:sld xmlns:a="http://schemas.openxmlformats.org/drawingml/2006/main" xmlns:r="http://schemas.openxmlformats.org/officeDocument/2006/relationships" xmlns:p="http://schemas.openxmlformats.org/presentationml/2006/main">
+  <p:cSld>
+    <p:spTree>
+      <p:nvGrpSpPr>
+        <p:cNvPr id="1" name=""/>
+        <p:cNvGrpSpPr/>
+        <p:nvPr/>
+      </p:nvGrpSpPr>
+      <p:grpSpPr>
+        <a:xfrm>
+          <a:off x="0" y="0"/>
+          <a:ext cx="0" cy="0"/>
+          <a:chOff x="0" y="0"/>
+          <a:chExt cx="0" cy="0"/>
+        </a:xfrm>
+      </p:grpSpPr>
+      <p:sp>
+        <p:nvSpPr>
+          <p:cNvPr id="2" name="Titre 1"/>
+          <p:cNvSpPr>
+            <a:spLocks noGrp="1"/>
+          </p:cNvSpPr>
+          <p:nvPr>
+            <p:ph type="title"/>
+          </p:nvPr>
+        </p:nvSpPr>
+        <p:spPr/>
+        <p:txBody>
+          <a:bodyPr/>
+          <a:lstStyle/>
+          <a:p>
+            <a:r>
+              <a:rPr lang="fr-FR" dirty="0"/>
+              <a:t>Indexation</a:t>
+            </a:r>
+          </a:p>
+        </p:txBody>
+      </p:sp>
+      <p:sp>
+        <p:nvSpPr>
+          <p:cNvPr id="3" name="Espace réservé du contenu 2"/>
+          <p:cNvSpPr>
+            <a:spLocks noGrp="1"/>
+          </p:cNvSpPr>
+          <p:nvPr>
+            <p:ph idx="1"/>
+          </p:nvPr>
+        </p:nvSpPr>
+        <p:spPr/>
+        <p:txBody>
+          <a:bodyPr/>
+          <a:lstStyle/>
+          <a:p>
+            <a:r>
+              <a:rPr lang="fr-FR" dirty="0"/>
+              <a:t>Identique à Python</a:t>
+            </a:r>
+          </a:p>
+          <a:p>
+            <a:pPr lvl="1"/>
+            <a:r>
+              <a:rPr lang="fr-FR" dirty="0" err="1"/>
+              <a:t>print</a:t>
+            </a:r>
+            <a:r>
+              <a:rPr lang="fr-FR" dirty="0"/>
+              <a:t>(x1[0])</a:t>
+            </a:r>
+          </a:p>
+          <a:p>
+            <a:pPr lvl="1"/>
+            <a:r>
+              <a:rPr lang="fr-FR" dirty="0" err="1"/>
+              <a:t>print</a:t>
+            </a:r>
+            <a:r>
+              <a:rPr lang="fr-FR" dirty="0"/>
+              <a:t>(x1[-1])</a:t>
+            </a:r>
+          </a:p>
+          <a:p>
+            <a:pPr lvl="1"/>
+            <a:r>
+              <a:rPr lang="fr-FR" dirty="0"/>
+              <a:t>x1[1] = 1000</a:t>
+            </a:r>
+          </a:p>
+          <a:p>
+            <a:pPr lvl="1"/>
+            <a:r>
+              <a:rPr lang="fr-FR" dirty="0" err="1"/>
+              <a:t>print</a:t>
+            </a:r>
+            <a:r>
+              <a:rPr lang="fr-FR" dirty="0"/>
+              <a:t>(x1[2:5]) # De 2 à 5 non inclus</a:t>
+            </a:r>
+          </a:p>
+          <a:p>
+            <a:pPr lvl="1"/>
+            <a:r>
+              <a:rPr lang="fr-FR" dirty="0" err="1"/>
+              <a:t>print</a:t>
+            </a:r>
+            <a:r>
+              <a:rPr lang="fr-FR" dirty="0"/>
+              <a:t>(x1[:5])  # Les cinq premiers éléments</a:t>
+            </a:r>
+          </a:p>
+          <a:p>
+            <a:pPr lvl="1"/>
+            <a:r>
+              <a:rPr lang="fr-FR" dirty="0" err="1"/>
+              <a:t>print</a:t>
+            </a:r>
+            <a:r>
+              <a:rPr lang="fr-FR" dirty="0"/>
+              <a:t>(x1[5:])  # Les éléments à partir de l'index 5</a:t>
+            </a:r>
+          </a:p>
+          <a:p>
+            <a:pPr lvl="1"/>
+            <a:r>
+              <a:rPr lang="fr-FR" dirty="0" err="1"/>
+              <a:t>print</a:t>
+            </a:r>
+            <a:r>
+              <a:rPr lang="fr-FR" dirty="0"/>
+              <a:t>(x1[::2])  # Un élément sur deux</a:t>
+            </a:r>
+          </a:p>
+        </p:txBody>
+      </p:sp>
+    </p:spTree>
+    <p:extLst>
+      <p:ext uri="{BB962C8B-B14F-4D97-AF65-F5344CB8AC3E}">
+        <p14:creationId xmlns:p14="http://schemas.microsoft.com/office/powerpoint/2010/main" val="504008724"/>
+      </p:ext>
+    </p:extLst>
+  </p:cSld>
+  <p:clrMapOvr>
+    <a:masterClrMapping/>
+  </p:clrMapOvr>
+</p:sld>
+</file>
+
+<file path=ppt/slides/slide16.xml><?xml version="1.0" encoding="utf-8"?>
+<p:sld xmlns:a="http://schemas.openxmlformats.org/drawingml/2006/main" xmlns:r="http://schemas.openxmlformats.org/officeDocument/2006/relationships" xmlns:p="http://schemas.openxmlformats.org/presentationml/2006/main">
+  <p:cSld>
+    <p:spTree>
+      <p:nvGrpSpPr>
+        <p:cNvPr id="1" name=""/>
+        <p:cNvGrpSpPr/>
+        <p:nvPr/>
+      </p:nvGrpSpPr>
+      <p:grpSpPr>
+        <a:xfrm>
+          <a:off x="0" y="0"/>
+          <a:ext cx="0" cy="0"/>
+          <a:chOff x="0" y="0"/>
+          <a:chExt cx="0" cy="0"/>
+        </a:xfrm>
+      </p:grpSpPr>
+      <p:sp>
+        <p:nvSpPr>
+          <p:cNvPr id="2" name="Titre 1"/>
+          <p:cNvSpPr>
+            <a:spLocks noGrp="1"/>
+          </p:cNvSpPr>
+          <p:nvPr>
+            <p:ph type="title"/>
+          </p:nvPr>
+        </p:nvSpPr>
+        <p:spPr/>
+        <p:txBody>
+          <a:bodyPr/>
+          <a:lstStyle/>
+          <a:p>
+            <a:r>
+              <a:rPr lang="fr-FR" dirty="0"/>
+              <a:t>Filtrage</a:t>
+            </a:r>
+          </a:p>
+        </p:txBody>
+      </p:sp>
+      <p:sp>
+        <p:nvSpPr>
+          <p:cNvPr id="3" name="Espace réservé du contenu 2"/>
+          <p:cNvSpPr>
+            <a:spLocks noGrp="1"/>
+          </p:cNvSpPr>
+          <p:nvPr>
+            <p:ph idx="1"/>
+          </p:nvPr>
+        </p:nvSpPr>
+        <p:spPr/>
+        <p:txBody>
+          <a:bodyPr/>
+          <a:lstStyle/>
+          <a:p>
+            <a:r>
+              <a:rPr lang="fr-FR" dirty="0"/>
+              <a:t>x = </a:t>
+            </a:r>
+            <a:r>
+              <a:rPr lang="fr-FR" dirty="0" err="1"/>
+              <a:t>np.random.rand</a:t>
+            </a:r>
+            <a:r>
+              <a:rPr lang="fr-FR" dirty="0"/>
+              <a:t>(10)</a:t>
+            </a:r>
+          </a:p>
+          <a:p>
+            <a:r>
+              <a:rPr lang="fr-FR" dirty="0"/>
+              <a:t>x &gt; 0.5</a:t>
+            </a:r>
+          </a:p>
+          <a:p>
+            <a:pPr lvl="1"/>
+            <a:r>
+              <a:rPr lang="fr-FR" dirty="0"/>
+              <a:t>Renvoie un tableau de booléens</a:t>
+            </a:r>
+          </a:p>
+          <a:p>
+            <a:r>
+              <a:rPr lang="fr-FR" dirty="0"/>
+              <a:t>X[</a:t>
+            </a:r>
+            <a:r>
+              <a:rPr lang="fr-FR" dirty="0" err="1"/>
+              <a:t>booleans</a:t>
+            </a:r>
+            <a:r>
+              <a:rPr lang="fr-FR" dirty="0"/>
+              <a:t>]</a:t>
+            </a:r>
+          </a:p>
+          <a:p>
+            <a:pPr lvl="1"/>
+            <a:r>
+              <a:rPr lang="fr-FR" dirty="0"/>
+              <a:t>Filtre</a:t>
+            </a:r>
+          </a:p>
+          <a:p>
+            <a:pPr lvl="1"/>
+            <a:r>
+              <a:rPr lang="fr-FR" dirty="0"/>
+              <a:t>X[x &gt; 0.5]</a:t>
+            </a:r>
+          </a:p>
+        </p:txBody>
+      </p:sp>
+    </p:spTree>
+    <p:extLst>
+      <p:ext uri="{BB962C8B-B14F-4D97-AF65-F5344CB8AC3E}">
+        <p14:creationId xmlns:p14="http://schemas.microsoft.com/office/powerpoint/2010/main" val="1871390466"/>
+      </p:ext>
+    </p:extLst>
+  </p:cSld>
+  <p:clrMapOvr>
+    <a:masterClrMapping/>
+  </p:clrMapOvr>
+</p:sld>
+</file>
+
 <file path=ppt/slides/slide17.xml><?xml version="1.0" encoding="utf-8"?>
 <p:sld xmlns:a="http://schemas.openxmlformats.org/drawingml/2006/main" xmlns:r="http://schemas.openxmlformats.org/officeDocument/2006/relationships" xmlns:p="http://schemas.openxmlformats.org/presentationml/2006/main">
   <p:cSld>
@@ -4991,9 +4849,10 @@
           <a:lstStyle/>
           <a:p>
             <a:r>
-              <a:rPr lang="fr-FR" dirty="0"/>
-              <a:t>Réduction</a:t>
-            </a:r>
+              <a:rPr lang="fr-FR" dirty="0" err="1"/>
+              <a:t>Matplotlib</a:t>
+            </a:r>
+            <a:endParaRPr lang="fr-FR" dirty="0"/>
           </a:p>
         </p:txBody>
       </p:sp>
@@ -5013,649 +4872,6 @@
           <a:lstStyle/>
           <a:p>
             <a:r>
-              <a:rPr lang="fr-FR" dirty="0"/>
-              <a:t>Les fonction de réduction de base existent</a:t>
-            </a:r>
-          </a:p>
-          <a:p>
-            <a:pPr lvl="1"/>
-            <a:r>
-              <a:rPr lang="fr-FR" dirty="0" err="1"/>
-              <a:t>Sum</a:t>
-            </a:r>
-            <a:endParaRPr lang="fr-FR" dirty="0"/>
-          </a:p>
-          <a:p>
-            <a:pPr lvl="1"/>
-            <a:r>
-              <a:rPr lang="fr-FR" dirty="0"/>
-              <a:t>Max</a:t>
-            </a:r>
-          </a:p>
-          <a:p>
-            <a:pPr lvl="1"/>
-            <a:r>
-              <a:rPr lang="fr-FR" dirty="0"/>
-              <a:t>Min</a:t>
-            </a:r>
-          </a:p>
-          <a:p>
-            <a:pPr lvl="1"/>
-            <a:r>
-              <a:rPr lang="fr-FR" dirty="0"/>
-              <a:t>…</a:t>
-            </a:r>
-          </a:p>
-        </p:txBody>
-      </p:sp>
-    </p:spTree>
-    <p:extLst>
-      <p:ext uri="{BB962C8B-B14F-4D97-AF65-F5344CB8AC3E}">
-        <p14:creationId xmlns:p14="http://schemas.microsoft.com/office/powerpoint/2010/main" val="190882761"/>
-      </p:ext>
-    </p:extLst>
-  </p:cSld>
-  <p:clrMapOvr>
-    <a:masterClrMapping/>
-  </p:clrMapOvr>
-</p:sld>
-</file>
-
-<file path=ppt/slides/slide18.xml><?xml version="1.0" encoding="utf-8"?>
-<p:sld xmlns:a="http://schemas.openxmlformats.org/drawingml/2006/main" xmlns:r="http://schemas.openxmlformats.org/officeDocument/2006/relationships" xmlns:p="http://schemas.openxmlformats.org/presentationml/2006/main">
-  <p:cSld>
-    <p:spTree>
-      <p:nvGrpSpPr>
-        <p:cNvPr id="1" name=""/>
-        <p:cNvGrpSpPr/>
-        <p:nvPr/>
-      </p:nvGrpSpPr>
-      <p:grpSpPr>
-        <a:xfrm>
-          <a:off x="0" y="0"/>
-          <a:ext cx="0" cy="0"/>
-          <a:chOff x="0" y="0"/>
-          <a:chExt cx="0" cy="0"/>
-        </a:xfrm>
-      </p:grpSpPr>
-      <p:sp>
-        <p:nvSpPr>
-          <p:cNvPr id="2" name="Titre 1"/>
-          <p:cNvSpPr>
-            <a:spLocks noGrp="1"/>
-          </p:cNvSpPr>
-          <p:nvPr>
-            <p:ph type="title"/>
-          </p:nvPr>
-        </p:nvSpPr>
-        <p:spPr/>
-        <p:txBody>
-          <a:bodyPr/>
-          <a:lstStyle/>
-          <a:p>
-            <a:r>
-              <a:rPr lang="fr-FR" dirty="0"/>
-              <a:t>Propriétés des tableaux</a:t>
-            </a:r>
-          </a:p>
-        </p:txBody>
-      </p:sp>
-      <p:sp>
-        <p:nvSpPr>
-          <p:cNvPr id="3" name="Espace réservé du contenu 2"/>
-          <p:cNvSpPr>
-            <a:spLocks noGrp="1"/>
-          </p:cNvSpPr>
-          <p:nvPr>
-            <p:ph idx="1"/>
-          </p:nvPr>
-        </p:nvSpPr>
-        <p:spPr/>
-        <p:txBody>
-          <a:bodyPr/>
-          <a:lstStyle/>
-          <a:p>
-            <a:r>
-              <a:rPr lang="fr-FR" dirty="0" err="1"/>
-              <a:t>np.random.seed</a:t>
-            </a:r>
-            <a:r>
-              <a:rPr lang="fr-FR" dirty="0"/>
-              <a:t>(0)</a:t>
-            </a:r>
-          </a:p>
-          <a:p>
-            <a:r>
-              <a:rPr lang="fr-FR" dirty="0"/>
-              <a:t>x1 = </a:t>
-            </a:r>
-            <a:r>
-              <a:rPr lang="fr-FR" dirty="0" err="1"/>
-              <a:t>np.random.randint</a:t>
-            </a:r>
-            <a:r>
-              <a:rPr lang="fr-FR" dirty="0"/>
-              <a:t>(10, size=6)</a:t>
-            </a:r>
-          </a:p>
-          <a:p>
-            <a:r>
-              <a:rPr lang="fr-FR" dirty="0" err="1"/>
-              <a:t>print</a:t>
-            </a:r>
-            <a:r>
-              <a:rPr lang="fr-FR" dirty="0"/>
-              <a:t>("nombre de dimensions de x1: ", x1.ndim)</a:t>
-            </a:r>
-          </a:p>
-          <a:p>
-            <a:r>
-              <a:rPr lang="fr-FR" dirty="0" err="1"/>
-              <a:t>print</a:t>
-            </a:r>
-            <a:r>
-              <a:rPr lang="fr-FR" dirty="0"/>
-              <a:t>("forme de x1: ", x1.shape)</a:t>
-            </a:r>
-          </a:p>
-          <a:p>
-            <a:r>
-              <a:rPr lang="fr-FR" dirty="0" err="1"/>
-              <a:t>print</a:t>
-            </a:r>
-            <a:r>
-              <a:rPr lang="fr-FR" dirty="0"/>
-              <a:t>("taille de x1: ", x1.size)</a:t>
-            </a:r>
-          </a:p>
-          <a:p>
-            <a:r>
-              <a:rPr lang="fr-FR" dirty="0" err="1"/>
-              <a:t>print</a:t>
-            </a:r>
-            <a:r>
-              <a:rPr lang="fr-FR" dirty="0"/>
-              <a:t>("type de x1: ", x1.dtype)</a:t>
-            </a:r>
-          </a:p>
-        </p:txBody>
-      </p:sp>
-    </p:spTree>
-    <p:extLst>
-      <p:ext uri="{BB962C8B-B14F-4D97-AF65-F5344CB8AC3E}">
-        <p14:creationId xmlns:p14="http://schemas.microsoft.com/office/powerpoint/2010/main" val="2020021898"/>
-      </p:ext>
-    </p:extLst>
-  </p:cSld>
-  <p:clrMapOvr>
-    <a:masterClrMapping/>
-  </p:clrMapOvr>
-</p:sld>
-</file>
-
-<file path=ppt/slides/slide19.xml><?xml version="1.0" encoding="utf-8"?>
-<p:sld xmlns:a="http://schemas.openxmlformats.org/drawingml/2006/main" xmlns:r="http://schemas.openxmlformats.org/officeDocument/2006/relationships" xmlns:p="http://schemas.openxmlformats.org/presentationml/2006/main">
-  <p:cSld>
-    <p:spTree>
-      <p:nvGrpSpPr>
-        <p:cNvPr id="1" name=""/>
-        <p:cNvGrpSpPr/>
-        <p:nvPr/>
-      </p:nvGrpSpPr>
-      <p:grpSpPr>
-        <a:xfrm>
-          <a:off x="0" y="0"/>
-          <a:ext cx="0" cy="0"/>
-          <a:chOff x="0" y="0"/>
-          <a:chExt cx="0" cy="0"/>
-        </a:xfrm>
-      </p:grpSpPr>
-      <p:sp>
-        <p:nvSpPr>
-          <p:cNvPr id="2" name="Titre 1"/>
-          <p:cNvSpPr>
-            <a:spLocks noGrp="1"/>
-          </p:cNvSpPr>
-          <p:nvPr>
-            <p:ph type="title"/>
-          </p:nvPr>
-        </p:nvSpPr>
-        <p:spPr/>
-        <p:txBody>
-          <a:bodyPr/>
-          <a:lstStyle/>
-          <a:p>
-            <a:r>
-              <a:rPr lang="fr-FR" dirty="0"/>
-              <a:t>Indexation</a:t>
-            </a:r>
-          </a:p>
-        </p:txBody>
-      </p:sp>
-      <p:sp>
-        <p:nvSpPr>
-          <p:cNvPr id="3" name="Espace réservé du contenu 2"/>
-          <p:cNvSpPr>
-            <a:spLocks noGrp="1"/>
-          </p:cNvSpPr>
-          <p:nvPr>
-            <p:ph idx="1"/>
-          </p:nvPr>
-        </p:nvSpPr>
-        <p:spPr/>
-        <p:txBody>
-          <a:bodyPr/>
-          <a:lstStyle/>
-          <a:p>
-            <a:r>
-              <a:rPr lang="fr-FR" dirty="0"/>
-              <a:t>Identique à Python</a:t>
-            </a:r>
-          </a:p>
-          <a:p>
-            <a:pPr lvl="1"/>
-            <a:r>
-              <a:rPr lang="fr-FR" dirty="0" err="1"/>
-              <a:t>print</a:t>
-            </a:r>
-            <a:r>
-              <a:rPr lang="fr-FR" dirty="0"/>
-              <a:t>(x1[0])</a:t>
-            </a:r>
-          </a:p>
-          <a:p>
-            <a:pPr lvl="1"/>
-            <a:r>
-              <a:rPr lang="fr-FR" dirty="0" err="1"/>
-              <a:t>print</a:t>
-            </a:r>
-            <a:r>
-              <a:rPr lang="fr-FR" dirty="0"/>
-              <a:t>(x1[-1])</a:t>
-            </a:r>
-          </a:p>
-          <a:p>
-            <a:pPr lvl="1"/>
-            <a:r>
-              <a:rPr lang="fr-FR" dirty="0"/>
-              <a:t>x1[1] = 1000</a:t>
-            </a:r>
-          </a:p>
-          <a:p>
-            <a:pPr lvl="1"/>
-            <a:r>
-              <a:rPr lang="fr-FR" dirty="0" err="1"/>
-              <a:t>print</a:t>
-            </a:r>
-            <a:r>
-              <a:rPr lang="fr-FR" dirty="0"/>
-              <a:t>(x1[2:5]) # De 2 à 5 non inclus</a:t>
-            </a:r>
-          </a:p>
-          <a:p>
-            <a:pPr lvl="1"/>
-            <a:r>
-              <a:rPr lang="fr-FR" dirty="0" err="1"/>
-              <a:t>print</a:t>
-            </a:r>
-            <a:r>
-              <a:rPr lang="fr-FR" dirty="0"/>
-              <a:t>(x1[:5])  # Les cinq premiers éléments</a:t>
-            </a:r>
-          </a:p>
-          <a:p>
-            <a:pPr lvl="1"/>
-            <a:r>
-              <a:rPr lang="fr-FR" dirty="0" err="1"/>
-              <a:t>print</a:t>
-            </a:r>
-            <a:r>
-              <a:rPr lang="fr-FR" dirty="0"/>
-              <a:t>(x1[5:])  # Les éléments à partir de l'index 5</a:t>
-            </a:r>
-          </a:p>
-          <a:p>
-            <a:pPr lvl="1"/>
-            <a:r>
-              <a:rPr lang="fr-FR" dirty="0" err="1"/>
-              <a:t>print</a:t>
-            </a:r>
-            <a:r>
-              <a:rPr lang="fr-FR" dirty="0"/>
-              <a:t>(x1[::2])  # Un élément sur deux</a:t>
-            </a:r>
-          </a:p>
-        </p:txBody>
-      </p:sp>
-    </p:spTree>
-    <p:extLst>
-      <p:ext uri="{BB962C8B-B14F-4D97-AF65-F5344CB8AC3E}">
-        <p14:creationId xmlns:p14="http://schemas.microsoft.com/office/powerpoint/2010/main" val="504008724"/>
-      </p:ext>
-    </p:extLst>
-  </p:cSld>
-  <p:clrMapOvr>
-    <a:masterClrMapping/>
-  </p:clrMapOvr>
-</p:sld>
-</file>
-
-<file path=ppt/slides/slide2.xml><?xml version="1.0" encoding="utf-8"?>
-<p:sld xmlns:a="http://schemas.openxmlformats.org/drawingml/2006/main" xmlns:r="http://schemas.openxmlformats.org/officeDocument/2006/relationships" xmlns:p="http://schemas.openxmlformats.org/presentationml/2006/main">
-  <p:cSld>
-    <p:spTree>
-      <p:nvGrpSpPr>
-        <p:cNvPr id="1" name=""/>
-        <p:cNvGrpSpPr/>
-        <p:nvPr/>
-      </p:nvGrpSpPr>
-      <p:grpSpPr>
-        <a:xfrm>
-          <a:off x="0" y="0"/>
-          <a:ext cx="0" cy="0"/>
-          <a:chOff x="0" y="0"/>
-          <a:chExt cx="0" cy="0"/>
-        </a:xfrm>
-      </p:grpSpPr>
-      <p:sp>
-        <p:nvSpPr>
-          <p:cNvPr id="2" name="Titre 1"/>
-          <p:cNvSpPr>
-            <a:spLocks noGrp="1"/>
-          </p:cNvSpPr>
-          <p:nvPr>
-            <p:ph type="title"/>
-          </p:nvPr>
-        </p:nvSpPr>
-        <p:spPr/>
-        <p:txBody>
-          <a:bodyPr/>
-          <a:lstStyle/>
-          <a:p>
-            <a:r>
-              <a:rPr lang="fr-FR" dirty="0"/>
-              <a:t>Python et les Maths</a:t>
-            </a:r>
-          </a:p>
-        </p:txBody>
-      </p:sp>
-      <p:sp>
-        <p:nvSpPr>
-          <p:cNvPr id="3" name="Espace réservé du contenu 2"/>
-          <p:cNvSpPr>
-            <a:spLocks noGrp="1"/>
-          </p:cNvSpPr>
-          <p:nvPr>
-            <p:ph idx="1"/>
-          </p:nvPr>
-        </p:nvSpPr>
-        <p:spPr/>
-        <p:txBody>
-          <a:bodyPr/>
-          <a:lstStyle/>
-          <a:p>
-            <a:r>
-              <a:rPr lang="fr-FR" dirty="0"/>
-              <a:t>Python a rencontré un grand succès dans le monde scientifique, mathématiques et de l’IA</a:t>
-            </a:r>
-          </a:p>
-          <a:p>
-            <a:r>
-              <a:rPr lang="fr-FR" dirty="0"/>
-              <a:t>De nombreux modules sont à disposition</a:t>
-            </a:r>
-          </a:p>
-          <a:p>
-            <a:pPr lvl="1"/>
-            <a:r>
-              <a:rPr lang="fr-FR" dirty="0" err="1"/>
-              <a:t>Numpy</a:t>
-            </a:r>
-            <a:r>
-              <a:rPr lang="fr-FR" dirty="0"/>
-              <a:t>, </a:t>
-            </a:r>
-            <a:r>
-              <a:rPr lang="fr-FR" dirty="0" err="1"/>
-              <a:t>Scipy</a:t>
-            </a:r>
-            <a:r>
-              <a:rPr lang="fr-FR" dirty="0"/>
-              <a:t>, </a:t>
-            </a:r>
-            <a:r>
-              <a:rPr lang="fr-FR" dirty="0" err="1"/>
-              <a:t>Scikit-learn</a:t>
-            </a:r>
-            <a:r>
-              <a:rPr lang="fr-FR" dirty="0"/>
-              <a:t>, …</a:t>
-            </a:r>
-          </a:p>
-          <a:p>
-            <a:r>
-              <a:rPr lang="fr-FR" dirty="0"/>
-              <a:t>Le module math possède les méthodes de base</a:t>
-            </a:r>
-          </a:p>
-        </p:txBody>
-      </p:sp>
-      <p:pic>
-        <p:nvPicPr>
-          <p:cNvPr id="5" name="Image 4"/>
-          <p:cNvPicPr>
-            <a:picLocks noChangeAspect="1"/>
-          </p:cNvPicPr>
-          <p:nvPr/>
-        </p:nvPicPr>
-        <p:blipFill>
-          <a:blip r:embed="rId2"/>
-          <a:stretch>
-            <a:fillRect/>
-          </a:stretch>
-        </p:blipFill>
-        <p:spPr>
-          <a:xfrm>
-            <a:off x="1475656" y="3861048"/>
-            <a:ext cx="4968552" cy="1962715"/>
-          </a:xfrm>
-          <a:prstGeom prst="rect">
-            <a:avLst/>
-          </a:prstGeom>
-        </p:spPr>
-      </p:pic>
-    </p:spTree>
-    <p:extLst>
-      <p:ext uri="{BB962C8B-B14F-4D97-AF65-F5344CB8AC3E}">
-        <p14:creationId xmlns:p14="http://schemas.microsoft.com/office/powerpoint/2010/main" val="1498605448"/>
-      </p:ext>
-    </p:extLst>
-  </p:cSld>
-  <p:clrMapOvr>
-    <a:masterClrMapping/>
-  </p:clrMapOvr>
-</p:sld>
-</file>
-
-<file path=ppt/slides/slide20.xml><?xml version="1.0" encoding="utf-8"?>
-<p:sld xmlns:a="http://schemas.openxmlformats.org/drawingml/2006/main" xmlns:r="http://schemas.openxmlformats.org/officeDocument/2006/relationships" xmlns:p="http://schemas.openxmlformats.org/presentationml/2006/main">
-  <p:cSld>
-    <p:spTree>
-      <p:nvGrpSpPr>
-        <p:cNvPr id="1" name=""/>
-        <p:cNvGrpSpPr/>
-        <p:nvPr/>
-      </p:nvGrpSpPr>
-      <p:grpSpPr>
-        <a:xfrm>
-          <a:off x="0" y="0"/>
-          <a:ext cx="0" cy="0"/>
-          <a:chOff x="0" y="0"/>
-          <a:chExt cx="0" cy="0"/>
-        </a:xfrm>
-      </p:grpSpPr>
-      <p:sp>
-        <p:nvSpPr>
-          <p:cNvPr id="2" name="Titre 1"/>
-          <p:cNvSpPr>
-            <a:spLocks noGrp="1"/>
-          </p:cNvSpPr>
-          <p:nvPr>
-            <p:ph type="title"/>
-          </p:nvPr>
-        </p:nvSpPr>
-        <p:spPr/>
-        <p:txBody>
-          <a:bodyPr/>
-          <a:lstStyle/>
-          <a:p>
-            <a:r>
-              <a:rPr lang="fr-FR" dirty="0"/>
-              <a:t>Filtrage</a:t>
-            </a:r>
-          </a:p>
-        </p:txBody>
-      </p:sp>
-      <p:sp>
-        <p:nvSpPr>
-          <p:cNvPr id="3" name="Espace réservé du contenu 2"/>
-          <p:cNvSpPr>
-            <a:spLocks noGrp="1"/>
-          </p:cNvSpPr>
-          <p:nvPr>
-            <p:ph idx="1"/>
-          </p:nvPr>
-        </p:nvSpPr>
-        <p:spPr/>
-        <p:txBody>
-          <a:bodyPr/>
-          <a:lstStyle/>
-          <a:p>
-            <a:r>
-              <a:rPr lang="fr-FR" dirty="0"/>
-              <a:t>x = </a:t>
-            </a:r>
-            <a:r>
-              <a:rPr lang="fr-FR" dirty="0" err="1"/>
-              <a:t>np.random.rand</a:t>
-            </a:r>
-            <a:r>
-              <a:rPr lang="fr-FR" dirty="0"/>
-              <a:t>(10)</a:t>
-            </a:r>
-          </a:p>
-          <a:p>
-            <a:r>
-              <a:rPr lang="fr-FR" dirty="0"/>
-              <a:t>x &gt; 0.5</a:t>
-            </a:r>
-          </a:p>
-          <a:p>
-            <a:pPr lvl="1"/>
-            <a:r>
-              <a:rPr lang="fr-FR" dirty="0"/>
-              <a:t>Renvoie un tableau de booléens</a:t>
-            </a:r>
-          </a:p>
-          <a:p>
-            <a:r>
-              <a:rPr lang="fr-FR" dirty="0"/>
-              <a:t>X[</a:t>
-            </a:r>
-            <a:r>
-              <a:rPr lang="fr-FR" dirty="0" err="1"/>
-              <a:t>booleans</a:t>
-            </a:r>
-            <a:r>
-              <a:rPr lang="fr-FR" dirty="0"/>
-              <a:t>]</a:t>
-            </a:r>
-          </a:p>
-          <a:p>
-            <a:pPr lvl="1"/>
-            <a:r>
-              <a:rPr lang="fr-FR" dirty="0"/>
-              <a:t>Filtre</a:t>
-            </a:r>
-          </a:p>
-          <a:p>
-            <a:pPr lvl="1"/>
-            <a:r>
-              <a:rPr lang="fr-FR" dirty="0"/>
-              <a:t>X[x &gt; 0.5]</a:t>
-            </a:r>
-          </a:p>
-        </p:txBody>
-      </p:sp>
-    </p:spTree>
-    <p:extLst>
-      <p:ext uri="{BB962C8B-B14F-4D97-AF65-F5344CB8AC3E}">
-        <p14:creationId xmlns:p14="http://schemas.microsoft.com/office/powerpoint/2010/main" val="1871390466"/>
-      </p:ext>
-    </p:extLst>
-  </p:cSld>
-  <p:clrMapOvr>
-    <a:masterClrMapping/>
-  </p:clrMapOvr>
-</p:sld>
-</file>
-
-<file path=ppt/slides/slide21.xml><?xml version="1.0" encoding="utf-8"?>
-<p:sld xmlns:a="http://schemas.openxmlformats.org/drawingml/2006/main" xmlns:r="http://schemas.openxmlformats.org/officeDocument/2006/relationships" xmlns:p="http://schemas.openxmlformats.org/presentationml/2006/main">
-  <p:cSld>
-    <p:spTree>
-      <p:nvGrpSpPr>
-        <p:cNvPr id="1" name=""/>
-        <p:cNvGrpSpPr/>
-        <p:nvPr/>
-      </p:nvGrpSpPr>
-      <p:grpSpPr>
-        <a:xfrm>
-          <a:off x="0" y="0"/>
-          <a:ext cx="0" cy="0"/>
-          <a:chOff x="0" y="0"/>
-          <a:chExt cx="0" cy="0"/>
-        </a:xfrm>
-      </p:grpSpPr>
-      <p:sp>
-        <p:nvSpPr>
-          <p:cNvPr id="2" name="Titre 1"/>
-          <p:cNvSpPr>
-            <a:spLocks noGrp="1"/>
-          </p:cNvSpPr>
-          <p:nvPr>
-            <p:ph type="title"/>
-          </p:nvPr>
-        </p:nvSpPr>
-        <p:spPr/>
-        <p:txBody>
-          <a:bodyPr/>
-          <a:lstStyle/>
-          <a:p>
-            <a:r>
-              <a:rPr lang="fr-FR" dirty="0" err="1"/>
-              <a:t>Matplotlib</a:t>
-            </a:r>
-            <a:endParaRPr lang="fr-FR" dirty="0"/>
-          </a:p>
-        </p:txBody>
-      </p:sp>
-      <p:sp>
-        <p:nvSpPr>
-          <p:cNvPr id="3" name="Espace réservé du contenu 2"/>
-          <p:cNvSpPr>
-            <a:spLocks noGrp="1"/>
-          </p:cNvSpPr>
-          <p:nvPr>
-            <p:ph idx="1"/>
-          </p:nvPr>
-        </p:nvSpPr>
-        <p:spPr/>
-        <p:txBody>
-          <a:bodyPr/>
-          <a:lstStyle/>
-          <a:p>
-            <a:r>
               <a:rPr lang="fr-FR" dirty="0" err="1"/>
               <a:t>Matplotlib</a:t>
             </a:r>
@@ -5687,7 +4903,7 @@
 </p:sld>
 </file>
 
-<file path=ppt/slides/slide22.xml><?xml version="1.0" encoding="utf-8"?>
+<file path=ppt/slides/slide18.xml><?xml version="1.0" encoding="utf-8"?>
 <p:sld xmlns:a="http://schemas.openxmlformats.org/drawingml/2006/main" xmlns:r="http://schemas.openxmlformats.org/officeDocument/2006/relationships" xmlns:p="http://schemas.openxmlformats.org/presentationml/2006/main">
   <p:cSld>
     <p:spTree>
@@ -5884,7 +5100,7 @@
           <a:p>
             <a:fld id="{4FAB73BC-B049-4115-A692-8D63A059BFB8}" type="slidenum">
               <a:rPr lang="en-US" smtClean="0"/>
-              <a:t>22</a:t>
+              <a:t>18</a:t>
             </a:fld>
             <a:endParaRPr lang="en-US" dirty="0"/>
           </a:p>
@@ -5894,6 +5110,143 @@
     <p:extLst>
       <p:ext uri="{BB962C8B-B14F-4D97-AF65-F5344CB8AC3E}">
         <p14:creationId xmlns:p14="http://schemas.microsoft.com/office/powerpoint/2010/main" val="424332885"/>
+      </p:ext>
+    </p:extLst>
+  </p:cSld>
+  <p:clrMapOvr>
+    <a:masterClrMapping/>
+  </p:clrMapOvr>
+</p:sld>
+</file>
+
+<file path=ppt/slides/slide2.xml><?xml version="1.0" encoding="utf-8"?>
+<p:sld xmlns:a="http://schemas.openxmlformats.org/drawingml/2006/main" xmlns:r="http://schemas.openxmlformats.org/officeDocument/2006/relationships" xmlns:p="http://schemas.openxmlformats.org/presentationml/2006/main">
+  <p:cSld>
+    <p:spTree>
+      <p:nvGrpSpPr>
+        <p:cNvPr id="1" name=""/>
+        <p:cNvGrpSpPr/>
+        <p:nvPr/>
+      </p:nvGrpSpPr>
+      <p:grpSpPr>
+        <a:xfrm>
+          <a:off x="0" y="0"/>
+          <a:ext cx="0" cy="0"/>
+          <a:chOff x="0" y="0"/>
+          <a:chExt cx="0" cy="0"/>
+        </a:xfrm>
+      </p:grpSpPr>
+      <p:sp>
+        <p:nvSpPr>
+          <p:cNvPr id="2" name="Titre 1"/>
+          <p:cNvSpPr>
+            <a:spLocks noGrp="1"/>
+          </p:cNvSpPr>
+          <p:nvPr>
+            <p:ph type="title"/>
+          </p:nvPr>
+        </p:nvSpPr>
+        <p:spPr/>
+        <p:txBody>
+          <a:bodyPr/>
+          <a:lstStyle/>
+          <a:p>
+            <a:r>
+              <a:rPr lang="fr-FR" dirty="0"/>
+              <a:t>Python et les Maths</a:t>
+            </a:r>
+          </a:p>
+        </p:txBody>
+      </p:sp>
+      <p:sp>
+        <p:nvSpPr>
+          <p:cNvPr id="3" name="Espace réservé du contenu 2"/>
+          <p:cNvSpPr>
+            <a:spLocks noGrp="1"/>
+          </p:cNvSpPr>
+          <p:nvPr>
+            <p:ph idx="1"/>
+          </p:nvPr>
+        </p:nvSpPr>
+        <p:spPr/>
+        <p:txBody>
+          <a:bodyPr/>
+          <a:lstStyle/>
+          <a:p>
+            <a:r>
+              <a:rPr lang="fr-FR" dirty="0"/>
+              <a:t>Python a rencontré un grand succès dans le monde scientifique, mathématiques et de l’IA</a:t>
+            </a:r>
+          </a:p>
+          <a:p>
+            <a:r>
+              <a:rPr lang="fr-FR" dirty="0"/>
+              <a:t>De nombreux modules sont à disposition</a:t>
+            </a:r>
+          </a:p>
+          <a:p>
+            <a:pPr lvl="1"/>
+            <a:r>
+              <a:rPr lang="fr-FR" dirty="0" err="1"/>
+              <a:t>Numpy</a:t>
+            </a:r>
+            <a:r>
+              <a:rPr lang="fr-FR" dirty="0"/>
+              <a:t>, </a:t>
+            </a:r>
+            <a:r>
+              <a:rPr lang="fr-FR" dirty="0" err="1"/>
+              <a:t>Scipy</a:t>
+            </a:r>
+            <a:r>
+              <a:rPr lang="fr-FR" dirty="0"/>
+              <a:t>, </a:t>
+            </a:r>
+            <a:r>
+              <a:rPr lang="fr-FR" dirty="0" err="1"/>
+              <a:t>Scikit-learn</a:t>
+            </a:r>
+            <a:r>
+              <a:rPr lang="fr-FR" dirty="0"/>
+              <a:t>, …</a:t>
+            </a:r>
+          </a:p>
+          <a:p>
+            <a:r>
+              <a:rPr lang="fr-FR" dirty="0"/>
+              <a:t>Le module math possède les méthodes de base</a:t>
+            </a:r>
+          </a:p>
+        </p:txBody>
+      </p:sp>
+      <p:pic>
+        <p:nvPicPr>
+          <p:cNvPr id="5" name="Image 4"/>
+          <p:cNvPicPr>
+            <a:picLocks noChangeAspect="1"/>
+          </p:cNvPicPr>
+          <p:nvPr/>
+        </p:nvPicPr>
+        <p:blipFill>
+          <a:blip r:embed="rId2"/>
+          <a:stretch>
+            <a:fillRect/>
+          </a:stretch>
+        </p:blipFill>
+        <p:spPr>
+          <a:xfrm>
+            <a:off x="1475656" y="3861048"/>
+            <a:ext cx="4968552" cy="1962715"/>
+          </a:xfrm>
+          <a:prstGeom prst="rect">
+            <a:avLst/>
+          </a:prstGeom>
+        </p:spPr>
+      </p:pic>
+    </p:spTree>
+    <p:extLst>
+      <p:ext uri="{BB962C8B-B14F-4D97-AF65-F5344CB8AC3E}">
+        <p14:creationId xmlns:p14="http://schemas.microsoft.com/office/powerpoint/2010/main" val="1498605448"/>
       </p:ext>
     </p:extLst>
   </p:cSld>
@@ -6903,735 +6256,6 @@
           <a:lstStyle/>
           <a:p>
             <a:r>
-              <a:rPr lang="en-US" b="1" dirty="0" err="1"/>
-              <a:t>np.ones</a:t>
-            </a:r>
-            <a:r>
-              <a:rPr lang="en-US" b="1" dirty="0"/>
-              <a:t>, </a:t>
-            </a:r>
-            <a:r>
-              <a:rPr lang="en-US" b="1" dirty="0" err="1"/>
-              <a:t>np.zeros</a:t>
-            </a:r>
-            <a:endParaRPr lang="en-US" b="1" dirty="0"/>
-          </a:p>
-          <a:p>
-            <a:r>
-              <a:rPr lang="en-US" dirty="0" err="1"/>
-              <a:t>np.arange</a:t>
-            </a:r>
-            <a:endParaRPr lang="en-US" dirty="0"/>
-          </a:p>
-          <a:p>
-            <a:r>
-              <a:rPr lang="en-US" dirty="0" err="1"/>
-              <a:t>np.concatenate</a:t>
-            </a:r>
-            <a:endParaRPr lang="en-US" dirty="0"/>
-          </a:p>
-          <a:p>
-            <a:r>
-              <a:rPr lang="en-US" dirty="0" err="1"/>
-              <a:t>np.astype</a:t>
-            </a:r>
-            <a:endParaRPr lang="en-US" dirty="0"/>
-          </a:p>
-          <a:p>
-            <a:r>
-              <a:rPr lang="en-US" dirty="0" err="1"/>
-              <a:t>np.zeros_like</a:t>
-            </a:r>
-            <a:r>
-              <a:rPr lang="en-US" dirty="0"/>
-              <a:t>, </a:t>
-            </a:r>
-            <a:r>
-              <a:rPr lang="en-US" dirty="0" err="1"/>
-              <a:t>np.ones_like</a:t>
-            </a:r>
-            <a:endParaRPr lang="en-US" dirty="0"/>
-          </a:p>
-          <a:p>
-            <a:r>
-              <a:rPr lang="en-US" dirty="0" err="1"/>
-              <a:t>np.random.random</a:t>
-            </a:r>
-            <a:endParaRPr lang="en-US" dirty="0"/>
-          </a:p>
-        </p:txBody>
-      </p:sp>
-      <p:pic>
-        <p:nvPicPr>
-          <p:cNvPr id="2050" name="Picture 2" descr="https://i.gyazo.com/ab7c9b4e16c8a76d8dc7704d30051267.png">
-            <a:extLst>
-              <a:ext uri="{FF2B5EF4-FFF2-40B4-BE49-F238E27FC236}">
-                <a16:creationId xmlns:a16="http://schemas.microsoft.com/office/drawing/2014/main" id="{4E5B0FD0-66E1-4D88-AE87-FFD566AA0188}"/>
-              </a:ext>
-            </a:extLst>
-          </p:cNvPr>
-          <p:cNvPicPr>
-            <a:picLocks noGrp="1" noChangeAspect="1" noChangeArrowheads="1"/>
-          </p:cNvPicPr>
-          <p:nvPr>
-            <p:ph sz="half" idx="2"/>
-          </p:nvPr>
-        </p:nvPicPr>
-        <p:blipFill>
-          <a:blip r:embed="rId2">
-            <a:extLst>
-              <a:ext uri="{28A0092B-C50C-407E-A947-70E740481C1C}">
-                <a14:useLocalDpi xmlns:a14="http://schemas.microsoft.com/office/drawing/2010/main" val="0"/>
-              </a:ext>
-            </a:extLst>
-          </a:blip>
-          <a:srcRect/>
-          <a:stretch>
-            <a:fillRect/>
-          </a:stretch>
-        </p:blipFill>
-        <p:spPr bwMode="auto">
-          <a:xfrm>
-            <a:off x="4857548" y="2268551"/>
-            <a:ext cx="4092777" cy="742388"/>
-          </a:xfrm>
-          <a:prstGeom prst="rect">
-            <a:avLst/>
-          </a:prstGeom>
-          <a:noFill/>
-          <a:extLst>
-            <a:ext uri="{909E8E84-426E-40DD-AFC4-6F175D3DCCD1}">
-              <a14:hiddenFill xmlns:a14="http://schemas.microsoft.com/office/drawing/2010/main">
-                <a:solidFill>
-                  <a:srgbClr val="FFFFFF"/>
-                </a:solidFill>
-              </a14:hiddenFill>
-            </a:ext>
-          </a:extLst>
-        </p:spPr>
-      </p:pic>
-      <p:pic>
-        <p:nvPicPr>
-          <p:cNvPr id="2052" name="Picture 4" descr="https://i.gyazo.com/155ad9075990c94c1e98b750d365d49a.png">
-            <a:extLst>
-              <a:ext uri="{FF2B5EF4-FFF2-40B4-BE49-F238E27FC236}">
-                <a16:creationId xmlns:a16="http://schemas.microsoft.com/office/drawing/2014/main" id="{F8350C03-9BBC-461B-8603-1E1869FA1D8B}"/>
-              </a:ext>
-            </a:extLst>
-          </p:cNvPr>
-          <p:cNvPicPr>
-            <a:picLocks noChangeAspect="1" noChangeArrowheads="1"/>
-          </p:cNvPicPr>
-          <p:nvPr/>
-        </p:nvPicPr>
-        <p:blipFill>
-          <a:blip r:embed="rId3">
-            <a:extLst>
-              <a:ext uri="{28A0092B-C50C-407E-A947-70E740481C1C}">
-                <a14:useLocalDpi xmlns:a14="http://schemas.microsoft.com/office/drawing/2010/main" val="0"/>
-              </a:ext>
-            </a:extLst>
-          </a:blip>
-          <a:srcRect/>
-          <a:stretch>
-            <a:fillRect/>
-          </a:stretch>
-        </p:blipFill>
-        <p:spPr bwMode="auto">
-          <a:xfrm>
-            <a:off x="4899819" y="3340846"/>
-            <a:ext cx="4050506" cy="1835944"/>
-          </a:xfrm>
-          <a:prstGeom prst="rect">
-            <a:avLst/>
-          </a:prstGeom>
-          <a:noFill/>
-          <a:extLst>
-            <a:ext uri="{909E8E84-426E-40DD-AFC4-6F175D3DCCD1}">
-              <a14:hiddenFill xmlns:a14="http://schemas.microsoft.com/office/drawing/2010/main">
-                <a:solidFill>
-                  <a:srgbClr val="FFFFFF"/>
-                </a:solidFill>
-              </a14:hiddenFill>
-            </a:ext>
-          </a:extLst>
-        </p:spPr>
-      </p:pic>
-      <p:sp>
-        <p:nvSpPr>
-          <p:cNvPr id="4" name="Slide Number Placeholder 3">
-            <a:extLst>
-              <a:ext uri="{FF2B5EF4-FFF2-40B4-BE49-F238E27FC236}">
-                <a16:creationId xmlns:a16="http://schemas.microsoft.com/office/drawing/2014/main" id="{92D2687B-855C-4168-B171-855746B25D67}"/>
-              </a:ext>
-            </a:extLst>
-          </p:cNvPr>
-          <p:cNvSpPr>
-            <a:spLocks noGrp="1"/>
-          </p:cNvSpPr>
-          <p:nvPr>
-            <p:ph type="sldNum" sz="quarter" idx="4294967295"/>
-          </p:nvPr>
-        </p:nvSpPr>
-        <p:spPr/>
-        <p:txBody>
-          <a:bodyPr>
-            <a:normAutofit fontScale="25000" lnSpcReduction="20000"/>
-          </a:bodyPr>
-          <a:lstStyle/>
-          <a:p>
-            <a:fld id="{4FAB73BC-B049-4115-A692-8D63A059BFB8}" type="slidenum">
-              <a:rPr lang="en-US" smtClean="0"/>
-              <a:t>6</a:t>
-            </a:fld>
-            <a:endParaRPr lang="en-US" dirty="0"/>
-          </a:p>
-        </p:txBody>
-      </p:sp>
-    </p:spTree>
-    <p:extLst>
-      <p:ext uri="{BB962C8B-B14F-4D97-AF65-F5344CB8AC3E}">
-        <p14:creationId xmlns:p14="http://schemas.microsoft.com/office/powerpoint/2010/main" val="993841195"/>
-      </p:ext>
-    </p:extLst>
-  </p:cSld>
-  <p:clrMapOvr>
-    <a:masterClrMapping/>
-  </p:clrMapOvr>
-</p:sld>
-</file>
-
-<file path=ppt/slides/slide7.xml><?xml version="1.0" encoding="utf-8"?>
-<p:sld xmlns:a="http://schemas.openxmlformats.org/drawingml/2006/main" xmlns:r="http://schemas.openxmlformats.org/officeDocument/2006/relationships" xmlns:p="http://schemas.openxmlformats.org/presentationml/2006/main">
-  <p:cSld>
-    <p:spTree>
-      <p:nvGrpSpPr>
-        <p:cNvPr id="1" name=""/>
-        <p:cNvGrpSpPr/>
-        <p:nvPr/>
-      </p:nvGrpSpPr>
-      <p:grpSpPr>
-        <a:xfrm>
-          <a:off x="0" y="0"/>
-          <a:ext cx="0" cy="0"/>
-          <a:chOff x="0" y="0"/>
-          <a:chExt cx="0" cy="0"/>
-        </a:xfrm>
-      </p:grpSpPr>
-      <p:sp>
-        <p:nvSpPr>
-          <p:cNvPr id="2" name="Title 1">
-            <a:extLst>
-              <a:ext uri="{FF2B5EF4-FFF2-40B4-BE49-F238E27FC236}">
-                <a16:creationId xmlns:a16="http://schemas.microsoft.com/office/drawing/2014/main" id="{F8C3A89D-B04F-4FF7-B864-B3F9BBFBE530}"/>
-              </a:ext>
-            </a:extLst>
-          </p:cNvPr>
-          <p:cNvSpPr>
-            <a:spLocks noGrp="1"/>
-          </p:cNvSpPr>
-          <p:nvPr>
-            <p:ph type="title"/>
-          </p:nvPr>
-        </p:nvSpPr>
-        <p:spPr/>
-        <p:txBody>
-          <a:bodyPr/>
-          <a:lstStyle/>
-          <a:p>
-            <a:r>
-              <a:rPr lang="en-US" dirty="0"/>
-              <a:t>Arrays, creation</a:t>
-            </a:r>
-          </a:p>
-        </p:txBody>
-      </p:sp>
-      <p:sp>
-        <p:nvSpPr>
-          <p:cNvPr id="3" name="Content Placeholder 2">
-            <a:extLst>
-              <a:ext uri="{FF2B5EF4-FFF2-40B4-BE49-F238E27FC236}">
-                <a16:creationId xmlns:a16="http://schemas.microsoft.com/office/drawing/2014/main" id="{E06060F4-F2F0-4A93-BA3A-8F21AA583A86}"/>
-              </a:ext>
-            </a:extLst>
-          </p:cNvPr>
-          <p:cNvSpPr>
-            <a:spLocks noGrp="1"/>
-          </p:cNvSpPr>
-          <p:nvPr>
-            <p:ph sz="half" idx="1"/>
-          </p:nvPr>
-        </p:nvSpPr>
-        <p:spPr/>
-        <p:txBody>
-          <a:bodyPr/>
-          <a:lstStyle/>
-          <a:p>
-            <a:r>
-              <a:rPr lang="en-US" dirty="0" err="1"/>
-              <a:t>np.ones</a:t>
-            </a:r>
-            <a:r>
-              <a:rPr lang="en-US" dirty="0"/>
-              <a:t>, </a:t>
-            </a:r>
-            <a:r>
-              <a:rPr lang="en-US" dirty="0" err="1"/>
-              <a:t>np.zeros</a:t>
-            </a:r>
-            <a:endParaRPr lang="en-US" dirty="0"/>
-          </a:p>
-          <a:p>
-            <a:r>
-              <a:rPr lang="en-US" dirty="0" err="1"/>
-              <a:t>np.arange</a:t>
-            </a:r>
-            <a:endParaRPr lang="en-US" dirty="0"/>
-          </a:p>
-          <a:p>
-            <a:r>
-              <a:rPr lang="en-US" b="1" dirty="0" err="1"/>
-              <a:t>np.concatenate</a:t>
-            </a:r>
-            <a:endParaRPr lang="en-US" b="1" dirty="0"/>
-          </a:p>
-          <a:p>
-            <a:r>
-              <a:rPr lang="en-US" dirty="0" err="1"/>
-              <a:t>np.astype</a:t>
-            </a:r>
-            <a:endParaRPr lang="en-US" dirty="0"/>
-          </a:p>
-          <a:p>
-            <a:r>
-              <a:rPr lang="en-US" dirty="0" err="1"/>
-              <a:t>np.zeros_like</a:t>
-            </a:r>
-            <a:r>
-              <a:rPr lang="en-US" dirty="0"/>
-              <a:t>, </a:t>
-            </a:r>
-            <a:r>
-              <a:rPr lang="en-US" dirty="0" err="1"/>
-              <a:t>np.ones_like</a:t>
-            </a:r>
-            <a:endParaRPr lang="en-US" dirty="0"/>
-          </a:p>
-          <a:p>
-            <a:r>
-              <a:rPr lang="en-US" dirty="0" err="1"/>
-              <a:t>np.random.random</a:t>
-            </a:r>
-            <a:endParaRPr lang="en-US" dirty="0"/>
-          </a:p>
-        </p:txBody>
-      </p:sp>
-      <p:pic>
-        <p:nvPicPr>
-          <p:cNvPr id="4098" name="Picture 2" descr="https://i.gyazo.com/c234df7922627afc111c3a02ede104fe.png">
-            <a:extLst>
-              <a:ext uri="{FF2B5EF4-FFF2-40B4-BE49-F238E27FC236}">
-                <a16:creationId xmlns:a16="http://schemas.microsoft.com/office/drawing/2014/main" id="{614819F5-ED63-4F34-9FD4-B6D4F23FC57A}"/>
-              </a:ext>
-            </a:extLst>
-          </p:cNvPr>
-          <p:cNvPicPr>
-            <a:picLocks noGrp="1" noChangeAspect="1" noChangeArrowheads="1"/>
-          </p:cNvPicPr>
-          <p:nvPr>
-            <p:ph sz="half" idx="2"/>
-          </p:nvPr>
-        </p:nvPicPr>
-        <p:blipFill>
-          <a:blip r:embed="rId2">
-            <a:extLst>
-              <a:ext uri="{28A0092B-C50C-407E-A947-70E740481C1C}">
-                <a14:useLocalDpi xmlns:a14="http://schemas.microsoft.com/office/drawing/2010/main" val="0"/>
-              </a:ext>
-            </a:extLst>
-          </a:blip>
-          <a:srcRect/>
-          <a:stretch>
-            <a:fillRect/>
-          </a:stretch>
-        </p:blipFill>
-        <p:spPr bwMode="auto">
-          <a:xfrm>
-            <a:off x="4788024" y="2132856"/>
-            <a:ext cx="4015209" cy="3263503"/>
-          </a:xfrm>
-          <a:prstGeom prst="rect">
-            <a:avLst/>
-          </a:prstGeom>
-          <a:noFill/>
-          <a:extLst>
-            <a:ext uri="{909E8E84-426E-40DD-AFC4-6F175D3DCCD1}">
-              <a14:hiddenFill xmlns:a14="http://schemas.microsoft.com/office/drawing/2010/main">
-                <a:solidFill>
-                  <a:srgbClr val="FFFFFF"/>
-                </a:solidFill>
-              </a14:hiddenFill>
-            </a:ext>
-          </a:extLst>
-        </p:spPr>
-      </p:pic>
-      <p:sp>
-        <p:nvSpPr>
-          <p:cNvPr id="4" name="Slide Number Placeholder 3">
-            <a:extLst>
-              <a:ext uri="{FF2B5EF4-FFF2-40B4-BE49-F238E27FC236}">
-                <a16:creationId xmlns:a16="http://schemas.microsoft.com/office/drawing/2014/main" id="{D6A3119A-E469-41A1-8702-2A1963EE0729}"/>
-              </a:ext>
-            </a:extLst>
-          </p:cNvPr>
-          <p:cNvSpPr>
-            <a:spLocks noGrp="1"/>
-          </p:cNvSpPr>
-          <p:nvPr>
-            <p:ph type="sldNum" sz="quarter" idx="4294967295"/>
-          </p:nvPr>
-        </p:nvSpPr>
-        <p:spPr/>
-        <p:txBody>
-          <a:bodyPr>
-            <a:normAutofit fontScale="25000" lnSpcReduction="20000"/>
-          </a:bodyPr>
-          <a:lstStyle/>
-          <a:p>
-            <a:fld id="{4FAB73BC-B049-4115-A692-8D63A059BFB8}" type="slidenum">
-              <a:rPr lang="en-US" smtClean="0"/>
-              <a:t>7</a:t>
-            </a:fld>
-            <a:endParaRPr lang="en-US" dirty="0"/>
-          </a:p>
-        </p:txBody>
-      </p:sp>
-    </p:spTree>
-    <p:extLst>
-      <p:ext uri="{BB962C8B-B14F-4D97-AF65-F5344CB8AC3E}">
-        <p14:creationId xmlns:p14="http://schemas.microsoft.com/office/powerpoint/2010/main" val="684741186"/>
-      </p:ext>
-    </p:extLst>
-  </p:cSld>
-  <p:clrMapOvr>
-    <a:masterClrMapping/>
-  </p:clrMapOvr>
-</p:sld>
-</file>
-
-<file path=ppt/slides/slide8.xml><?xml version="1.0" encoding="utf-8"?>
-<p:sld xmlns:a="http://schemas.openxmlformats.org/drawingml/2006/main" xmlns:r="http://schemas.openxmlformats.org/officeDocument/2006/relationships" xmlns:p="http://schemas.openxmlformats.org/presentationml/2006/main">
-  <p:cSld>
-    <p:spTree>
-      <p:nvGrpSpPr>
-        <p:cNvPr id="1" name=""/>
-        <p:cNvGrpSpPr/>
-        <p:nvPr/>
-      </p:nvGrpSpPr>
-      <p:grpSpPr>
-        <a:xfrm>
-          <a:off x="0" y="0"/>
-          <a:ext cx="0" cy="0"/>
-          <a:chOff x="0" y="0"/>
-          <a:chExt cx="0" cy="0"/>
-        </a:xfrm>
-      </p:grpSpPr>
-      <p:sp>
-        <p:nvSpPr>
-          <p:cNvPr id="2" name="Title 1">
-            <a:extLst>
-              <a:ext uri="{FF2B5EF4-FFF2-40B4-BE49-F238E27FC236}">
-                <a16:creationId xmlns:a16="http://schemas.microsoft.com/office/drawing/2014/main" id="{F8C3A89D-B04F-4FF7-B864-B3F9BBFBE530}"/>
-              </a:ext>
-            </a:extLst>
-          </p:cNvPr>
-          <p:cNvSpPr>
-            <a:spLocks noGrp="1"/>
-          </p:cNvSpPr>
-          <p:nvPr>
-            <p:ph type="title"/>
-          </p:nvPr>
-        </p:nvSpPr>
-        <p:spPr>
-          <a:xfrm>
-            <a:off x="946404" y="1131570"/>
-            <a:ext cx="7269480" cy="994172"/>
-          </a:xfrm>
-        </p:spPr>
-        <p:txBody>
-          <a:bodyPr/>
-          <a:lstStyle/>
-          <a:p>
-            <a:r>
-              <a:rPr lang="en-US" dirty="0"/>
-              <a:t>Arrays, creation</a:t>
-            </a:r>
-          </a:p>
-        </p:txBody>
-      </p:sp>
-      <p:sp>
-        <p:nvSpPr>
-          <p:cNvPr id="3" name="Content Placeholder 2">
-            <a:extLst>
-              <a:ext uri="{FF2B5EF4-FFF2-40B4-BE49-F238E27FC236}">
-                <a16:creationId xmlns:a16="http://schemas.microsoft.com/office/drawing/2014/main" id="{E06060F4-F2F0-4A93-BA3A-8F21AA583A86}"/>
-              </a:ext>
-            </a:extLst>
-          </p:cNvPr>
-          <p:cNvSpPr>
-            <a:spLocks noGrp="1"/>
-          </p:cNvSpPr>
-          <p:nvPr>
-            <p:ph sz="half" idx="1"/>
-          </p:nvPr>
-        </p:nvSpPr>
-        <p:spPr/>
-        <p:txBody>
-          <a:bodyPr/>
-          <a:lstStyle/>
-          <a:p>
-            <a:r>
-              <a:rPr lang="en-US" dirty="0" err="1"/>
-              <a:t>np.ones</a:t>
-            </a:r>
-            <a:r>
-              <a:rPr lang="en-US" dirty="0"/>
-              <a:t>, </a:t>
-            </a:r>
-            <a:r>
-              <a:rPr lang="en-US" dirty="0" err="1"/>
-              <a:t>np.zeros</a:t>
-            </a:r>
-            <a:endParaRPr lang="en-US" dirty="0"/>
-          </a:p>
-          <a:p>
-            <a:r>
-              <a:rPr lang="en-US" dirty="0" err="1"/>
-              <a:t>np.arange</a:t>
-            </a:r>
-            <a:endParaRPr lang="en-US" dirty="0"/>
-          </a:p>
-          <a:p>
-            <a:r>
-              <a:rPr lang="en-US" b="1" dirty="0" err="1"/>
-              <a:t>np.concatenate</a:t>
-            </a:r>
-            <a:endParaRPr lang="en-US" b="1" dirty="0"/>
-          </a:p>
-          <a:p>
-            <a:r>
-              <a:rPr lang="en-US" dirty="0" err="1"/>
-              <a:t>np.astype</a:t>
-            </a:r>
-            <a:endParaRPr lang="en-US" dirty="0"/>
-          </a:p>
-          <a:p>
-            <a:r>
-              <a:rPr lang="en-US" dirty="0" err="1"/>
-              <a:t>np.zeros_like</a:t>
-            </a:r>
-            <a:r>
-              <a:rPr lang="en-US" dirty="0"/>
-              <a:t>, </a:t>
-            </a:r>
-            <a:r>
-              <a:rPr lang="en-US" dirty="0" err="1"/>
-              <a:t>np.ones_like</a:t>
-            </a:r>
-            <a:endParaRPr lang="en-US" dirty="0"/>
-          </a:p>
-          <a:p>
-            <a:r>
-              <a:rPr lang="en-US" dirty="0" err="1"/>
-              <a:t>np.random.random</a:t>
-            </a:r>
-            <a:endParaRPr lang="en-US" dirty="0"/>
-          </a:p>
-        </p:txBody>
-      </p:sp>
-      <p:sp>
-        <p:nvSpPr>
-          <p:cNvPr id="4" name="Slide Number Placeholder 3">
-            <a:extLst>
-              <a:ext uri="{FF2B5EF4-FFF2-40B4-BE49-F238E27FC236}">
-                <a16:creationId xmlns:a16="http://schemas.microsoft.com/office/drawing/2014/main" id="{D6A3119A-E469-41A1-8702-2A1963EE0729}"/>
-              </a:ext>
-            </a:extLst>
-          </p:cNvPr>
-          <p:cNvSpPr>
-            <a:spLocks noGrp="1"/>
-          </p:cNvSpPr>
-          <p:nvPr>
-            <p:ph type="sldNum" sz="quarter" idx="4294967295"/>
-          </p:nvPr>
-        </p:nvSpPr>
-        <p:spPr/>
-        <p:txBody>
-          <a:bodyPr>
-            <a:normAutofit fontScale="25000" lnSpcReduction="20000"/>
-          </a:bodyPr>
-          <a:lstStyle/>
-          <a:p>
-            <a:fld id="{4FAB73BC-B049-4115-A692-8D63A059BFB8}" type="slidenum">
-              <a:rPr lang="en-US" smtClean="0"/>
-              <a:t>8</a:t>
-            </a:fld>
-            <a:endParaRPr lang="en-US" dirty="0"/>
-          </a:p>
-        </p:txBody>
-      </p:sp>
-      <p:sp>
-        <p:nvSpPr>
-          <p:cNvPr id="6" name="Content Placeholder 5">
-            <a:extLst>
-              <a:ext uri="{FF2B5EF4-FFF2-40B4-BE49-F238E27FC236}">
-                <a16:creationId xmlns:a16="http://schemas.microsoft.com/office/drawing/2014/main" id="{2AB091C9-0DFE-46FD-A91B-91E846760D0E}"/>
-              </a:ext>
-            </a:extLst>
-          </p:cNvPr>
-          <p:cNvSpPr>
-            <a:spLocks noGrp="1"/>
-          </p:cNvSpPr>
-          <p:nvPr>
-            <p:ph sz="half" idx="2"/>
-          </p:nvPr>
-        </p:nvSpPr>
-        <p:spPr/>
-        <p:txBody>
-          <a:bodyPr/>
-          <a:lstStyle/>
-          <a:p>
-            <a:endParaRPr lang="en-US" dirty="0"/>
-          </a:p>
-        </p:txBody>
-      </p:sp>
-      <p:pic>
-        <p:nvPicPr>
-          <p:cNvPr id="1028" name="Picture 4" descr="https://i.gyazo.com/9b34cbafccfb8d9f78bdc66e8a0b283c.png">
-            <a:extLst>
-              <a:ext uri="{FF2B5EF4-FFF2-40B4-BE49-F238E27FC236}">
-                <a16:creationId xmlns:a16="http://schemas.microsoft.com/office/drawing/2014/main" id="{F8464E02-05B7-4134-8D2A-B820C34B1200}"/>
-              </a:ext>
-            </a:extLst>
-          </p:cNvPr>
-          <p:cNvPicPr>
-            <a:picLocks noChangeAspect="1" noChangeArrowheads="1"/>
-          </p:cNvPicPr>
-          <p:nvPr/>
-        </p:nvPicPr>
-        <p:blipFill>
-          <a:blip r:embed="rId2">
-            <a:extLst>
-              <a:ext uri="{28A0092B-C50C-407E-A947-70E740481C1C}">
-                <a14:useLocalDpi xmlns:a14="http://schemas.microsoft.com/office/drawing/2010/main" val="0"/>
-              </a:ext>
-            </a:extLst>
-          </a:blip>
-          <a:srcRect/>
-          <a:stretch>
-            <a:fillRect/>
-          </a:stretch>
-        </p:blipFill>
-        <p:spPr bwMode="auto">
-          <a:xfrm>
-            <a:off x="4716016" y="2492896"/>
-            <a:ext cx="4286250" cy="1857375"/>
-          </a:xfrm>
-          <a:prstGeom prst="rect">
-            <a:avLst/>
-          </a:prstGeom>
-          <a:noFill/>
-          <a:extLst>
-            <a:ext uri="{909E8E84-426E-40DD-AFC4-6F175D3DCCD1}">
-              <a14:hiddenFill xmlns:a14="http://schemas.microsoft.com/office/drawing/2010/main">
-                <a:solidFill>
-                  <a:srgbClr val="FFFFFF"/>
-                </a:solidFill>
-              </a14:hiddenFill>
-            </a:ext>
-          </a:extLst>
-        </p:spPr>
-      </p:pic>
-    </p:spTree>
-    <p:extLst>
-      <p:ext uri="{BB962C8B-B14F-4D97-AF65-F5344CB8AC3E}">
-        <p14:creationId xmlns:p14="http://schemas.microsoft.com/office/powerpoint/2010/main" val="672012865"/>
-      </p:ext>
-    </p:extLst>
-  </p:cSld>
-  <p:clrMapOvr>
-    <a:masterClrMapping/>
-  </p:clrMapOvr>
-</p:sld>
-</file>
-
-<file path=ppt/slides/slide9.xml><?xml version="1.0" encoding="utf-8"?>
-<p:sld xmlns:a="http://schemas.openxmlformats.org/drawingml/2006/main" xmlns:r="http://schemas.openxmlformats.org/officeDocument/2006/relationships" xmlns:p="http://schemas.openxmlformats.org/presentationml/2006/main">
-  <p:cSld>
-    <p:spTree>
-      <p:nvGrpSpPr>
-        <p:cNvPr id="1" name=""/>
-        <p:cNvGrpSpPr/>
-        <p:nvPr/>
-      </p:nvGrpSpPr>
-      <p:grpSpPr>
-        <a:xfrm>
-          <a:off x="0" y="0"/>
-          <a:ext cx="0" cy="0"/>
-          <a:chOff x="0" y="0"/>
-          <a:chExt cx="0" cy="0"/>
-        </a:xfrm>
-      </p:grpSpPr>
-      <p:sp>
-        <p:nvSpPr>
-          <p:cNvPr id="2" name="Title 1">
-            <a:extLst>
-              <a:ext uri="{FF2B5EF4-FFF2-40B4-BE49-F238E27FC236}">
-                <a16:creationId xmlns:a16="http://schemas.microsoft.com/office/drawing/2014/main" id="{F8C3A89D-B04F-4FF7-B864-B3F9BBFBE530}"/>
-              </a:ext>
-            </a:extLst>
-          </p:cNvPr>
-          <p:cNvSpPr>
-            <a:spLocks noGrp="1"/>
-          </p:cNvSpPr>
-          <p:nvPr>
-            <p:ph type="title"/>
-          </p:nvPr>
-        </p:nvSpPr>
-        <p:spPr/>
-        <p:txBody>
-          <a:bodyPr/>
-          <a:lstStyle/>
-          <a:p>
-            <a:r>
-              <a:rPr lang="en-US" dirty="0"/>
-              <a:t>Arrays, creation</a:t>
-            </a:r>
-          </a:p>
-        </p:txBody>
-      </p:sp>
-      <p:sp>
-        <p:nvSpPr>
-          <p:cNvPr id="3" name="Content Placeholder 2">
-            <a:extLst>
-              <a:ext uri="{FF2B5EF4-FFF2-40B4-BE49-F238E27FC236}">
-                <a16:creationId xmlns:a16="http://schemas.microsoft.com/office/drawing/2014/main" id="{E06060F4-F2F0-4A93-BA3A-8F21AA583A86}"/>
-              </a:ext>
-            </a:extLst>
-          </p:cNvPr>
-          <p:cNvSpPr>
-            <a:spLocks noGrp="1"/>
-          </p:cNvSpPr>
-          <p:nvPr>
-            <p:ph sz="half" idx="1"/>
-          </p:nvPr>
-        </p:nvSpPr>
-        <p:spPr/>
-        <p:txBody>
-          <a:bodyPr/>
-          <a:lstStyle/>
-          <a:p>
-            <a:r>
               <a:rPr lang="en-US" dirty="0" err="1"/>
               <a:t>np.ones</a:t>
             </a:r>
@@ -7715,7 +6339,7 @@
           <a:p>
             <a:fld id="{4FAB73BC-B049-4115-A692-8D63A059BFB8}" type="slidenum">
               <a:rPr lang="en-US" smtClean="0"/>
-              <a:t>9</a:t>
+              <a:t>6</a:t>
             </a:fld>
             <a:endParaRPr lang="en-US" dirty="0"/>
           </a:p>
@@ -7772,6 +6396,408 @@
     <p:extLst>
       <p:ext uri="{BB962C8B-B14F-4D97-AF65-F5344CB8AC3E}">
         <p14:creationId xmlns:p14="http://schemas.microsoft.com/office/powerpoint/2010/main" val="3466741312"/>
+      </p:ext>
+    </p:extLst>
+  </p:cSld>
+  <p:clrMapOvr>
+    <a:masterClrMapping/>
+  </p:clrMapOvr>
+</p:sld>
+</file>
+
+<file path=ppt/slides/slide7.xml><?xml version="1.0" encoding="utf-8"?>
+<p:sld xmlns:a="http://schemas.openxmlformats.org/drawingml/2006/main" xmlns:r="http://schemas.openxmlformats.org/officeDocument/2006/relationships" xmlns:p="http://schemas.openxmlformats.org/presentationml/2006/main">
+  <p:cSld>
+    <p:spTree>
+      <p:nvGrpSpPr>
+        <p:cNvPr id="1" name=""/>
+        <p:cNvGrpSpPr/>
+        <p:nvPr/>
+      </p:nvGrpSpPr>
+      <p:grpSpPr>
+        <a:xfrm>
+          <a:off x="0" y="0"/>
+          <a:ext cx="0" cy="0"/>
+          <a:chOff x="0" y="0"/>
+          <a:chExt cx="0" cy="0"/>
+        </a:xfrm>
+      </p:grpSpPr>
+      <p:sp>
+        <p:nvSpPr>
+          <p:cNvPr id="2" name="Titre 1"/>
+          <p:cNvSpPr>
+            <a:spLocks noGrp="1"/>
+          </p:cNvSpPr>
+          <p:nvPr>
+            <p:ph type="title"/>
+          </p:nvPr>
+        </p:nvSpPr>
+        <p:spPr/>
+        <p:txBody>
+          <a:bodyPr/>
+          <a:lstStyle/>
+          <a:p>
+            <a:r>
+              <a:rPr lang="fr-FR" dirty="0" err="1"/>
+              <a:t>arange</a:t>
+            </a:r>
+            <a:endParaRPr lang="fr-FR" dirty="0"/>
+          </a:p>
+        </p:txBody>
+      </p:sp>
+      <p:sp>
+        <p:nvSpPr>
+          <p:cNvPr id="3" name="Espace réservé du contenu 2"/>
+          <p:cNvSpPr>
+            <a:spLocks noGrp="1"/>
+          </p:cNvSpPr>
+          <p:nvPr>
+            <p:ph idx="1"/>
+          </p:nvPr>
+        </p:nvSpPr>
+        <p:spPr/>
+        <p:txBody>
+          <a:bodyPr/>
+          <a:lstStyle/>
+          <a:p>
+            <a:r>
+              <a:rPr lang="fr-FR" dirty="0"/>
+              <a:t># Un tableau rempli d'une séquence linéaire</a:t>
+            </a:r>
+          </a:p>
+          <a:p>
+            <a:r>
+              <a:rPr lang="fr-FR" dirty="0"/>
+              <a:t># commençant à 0 et qui se termine à 20, avec un pas de 2</a:t>
+            </a:r>
+          </a:p>
+          <a:p>
+            <a:r>
+              <a:rPr lang="fr-FR" dirty="0" err="1"/>
+              <a:t>np.arange</a:t>
+            </a:r>
+            <a:r>
+              <a:rPr lang="fr-FR" dirty="0"/>
+              <a:t>(0, 20, 2)</a:t>
+            </a:r>
+          </a:p>
+          <a:p>
+            <a:r>
+              <a:rPr lang="fr-FR" dirty="0"/>
+              <a:t># Un tableau de 5 valeurs, espacées uniformément entre 0 et 1</a:t>
+            </a:r>
+          </a:p>
+          <a:p>
+            <a:r>
+              <a:rPr lang="fr-FR" dirty="0" err="1"/>
+              <a:t>np.linspace</a:t>
+            </a:r>
+            <a:r>
+              <a:rPr lang="fr-FR" dirty="0"/>
+              <a:t>(0, 1, 5)</a:t>
+            </a:r>
+          </a:p>
+        </p:txBody>
+      </p:sp>
+    </p:spTree>
+    <p:extLst>
+      <p:ext uri="{BB962C8B-B14F-4D97-AF65-F5344CB8AC3E}">
+        <p14:creationId xmlns:p14="http://schemas.microsoft.com/office/powerpoint/2010/main" val="3214626482"/>
+      </p:ext>
+    </p:extLst>
+  </p:cSld>
+  <p:clrMapOvr>
+    <a:masterClrMapping/>
+  </p:clrMapOvr>
+</p:sld>
+</file>
+
+<file path=ppt/slides/slide8.xml><?xml version="1.0" encoding="utf-8"?>
+<p:sld xmlns:a="http://schemas.openxmlformats.org/drawingml/2006/main" xmlns:r="http://schemas.openxmlformats.org/officeDocument/2006/relationships" xmlns:p="http://schemas.openxmlformats.org/presentationml/2006/main">
+  <p:cSld>
+    <p:spTree>
+      <p:nvGrpSpPr>
+        <p:cNvPr id="1" name=""/>
+        <p:cNvGrpSpPr/>
+        <p:nvPr/>
+      </p:nvGrpSpPr>
+      <p:grpSpPr>
+        <a:xfrm>
+          <a:off x="0" y="0"/>
+          <a:ext cx="0" cy="0"/>
+          <a:chOff x="0" y="0"/>
+          <a:chExt cx="0" cy="0"/>
+        </a:xfrm>
+      </p:grpSpPr>
+      <p:sp>
+        <p:nvSpPr>
+          <p:cNvPr id="2" name="Title 1">
+            <a:extLst>
+              <a:ext uri="{FF2B5EF4-FFF2-40B4-BE49-F238E27FC236}">
+                <a16:creationId xmlns:a16="http://schemas.microsoft.com/office/drawing/2014/main" id="{F8C3A89D-B04F-4FF7-B864-B3F9BBFBE530}"/>
+              </a:ext>
+            </a:extLst>
+          </p:cNvPr>
+          <p:cNvSpPr>
+            <a:spLocks noGrp="1"/>
+          </p:cNvSpPr>
+          <p:nvPr>
+            <p:ph type="title"/>
+          </p:nvPr>
+        </p:nvSpPr>
+        <p:spPr/>
+        <p:txBody>
+          <a:bodyPr/>
+          <a:lstStyle/>
+          <a:p>
+            <a:r>
+              <a:rPr lang="en-US" dirty="0"/>
+              <a:t>Arrays, creation</a:t>
+            </a:r>
+          </a:p>
+        </p:txBody>
+      </p:sp>
+      <p:sp>
+        <p:nvSpPr>
+          <p:cNvPr id="3" name="Content Placeholder 2">
+            <a:extLst>
+              <a:ext uri="{FF2B5EF4-FFF2-40B4-BE49-F238E27FC236}">
+                <a16:creationId xmlns:a16="http://schemas.microsoft.com/office/drawing/2014/main" id="{E06060F4-F2F0-4A93-BA3A-8F21AA583A86}"/>
+              </a:ext>
+            </a:extLst>
+          </p:cNvPr>
+          <p:cNvSpPr>
+            <a:spLocks noGrp="1"/>
+          </p:cNvSpPr>
+          <p:nvPr>
+            <p:ph sz="half" idx="1"/>
+          </p:nvPr>
+        </p:nvSpPr>
+        <p:spPr/>
+        <p:txBody>
+          <a:bodyPr/>
+          <a:lstStyle/>
+          <a:p>
+            <a:r>
+              <a:rPr lang="en-US" dirty="0" err="1"/>
+              <a:t>np.ones</a:t>
+            </a:r>
+            <a:r>
+              <a:rPr lang="en-US" dirty="0"/>
+              <a:t>, </a:t>
+            </a:r>
+            <a:r>
+              <a:rPr lang="en-US" dirty="0" err="1"/>
+              <a:t>np.zeros</a:t>
+            </a:r>
+            <a:endParaRPr lang="en-US" dirty="0"/>
+          </a:p>
+          <a:p>
+            <a:r>
+              <a:rPr lang="en-US" b="1" dirty="0" err="1"/>
+              <a:t>np.arange</a:t>
+            </a:r>
+            <a:endParaRPr lang="en-US" b="1" dirty="0"/>
+          </a:p>
+          <a:p>
+            <a:r>
+              <a:rPr lang="en-US" dirty="0" err="1"/>
+              <a:t>np.concatenate</a:t>
+            </a:r>
+            <a:endParaRPr lang="en-US" dirty="0"/>
+          </a:p>
+          <a:p>
+            <a:r>
+              <a:rPr lang="en-US" dirty="0" err="1"/>
+              <a:t>np.astype</a:t>
+            </a:r>
+            <a:endParaRPr lang="en-US" dirty="0"/>
+          </a:p>
+          <a:p>
+            <a:r>
+              <a:rPr lang="en-US" dirty="0" err="1"/>
+              <a:t>np.zeros_like</a:t>
+            </a:r>
+            <a:r>
+              <a:rPr lang="en-US" dirty="0"/>
+              <a:t>, </a:t>
+            </a:r>
+            <a:r>
+              <a:rPr lang="en-US" dirty="0" err="1"/>
+              <a:t>np.ones_like</a:t>
+            </a:r>
+            <a:endParaRPr lang="en-US" dirty="0"/>
+          </a:p>
+          <a:p>
+            <a:r>
+              <a:rPr lang="en-US" dirty="0" err="1"/>
+              <a:t>np.random.random</a:t>
+            </a:r>
+            <a:endParaRPr lang="en-US" dirty="0"/>
+          </a:p>
+        </p:txBody>
+      </p:sp>
+      <p:pic>
+        <p:nvPicPr>
+          <p:cNvPr id="3076" name="Picture 4" descr="https://i.gyazo.com/8001a5fae4b908ca4cdec3a018885ba7.png">
+            <a:extLst>
+              <a:ext uri="{FF2B5EF4-FFF2-40B4-BE49-F238E27FC236}">
+                <a16:creationId xmlns:a16="http://schemas.microsoft.com/office/drawing/2014/main" id="{F932B43B-F42C-4E3D-8306-84FD7EA80D09}"/>
+              </a:ext>
+            </a:extLst>
+          </p:cNvPr>
+          <p:cNvPicPr>
+            <a:picLocks noGrp="1" noChangeAspect="1" noChangeArrowheads="1"/>
+          </p:cNvPicPr>
+          <p:nvPr>
+            <p:ph sz="half" idx="2"/>
+          </p:nvPr>
+        </p:nvPicPr>
+        <p:blipFill>
+          <a:blip r:embed="rId2">
+            <a:extLst>
+              <a:ext uri="{28A0092B-C50C-407E-A947-70E740481C1C}">
+                <a14:useLocalDpi xmlns:a14="http://schemas.microsoft.com/office/drawing/2010/main" val="0"/>
+              </a:ext>
+            </a:extLst>
+          </a:blip>
+          <a:srcRect/>
+          <a:stretch>
+            <a:fillRect/>
+          </a:stretch>
+        </p:blipFill>
+        <p:spPr bwMode="auto">
+          <a:xfrm>
+            <a:off x="4061748" y="3573016"/>
+            <a:ext cx="4858985" cy="719166"/>
+          </a:xfrm>
+          <a:prstGeom prst="rect">
+            <a:avLst/>
+          </a:prstGeom>
+          <a:noFill/>
+          <a:extLst>
+            <a:ext uri="{909E8E84-426E-40DD-AFC4-6F175D3DCCD1}">
+              <a14:hiddenFill xmlns:a14="http://schemas.microsoft.com/office/drawing/2010/main">
+                <a:solidFill>
+                  <a:srgbClr val="FFFFFF"/>
+                </a:solidFill>
+              </a14:hiddenFill>
+            </a:ext>
+          </a:extLst>
+        </p:spPr>
+      </p:pic>
+      <p:sp>
+        <p:nvSpPr>
+          <p:cNvPr id="4" name="Slide Number Placeholder 3">
+            <a:extLst>
+              <a:ext uri="{FF2B5EF4-FFF2-40B4-BE49-F238E27FC236}">
+                <a16:creationId xmlns:a16="http://schemas.microsoft.com/office/drawing/2014/main" id="{0F3EFB67-0BB7-4EE7-8621-91042C112821}"/>
+              </a:ext>
+            </a:extLst>
+          </p:cNvPr>
+          <p:cNvSpPr>
+            <a:spLocks noGrp="1"/>
+          </p:cNvSpPr>
+          <p:nvPr>
+            <p:ph type="sldNum" sz="quarter" idx="4294967295"/>
+          </p:nvPr>
+        </p:nvSpPr>
+        <p:spPr/>
+        <p:txBody>
+          <a:bodyPr>
+            <a:normAutofit fontScale="25000" lnSpcReduction="20000"/>
+          </a:bodyPr>
+          <a:lstStyle/>
+          <a:p>
+            <a:fld id="{4FAB73BC-B049-4115-A692-8D63A059BFB8}" type="slidenum">
+              <a:rPr lang="en-US" smtClean="0"/>
+              <a:t>8</a:t>
+            </a:fld>
+            <a:endParaRPr lang="en-US" dirty="0"/>
+          </a:p>
+        </p:txBody>
+      </p:sp>
+    </p:spTree>
+    <p:extLst>
+      <p:ext uri="{BB962C8B-B14F-4D97-AF65-F5344CB8AC3E}">
+        <p14:creationId xmlns:p14="http://schemas.microsoft.com/office/powerpoint/2010/main" val="636031390"/>
+      </p:ext>
+    </p:extLst>
+  </p:cSld>
+  <p:clrMapOvr>
+    <a:masterClrMapping/>
+  </p:clrMapOvr>
+</p:sld>
+</file>
+
+<file path=ppt/slides/slide9.xml><?xml version="1.0" encoding="utf-8"?>
+<p:sld xmlns:a="http://schemas.openxmlformats.org/drawingml/2006/main" xmlns:r="http://schemas.openxmlformats.org/officeDocument/2006/relationships" xmlns:p="http://schemas.openxmlformats.org/presentationml/2006/main">
+  <p:cSld>
+    <p:spTree>
+      <p:nvGrpSpPr>
+        <p:cNvPr id="1" name=""/>
+        <p:cNvGrpSpPr/>
+        <p:nvPr/>
+      </p:nvGrpSpPr>
+      <p:grpSpPr>
+        <a:xfrm>
+          <a:off x="0" y="0"/>
+          <a:ext cx="0" cy="0"/>
+          <a:chOff x="0" y="0"/>
+          <a:chExt cx="0" cy="0"/>
+        </a:xfrm>
+      </p:grpSpPr>
+      <p:sp>
+        <p:nvSpPr>
+          <p:cNvPr id="2" name="Titre 1"/>
+          <p:cNvSpPr>
+            <a:spLocks noGrp="1"/>
+          </p:cNvSpPr>
+          <p:nvPr>
+            <p:ph type="title"/>
+          </p:nvPr>
+        </p:nvSpPr>
+        <p:spPr/>
+        <p:txBody>
+          <a:bodyPr/>
+          <a:lstStyle/>
+          <a:p>
+            <a:r>
+              <a:rPr lang="fr-FR" dirty="0" err="1"/>
+              <a:t>Random</a:t>
+            </a:r>
+            <a:endParaRPr lang="fr-FR" dirty="0"/>
+          </a:p>
+        </p:txBody>
+      </p:sp>
+      <p:pic>
+        <p:nvPicPr>
+          <p:cNvPr id="4" name="Image 3"/>
+          <p:cNvPicPr>
+            <a:picLocks noChangeAspect="1"/>
+          </p:cNvPicPr>
+          <p:nvPr/>
+        </p:nvPicPr>
+        <p:blipFill>
+          <a:blip r:embed="rId2"/>
+          <a:stretch>
+            <a:fillRect/>
+          </a:stretch>
+        </p:blipFill>
+        <p:spPr>
+          <a:xfrm>
+            <a:off x="827584" y="1156209"/>
+            <a:ext cx="7466207" cy="3744416"/>
+          </a:xfrm>
+          <a:prstGeom prst="rect">
+            <a:avLst/>
+          </a:prstGeom>
+        </p:spPr>
+      </p:pic>
+    </p:spTree>
+    <p:extLst>
+      <p:ext uri="{BB962C8B-B14F-4D97-AF65-F5344CB8AC3E}">
+        <p14:creationId xmlns:p14="http://schemas.microsoft.com/office/powerpoint/2010/main" val="2677605873"/>
       </p:ext>
     </p:extLst>
   </p:cSld>

--- a/ppt/PythonMath06-Numpy.pptx
+++ b/ppt/PythonMath06-Numpy.pptx
@@ -4366,8 +4366,12 @@
           <a:lstStyle/>
           <a:p>
             <a:r>
+              <a:rPr lang="fr-FR"/>
+              <a:t>Les fonctions </a:t>
+            </a:r>
+            <a:r>
               <a:rPr lang="fr-FR" dirty="0"/>
-              <a:t>Les fonction de réduction de base existent</a:t>
+              <a:t>de réduction de base existent</a:t>
             </a:r>
           </a:p>
           <a:p>
